--- a/Astar.pptx
+++ b/Astar.pptx
@@ -5,7 +5,7 @@
     <p:sldMasterId id="2147483648" r:id="rId1"/>
   </p:sldMasterIdLst>
   <p:notesMasterIdLst>
-    <p:notesMasterId r:id="rId27"/>
+    <p:notesMasterId r:id="rId28"/>
   </p:notesMasterIdLst>
   <p:sldIdLst>
     <p:sldId id="256" r:id="rId2"/>
@@ -17,22 +17,23 @@
     <p:sldId id="263" r:id="rId8"/>
     <p:sldId id="264" r:id="rId9"/>
     <p:sldId id="265" r:id="rId10"/>
-    <p:sldId id="262" r:id="rId11"/>
-    <p:sldId id="266" r:id="rId12"/>
-    <p:sldId id="267" r:id="rId13"/>
-    <p:sldId id="269" r:id="rId14"/>
-    <p:sldId id="270" r:id="rId15"/>
-    <p:sldId id="271" r:id="rId16"/>
-    <p:sldId id="273" r:id="rId17"/>
-    <p:sldId id="274" r:id="rId18"/>
-    <p:sldId id="268" r:id="rId19"/>
-    <p:sldId id="272" r:id="rId20"/>
-    <p:sldId id="275" r:id="rId21"/>
-    <p:sldId id="276" r:id="rId22"/>
-    <p:sldId id="277" r:id="rId23"/>
-    <p:sldId id="278" r:id="rId24"/>
-    <p:sldId id="279" r:id="rId25"/>
-    <p:sldId id="280" r:id="rId26"/>
+    <p:sldId id="281" r:id="rId11"/>
+    <p:sldId id="262" r:id="rId12"/>
+    <p:sldId id="266" r:id="rId13"/>
+    <p:sldId id="267" r:id="rId14"/>
+    <p:sldId id="269" r:id="rId15"/>
+    <p:sldId id="270" r:id="rId16"/>
+    <p:sldId id="271" r:id="rId17"/>
+    <p:sldId id="273" r:id="rId18"/>
+    <p:sldId id="274" r:id="rId19"/>
+    <p:sldId id="268" r:id="rId20"/>
+    <p:sldId id="272" r:id="rId21"/>
+    <p:sldId id="275" r:id="rId22"/>
+    <p:sldId id="276" r:id="rId23"/>
+    <p:sldId id="277" r:id="rId24"/>
+    <p:sldId id="278" r:id="rId25"/>
+    <p:sldId id="279" r:id="rId26"/>
+    <p:sldId id="280" r:id="rId27"/>
   </p:sldIdLst>
   <p:sldSz cx="12192000" cy="6858000"/>
   <p:notesSz cx="6858000" cy="9144000"/>
@@ -221,7 +222,7 @@
           <a:p>
             <a:fld id="{41F4C1DB-E8C8-3344-8B2F-9CC048EBEF64}" type="datetimeFigureOut">
               <a:rPr lang="en-US" smtClean="0"/>
-              <a:t>8/14/17</a:t>
+              <a:t>8/15/17</a:t>
             </a:fld>
             <a:endParaRPr lang="en-US"/>
           </a:p>
@@ -715,7 +716,7 @@
           <a:p>
             <a:fld id="{4BDF68E2-58F2-4D09-BE8B-E3BD06533059}" type="datetimeFigureOut">
               <a:rPr lang="en-US" dirty="0"/>
-              <a:t>8/14/17</a:t>
+              <a:t>8/15/17</a:t>
             </a:fld>
             <a:endParaRPr lang="en-US" dirty="0"/>
           </a:p>
@@ -918,7 +919,7 @@
           <a:p>
             <a:fld id="{2E2D6473-DF6D-4702-B328-E0DD40540A4E}" type="datetimeFigureOut">
               <a:rPr lang="en-US" dirty="0"/>
-              <a:t>8/14/17</a:t>
+              <a:t>8/15/17</a:t>
             </a:fld>
             <a:endParaRPr lang="en-US" dirty="0"/>
           </a:p>
@@ -1169,7 +1170,7 @@
           <a:p>
             <a:fld id="{E26F7E3A-B166-407D-9866-32884E7D5B37}" type="datetimeFigureOut">
               <a:rPr lang="en-US" dirty="0"/>
-              <a:t>8/14/17</a:t>
+              <a:t>8/15/17</a:t>
             </a:fld>
             <a:endParaRPr lang="en-US" dirty="0"/>
           </a:p>
@@ -1338,7 +1339,7 @@
           <a:p>
             <a:fld id="{528FC5F6-F338-4AE4-BB23-26385BCFC423}" type="datetimeFigureOut">
               <a:rPr lang="en-US" dirty="0"/>
-              <a:t>8/14/17</a:t>
+              <a:t>8/15/17</a:t>
             </a:fld>
             <a:endParaRPr lang="en-US" dirty="0"/>
           </a:p>
@@ -1676,7 +1677,7 @@
           <a:p>
             <a:fld id="{20EBB0C4-6273-4C6E-B9BD-2EDC30F1CD52}" type="datetimeFigureOut">
               <a:rPr lang="en-US" dirty="0"/>
-              <a:t>8/14/17</a:t>
+              <a:t>8/15/17</a:t>
             </a:fld>
             <a:endParaRPr lang="en-US" dirty="0"/>
           </a:p>
@@ -1946,7 +1947,7 @@
           <a:p>
             <a:fld id="{19AB4D41-86C1-4908-B66A-0B50CEB3BF29}" type="datetimeFigureOut">
               <a:rPr lang="en-US" dirty="0"/>
-              <a:t>8/14/17</a:t>
+              <a:t>8/15/17</a:t>
             </a:fld>
             <a:endParaRPr lang="en-US" dirty="0"/>
           </a:p>
@@ -2320,7 +2321,7 @@
           <a:p>
             <a:fld id="{E6426E2C-56C1-4E0D-A793-0088A7FDD37E}" type="datetimeFigureOut">
               <a:rPr lang="en-US" dirty="0"/>
-              <a:t>8/14/17</a:t>
+              <a:t>8/15/17</a:t>
             </a:fld>
             <a:endParaRPr lang="en-US" dirty="0"/>
           </a:p>
@@ -2433,7 +2434,7 @@
           <a:p>
             <a:fld id="{C8C39B41-D8B5-4052-B551-9B5525EAA8B6}" type="datetimeFigureOut">
               <a:rPr lang="en-US" dirty="0"/>
-              <a:t>8/14/17</a:t>
+              <a:t>8/15/17</a:t>
             </a:fld>
             <a:endParaRPr lang="en-US" dirty="0"/>
           </a:p>
@@ -2599,7 +2600,7 @@
           <a:p>
             <a:fld id="{4D94136C-8742-45B2-AF27-D93DF72833A9}" type="datetimeFigureOut">
               <a:rPr lang="en-US" dirty="0"/>
-              <a:t>8/14/17</a:t>
+              <a:t>8/15/17</a:t>
             </a:fld>
             <a:endParaRPr lang="en-US" dirty="0"/>
           </a:p>
@@ -2949,7 +2950,7 @@
           <a:p>
             <a:fld id="{32ABBEA6-7C60-4B02-AE87-00D78D8422AF}" type="datetimeFigureOut">
               <a:rPr lang="en-US" dirty="0"/>
-              <a:t>8/14/17</a:t>
+              <a:t>8/15/17</a:t>
             </a:fld>
             <a:endParaRPr lang="en-US" dirty="0"/>
           </a:p>
@@ -3324,7 +3325,7 @@
           <a:p>
             <a:fld id="{C9CAD897-D46E-4AD2-BD9B-49DD3E640873}" type="datetimeFigureOut">
               <a:rPr lang="en-US" dirty="0"/>
-              <a:t>8/14/17</a:t>
+              <a:t>8/15/17</a:t>
             </a:fld>
             <a:endParaRPr lang="en-US" dirty="0"/>
           </a:p>
@@ -3606,7 +3607,7 @@
           <a:p>
             <a:fld id="{98624D31-43A5-475A-80CF-332C9F6DCF35}" type="datetimeFigureOut">
               <a:rPr lang="en-US" dirty="0"/>
-              <a:t>8/14/17</a:t>
+              <a:t>8/15/17</a:t>
             </a:fld>
             <a:endParaRPr lang="en-US" dirty="0"/>
           </a:p>
@@ -4232,6 +4233,104 @@
           <a:lstStyle/>
           <a:p>
             <a:r>
+              <a:rPr lang="en-US" dirty="0"/>
+              <a:t>A* Search</a:t>
+            </a:r>
+          </a:p>
+        </p:txBody>
+      </p:sp>
+      <p:sp>
+        <p:nvSpPr>
+          <p:cNvPr id="3" name="Content Placeholder 2"/>
+          <p:cNvSpPr>
+            <a:spLocks noGrp="1"/>
+          </p:cNvSpPr>
+          <p:nvPr>
+            <p:ph idx="1"/>
+          </p:nvPr>
+        </p:nvSpPr>
+        <p:spPr/>
+        <p:txBody>
+          <a:bodyPr/>
+          <a:lstStyle/>
+          <a:p>
+            <a:r>
+              <a:rPr lang="en-US" dirty="0"/>
+              <a:t>A* search takes our previous BFS algorithm and mixes in guidance information known as a Heuristic.</a:t>
+            </a:r>
+          </a:p>
+          <a:p>
+            <a:r>
+              <a:rPr lang="en-US" dirty="0"/>
+              <a:t>In our new example, we are giving Harry information on how far he is from the goal.</a:t>
+            </a:r>
+          </a:p>
+          <a:p>
+            <a:r>
+              <a:rPr lang="en-US" dirty="0"/>
+              <a:t>Using this heuristic, Harry can prioritize what squares he searches by adding how far he would have to travel to how far away the square is from the goal</a:t>
+            </a:r>
+            <a:r>
+              <a:rPr lang="en-US" dirty="0" smtClean="0"/>
+              <a:t>.</a:t>
+            </a:r>
+            <a:endParaRPr lang="en-US" dirty="0"/>
+          </a:p>
+        </p:txBody>
+      </p:sp>
+    </p:spTree>
+    <p:extLst>
+      <p:ext uri="{BB962C8B-B14F-4D97-AF65-F5344CB8AC3E}">
+        <p14:creationId xmlns:p14="http://schemas.microsoft.com/office/powerpoint/2010/main" val="611451817"/>
+      </p:ext>
+    </p:extLst>
+  </p:cSld>
+  <p:clrMapOvr>
+    <a:masterClrMapping/>
+  </p:clrMapOvr>
+  <p:timing>
+    <p:tnLst>
+      <p:par>
+        <p:cTn id="1" dur="indefinite" restart="never" nodeType="tmRoot"/>
+      </p:par>
+    </p:tnLst>
+  </p:timing>
+</p:sld>
+</file>
+
+<file path=ppt/slides/slide11.xml><?xml version="1.0" encoding="utf-8"?>
+<p:sld xmlns:a="http://schemas.openxmlformats.org/drawingml/2006/main" xmlns:r="http://schemas.openxmlformats.org/officeDocument/2006/relationships" xmlns:p="http://schemas.openxmlformats.org/presentationml/2006/main">
+  <p:cSld>
+    <p:spTree>
+      <p:nvGrpSpPr>
+        <p:cNvPr id="1" name=""/>
+        <p:cNvGrpSpPr/>
+        <p:nvPr/>
+      </p:nvGrpSpPr>
+      <p:grpSpPr>
+        <a:xfrm>
+          <a:off x="0" y="0"/>
+          <a:ext cx="0" cy="0"/>
+          <a:chOff x="0" y="0"/>
+          <a:chExt cx="0" cy="0"/>
+        </a:xfrm>
+      </p:grpSpPr>
+      <p:sp>
+        <p:nvSpPr>
+          <p:cNvPr id="2" name="Title 1"/>
+          <p:cNvSpPr>
+            <a:spLocks noGrp="1"/>
+          </p:cNvSpPr>
+          <p:nvPr>
+            <p:ph type="title"/>
+          </p:nvPr>
+        </p:nvSpPr>
+        <p:spPr/>
+        <p:txBody>
+          <a:bodyPr/>
+          <a:lstStyle/>
+          <a:p>
+            <a:r>
               <a:rPr lang="en-US" dirty="0" smtClean="0"/>
               <a:t>A* Search</a:t>
             </a:r>
@@ -4291,29 +4390,13 @@
           <a:p>
             <a:r>
               <a:rPr lang="en-US" dirty="0" smtClean="0"/>
-              <a:t>In our new example, we are giving </a:t>
-            </a:r>
+              <a:t>In our new example, we are giving Harry information on how far he is from the goal.</a:t>
+            </a:r>
+          </a:p>
+          <a:p>
             <a:r>
               <a:rPr lang="en-US" dirty="0" smtClean="0"/>
-              <a:t>Harry </a:t>
-            </a:r>
-            <a:r>
-              <a:rPr lang="en-US" dirty="0" smtClean="0"/>
-              <a:t>information on how far he is from the goal.</a:t>
-            </a:r>
-          </a:p>
-          <a:p>
-            <a:r>
-              <a:rPr lang="en-US" dirty="0" smtClean="0"/>
-              <a:t>Using this heuristic, </a:t>
-            </a:r>
-            <a:r>
-              <a:rPr lang="en-US" dirty="0" smtClean="0"/>
-              <a:t>Harry </a:t>
-            </a:r>
-            <a:r>
-              <a:rPr lang="en-US" dirty="0" smtClean="0"/>
-              <a:t>can prioritize what squares he searches by adding how far he would have to travel to how far away the square is from the goal.</a:t>
+              <a:t>Using this heuristic, Harry can prioritize what squares he searches by adding how far he would have to travel to how far away the square is from the goal.</a:t>
             </a:r>
             <a:endParaRPr lang="en-US" dirty="0"/>
           </a:p>
@@ -4626,6 +4709,526 @@
           <a:p>
             <a:pPr algn="ctr"/>
             <a:r>
+              <a:rPr lang="en-US" sz="5400" dirty="0">
+                <a:ln w="0"/>
+                <a:effectLst>
+                  <a:outerShdw blurRad="38100" dist="19050" dir="2700000" algn="tl" rotWithShape="0">
+                    <a:schemeClr val="dk1">
+                      <a:alpha val="40000"/>
+                    </a:schemeClr>
+                  </a:outerShdw>
+                </a:effectLst>
+              </a:rPr>
+              <a:t>5</a:t>
+            </a:r>
+            <a:endParaRPr lang="en-US" sz="5400" b="0" cap="none" spc="0" dirty="0">
+              <a:ln w="0"/>
+              <a:solidFill>
+                <a:schemeClr val="tx1"/>
+              </a:solidFill>
+              <a:effectLst>
+                <a:outerShdw blurRad="38100" dist="19050" dir="2700000" algn="tl" rotWithShape="0">
+                  <a:schemeClr val="dk1">
+                    <a:alpha val="40000"/>
+                  </a:schemeClr>
+                </a:outerShdw>
+              </a:effectLst>
+            </a:endParaRPr>
+          </a:p>
+        </p:txBody>
+      </p:sp>
+      <p:sp>
+        <p:nvSpPr>
+          <p:cNvPr id="23" name="Rectangle 22"/>
+          <p:cNvSpPr/>
+          <p:nvPr/>
+        </p:nvSpPr>
+        <p:spPr>
+          <a:xfrm>
+            <a:off x="6213446" y="2069356"/>
+            <a:ext cx="427272" cy="923330"/>
+          </a:xfrm>
+          <a:prstGeom prst="rect">
+            <a:avLst/>
+          </a:prstGeom>
+          <a:noFill/>
+        </p:spPr>
+        <p:txBody>
+          <a:bodyPr wrap="square" lIns="91440" tIns="45720" rIns="91440" bIns="45720">
+            <a:spAutoFit/>
+          </a:bodyPr>
+          <a:lstStyle/>
+          <a:p>
+            <a:pPr algn="ctr"/>
+            <a:r>
+              <a:rPr lang="en-US" sz="5400" dirty="0" smtClean="0">
+                <a:ln w="0"/>
+                <a:effectLst>
+                  <a:outerShdw blurRad="38100" dist="19050" dir="2700000" algn="tl" rotWithShape="0">
+                    <a:schemeClr val="dk1">
+                      <a:alpha val="40000"/>
+                    </a:schemeClr>
+                  </a:outerShdw>
+                </a:effectLst>
+              </a:rPr>
+              <a:t>5</a:t>
+            </a:r>
+            <a:endParaRPr lang="en-US" sz="5400" b="0" cap="none" spc="0" dirty="0">
+              <a:ln w="0"/>
+              <a:solidFill>
+                <a:schemeClr val="tx1"/>
+              </a:solidFill>
+              <a:effectLst>
+                <a:outerShdw blurRad="38100" dist="19050" dir="2700000" algn="tl" rotWithShape="0">
+                  <a:schemeClr val="dk1">
+                    <a:alpha val="40000"/>
+                  </a:schemeClr>
+                </a:outerShdw>
+              </a:effectLst>
+            </a:endParaRPr>
+          </a:p>
+        </p:txBody>
+      </p:sp>
+      <p:sp>
+        <p:nvSpPr>
+          <p:cNvPr id="24" name="Rectangle 23"/>
+          <p:cNvSpPr/>
+          <p:nvPr/>
+        </p:nvSpPr>
+        <p:spPr>
+          <a:xfrm>
+            <a:off x="5385657" y="2069356"/>
+            <a:ext cx="427272" cy="923330"/>
+          </a:xfrm>
+          <a:prstGeom prst="rect">
+            <a:avLst/>
+          </a:prstGeom>
+          <a:noFill/>
+        </p:spPr>
+        <p:txBody>
+          <a:bodyPr wrap="square" lIns="91440" tIns="45720" rIns="91440" bIns="45720">
+            <a:spAutoFit/>
+          </a:bodyPr>
+          <a:lstStyle/>
+          <a:p>
+            <a:pPr algn="ctr"/>
+            <a:r>
+              <a:rPr lang="en-US" sz="5400" dirty="0">
+                <a:ln w="0"/>
+                <a:effectLst>
+                  <a:outerShdw blurRad="38100" dist="19050" dir="2700000" algn="tl" rotWithShape="0">
+                    <a:schemeClr val="dk1">
+                      <a:alpha val="40000"/>
+                    </a:schemeClr>
+                  </a:outerShdw>
+                </a:effectLst>
+              </a:rPr>
+              <a:t>6</a:t>
+            </a:r>
+            <a:endParaRPr lang="en-US" sz="5400" b="0" cap="none" spc="0" dirty="0">
+              <a:ln w="0"/>
+              <a:solidFill>
+                <a:schemeClr val="tx1"/>
+              </a:solidFill>
+              <a:effectLst>
+                <a:outerShdw blurRad="38100" dist="19050" dir="2700000" algn="tl" rotWithShape="0">
+                  <a:schemeClr val="dk1">
+                    <a:alpha val="40000"/>
+                  </a:schemeClr>
+                </a:outerShdw>
+              </a:effectLst>
+            </a:endParaRPr>
+          </a:p>
+        </p:txBody>
+      </p:sp>
+      <p:sp>
+        <p:nvSpPr>
+          <p:cNvPr id="25" name="Rectangle 24"/>
+          <p:cNvSpPr/>
+          <p:nvPr/>
+        </p:nvSpPr>
+        <p:spPr>
+          <a:xfrm>
+            <a:off x="7025410" y="1266965"/>
+            <a:ext cx="427272" cy="923330"/>
+          </a:xfrm>
+          <a:prstGeom prst="rect">
+            <a:avLst/>
+          </a:prstGeom>
+          <a:noFill/>
+        </p:spPr>
+        <p:txBody>
+          <a:bodyPr wrap="square" lIns="91440" tIns="45720" rIns="91440" bIns="45720">
+            <a:spAutoFit/>
+          </a:bodyPr>
+          <a:lstStyle/>
+          <a:p>
+            <a:pPr algn="ctr"/>
+            <a:r>
+              <a:rPr lang="en-US" sz="5400" dirty="0">
+                <a:ln w="0"/>
+                <a:effectLst>
+                  <a:outerShdw blurRad="38100" dist="19050" dir="2700000" algn="tl" rotWithShape="0">
+                    <a:schemeClr val="dk1">
+                      <a:alpha val="40000"/>
+                    </a:schemeClr>
+                  </a:outerShdw>
+                </a:effectLst>
+              </a:rPr>
+              <a:t>4</a:t>
+            </a:r>
+            <a:endParaRPr lang="en-US" sz="5400" b="0" cap="none" spc="0" dirty="0">
+              <a:ln w="0"/>
+              <a:solidFill>
+                <a:schemeClr val="tx1"/>
+              </a:solidFill>
+              <a:effectLst>
+                <a:outerShdw blurRad="38100" dist="19050" dir="2700000" algn="tl" rotWithShape="0">
+                  <a:schemeClr val="dk1">
+                    <a:alpha val="40000"/>
+                  </a:schemeClr>
+                </a:outerShdw>
+              </a:effectLst>
+            </a:endParaRPr>
+          </a:p>
+        </p:txBody>
+      </p:sp>
+      <p:sp>
+        <p:nvSpPr>
+          <p:cNvPr id="26" name="Rectangle 25"/>
+          <p:cNvSpPr/>
+          <p:nvPr/>
+        </p:nvSpPr>
+        <p:spPr>
+          <a:xfrm>
+            <a:off x="7032858" y="2073457"/>
+            <a:ext cx="427272" cy="923330"/>
+          </a:xfrm>
+          <a:prstGeom prst="rect">
+            <a:avLst/>
+          </a:prstGeom>
+          <a:noFill/>
+        </p:spPr>
+        <p:txBody>
+          <a:bodyPr wrap="square" lIns="91440" tIns="45720" rIns="91440" bIns="45720">
+            <a:spAutoFit/>
+          </a:bodyPr>
+          <a:lstStyle/>
+          <a:p>
+            <a:pPr algn="ctr"/>
+            <a:r>
+              <a:rPr lang="en-US" sz="5400" dirty="0">
+                <a:ln w="0"/>
+                <a:effectLst>
+                  <a:outerShdw blurRad="38100" dist="19050" dir="2700000" algn="tl" rotWithShape="0">
+                    <a:schemeClr val="dk1">
+                      <a:alpha val="40000"/>
+                    </a:schemeClr>
+                  </a:outerShdw>
+                </a:effectLst>
+              </a:rPr>
+              <a:t>4</a:t>
+            </a:r>
+            <a:endParaRPr lang="en-US" sz="5400" b="0" cap="none" spc="0" dirty="0">
+              <a:ln w="0"/>
+              <a:solidFill>
+                <a:schemeClr val="tx1"/>
+              </a:solidFill>
+              <a:effectLst>
+                <a:outerShdw blurRad="38100" dist="19050" dir="2700000" algn="tl" rotWithShape="0">
+                  <a:schemeClr val="dk1">
+                    <a:alpha val="40000"/>
+                  </a:schemeClr>
+                </a:outerShdw>
+              </a:effectLst>
+            </a:endParaRPr>
+          </a:p>
+        </p:txBody>
+      </p:sp>
+      <p:sp>
+        <p:nvSpPr>
+          <p:cNvPr id="27" name="Rectangle 26"/>
+          <p:cNvSpPr/>
+          <p:nvPr/>
+        </p:nvSpPr>
+        <p:spPr>
+          <a:xfrm>
+            <a:off x="5400169" y="2880359"/>
+            <a:ext cx="427272" cy="923330"/>
+          </a:xfrm>
+          <a:prstGeom prst="rect">
+            <a:avLst/>
+          </a:prstGeom>
+          <a:noFill/>
+        </p:spPr>
+        <p:txBody>
+          <a:bodyPr wrap="square" lIns="91440" tIns="45720" rIns="91440" bIns="45720">
+            <a:spAutoFit/>
+          </a:bodyPr>
+          <a:lstStyle/>
+          <a:p>
+            <a:pPr algn="ctr"/>
+            <a:r>
+              <a:rPr lang="en-US" sz="5400">
+                <a:ln w="0"/>
+                <a:effectLst>
+                  <a:outerShdw blurRad="38100" dist="19050" dir="2700000" algn="tl" rotWithShape="0">
+                    <a:schemeClr val="dk1">
+                      <a:alpha val="40000"/>
+                    </a:schemeClr>
+                  </a:outerShdw>
+                </a:effectLst>
+              </a:rPr>
+              <a:t>6</a:t>
+            </a:r>
+            <a:endParaRPr lang="en-US" sz="5400" b="0" cap="none" spc="0" dirty="0">
+              <a:ln w="0"/>
+              <a:solidFill>
+                <a:schemeClr val="tx1"/>
+              </a:solidFill>
+              <a:effectLst>
+                <a:outerShdw blurRad="38100" dist="19050" dir="2700000" algn="tl" rotWithShape="0">
+                  <a:schemeClr val="dk1">
+                    <a:alpha val="40000"/>
+                  </a:schemeClr>
+                </a:outerShdw>
+              </a:effectLst>
+            </a:endParaRPr>
+          </a:p>
+        </p:txBody>
+      </p:sp>
+      <p:sp>
+        <p:nvSpPr>
+          <p:cNvPr id="28" name="Rectangle 27"/>
+          <p:cNvSpPr/>
+          <p:nvPr/>
+        </p:nvSpPr>
+        <p:spPr>
+          <a:xfrm>
+            <a:off x="7849940" y="1266965"/>
+            <a:ext cx="427272" cy="923330"/>
+          </a:xfrm>
+          <a:prstGeom prst="rect">
+            <a:avLst/>
+          </a:prstGeom>
+          <a:noFill/>
+        </p:spPr>
+        <p:txBody>
+          <a:bodyPr wrap="square" lIns="91440" tIns="45720" rIns="91440" bIns="45720">
+            <a:spAutoFit/>
+          </a:bodyPr>
+          <a:lstStyle/>
+          <a:p>
+            <a:pPr algn="ctr"/>
+            <a:r>
+              <a:rPr lang="en-US" sz="5400" dirty="0">
+                <a:ln w="0"/>
+                <a:effectLst>
+                  <a:outerShdw blurRad="38100" dist="19050" dir="2700000" algn="tl" rotWithShape="0">
+                    <a:schemeClr val="dk1">
+                      <a:alpha val="40000"/>
+                    </a:schemeClr>
+                  </a:outerShdw>
+                </a:effectLst>
+              </a:rPr>
+              <a:t>4</a:t>
+            </a:r>
+            <a:endParaRPr lang="en-US" sz="5400" b="0" cap="none" spc="0" dirty="0">
+              <a:ln w="0"/>
+              <a:solidFill>
+                <a:schemeClr val="tx1"/>
+              </a:solidFill>
+              <a:effectLst>
+                <a:outerShdw blurRad="38100" dist="19050" dir="2700000" algn="tl" rotWithShape="0">
+                  <a:schemeClr val="dk1">
+                    <a:alpha val="40000"/>
+                  </a:schemeClr>
+                </a:outerShdw>
+              </a:effectLst>
+            </a:endParaRPr>
+          </a:p>
+        </p:txBody>
+      </p:sp>
+      <p:sp>
+        <p:nvSpPr>
+          <p:cNvPr id="29" name="Rectangle 28"/>
+          <p:cNvSpPr/>
+          <p:nvPr/>
+        </p:nvSpPr>
+        <p:spPr>
+          <a:xfrm>
+            <a:off x="5425724" y="3735280"/>
+            <a:ext cx="427272" cy="923330"/>
+          </a:xfrm>
+          <a:prstGeom prst="rect">
+            <a:avLst/>
+          </a:prstGeom>
+          <a:noFill/>
+        </p:spPr>
+        <p:txBody>
+          <a:bodyPr wrap="square" lIns="91440" tIns="45720" rIns="91440" bIns="45720">
+            <a:spAutoFit/>
+          </a:bodyPr>
+          <a:lstStyle/>
+          <a:p>
+            <a:pPr algn="ctr"/>
+            <a:r>
+              <a:rPr lang="en-US" sz="5400" dirty="0">
+                <a:ln w="0"/>
+                <a:effectLst>
+                  <a:outerShdw blurRad="38100" dist="19050" dir="2700000" algn="tl" rotWithShape="0">
+                    <a:schemeClr val="dk1">
+                      <a:alpha val="40000"/>
+                    </a:schemeClr>
+                  </a:outerShdw>
+                </a:effectLst>
+              </a:rPr>
+              <a:t>6</a:t>
+            </a:r>
+            <a:endParaRPr lang="en-US" sz="5400" b="0" cap="none" spc="0" dirty="0">
+              <a:ln w="0"/>
+              <a:solidFill>
+                <a:schemeClr val="tx1"/>
+              </a:solidFill>
+              <a:effectLst>
+                <a:outerShdw blurRad="38100" dist="19050" dir="2700000" algn="tl" rotWithShape="0">
+                  <a:schemeClr val="dk1">
+                    <a:alpha val="40000"/>
+                  </a:schemeClr>
+                </a:outerShdw>
+              </a:effectLst>
+            </a:endParaRPr>
+          </a:p>
+        </p:txBody>
+      </p:sp>
+      <p:sp>
+        <p:nvSpPr>
+          <p:cNvPr id="30" name="Rectangle 29"/>
+          <p:cNvSpPr/>
+          <p:nvPr/>
+        </p:nvSpPr>
+        <p:spPr>
+          <a:xfrm>
+            <a:off x="5400169" y="4546283"/>
+            <a:ext cx="427272" cy="923330"/>
+          </a:xfrm>
+          <a:prstGeom prst="rect">
+            <a:avLst/>
+          </a:prstGeom>
+          <a:noFill/>
+        </p:spPr>
+        <p:txBody>
+          <a:bodyPr wrap="square" lIns="91440" tIns="45720" rIns="91440" bIns="45720">
+            <a:spAutoFit/>
+          </a:bodyPr>
+          <a:lstStyle/>
+          <a:p>
+            <a:pPr algn="ctr"/>
+            <a:r>
+              <a:rPr lang="en-US" sz="5400" dirty="0" smtClean="0">
+                <a:ln w="0"/>
+                <a:effectLst>
+                  <a:outerShdw blurRad="38100" dist="19050" dir="2700000" algn="tl" rotWithShape="0">
+                    <a:schemeClr val="dk1">
+                      <a:alpha val="40000"/>
+                    </a:schemeClr>
+                  </a:outerShdw>
+                </a:effectLst>
+              </a:rPr>
+              <a:t>6</a:t>
+            </a:r>
+            <a:endParaRPr lang="en-US" sz="5400" b="0" cap="none" spc="0" dirty="0">
+              <a:ln w="0"/>
+              <a:solidFill>
+                <a:schemeClr val="tx1"/>
+              </a:solidFill>
+              <a:effectLst>
+                <a:outerShdw blurRad="38100" dist="19050" dir="2700000" algn="tl" rotWithShape="0">
+                  <a:schemeClr val="dk1">
+                    <a:alpha val="40000"/>
+                  </a:schemeClr>
+                </a:outerShdw>
+              </a:effectLst>
+            </a:endParaRPr>
+          </a:p>
+        </p:txBody>
+      </p:sp>
+      <p:sp>
+        <p:nvSpPr>
+          <p:cNvPr id="31" name="Rectangle 30"/>
+          <p:cNvSpPr/>
+          <p:nvPr/>
+        </p:nvSpPr>
+        <p:spPr>
+          <a:xfrm>
+            <a:off x="6213446" y="4575252"/>
+            <a:ext cx="427272" cy="923330"/>
+          </a:xfrm>
+          <a:prstGeom prst="rect">
+            <a:avLst/>
+          </a:prstGeom>
+          <a:noFill/>
+        </p:spPr>
+        <p:txBody>
+          <a:bodyPr wrap="square" lIns="91440" tIns="45720" rIns="91440" bIns="45720">
+            <a:spAutoFit/>
+          </a:bodyPr>
+          <a:lstStyle/>
+          <a:p>
+            <a:pPr algn="ctr"/>
+            <a:r>
+              <a:rPr lang="en-US" sz="5400" dirty="0">
+                <a:ln w="0"/>
+                <a:effectLst>
+                  <a:outerShdw blurRad="38100" dist="19050" dir="2700000" algn="tl" rotWithShape="0">
+                    <a:schemeClr val="dk1">
+                      <a:alpha val="40000"/>
+                    </a:schemeClr>
+                  </a:outerShdw>
+                </a:effectLst>
+              </a:rPr>
+              <a:t>5</a:t>
+            </a:r>
+            <a:endParaRPr lang="en-US" sz="5400" b="0" cap="none" spc="0" dirty="0">
+              <a:ln w="0"/>
+              <a:solidFill>
+                <a:schemeClr val="tx1"/>
+              </a:solidFill>
+              <a:effectLst>
+                <a:outerShdw blurRad="38100" dist="19050" dir="2700000" algn="tl" rotWithShape="0">
+                  <a:schemeClr val="dk1">
+                    <a:alpha val="40000"/>
+                  </a:schemeClr>
+                </a:outerShdw>
+              </a:effectLst>
+            </a:endParaRPr>
+          </a:p>
+        </p:txBody>
+      </p:sp>
+      <p:sp>
+        <p:nvSpPr>
+          <p:cNvPr id="32" name="Rectangle 31"/>
+          <p:cNvSpPr/>
+          <p:nvPr/>
+        </p:nvSpPr>
+        <p:spPr>
+          <a:xfrm>
+            <a:off x="6213446" y="3735280"/>
+            <a:ext cx="427272" cy="923330"/>
+          </a:xfrm>
+          <a:prstGeom prst="rect">
+            <a:avLst/>
+          </a:prstGeom>
+          <a:noFill/>
+        </p:spPr>
+        <p:txBody>
+          <a:bodyPr wrap="square" lIns="91440" tIns="45720" rIns="91440" bIns="45720">
+            <a:spAutoFit/>
+          </a:bodyPr>
+          <a:lstStyle/>
+          <a:p>
+            <a:pPr algn="ctr"/>
+            <a:r>
               <a:rPr lang="en-US" sz="5400" b="0" cap="none" spc="0" dirty="0" smtClean="0">
                 <a:ln w="0"/>
                 <a:solidFill>
@@ -4639,7 +5242,7 @@
                   </a:outerShdw>
                 </a:effectLst>
               </a:rPr>
-              <a:t>1</a:t>
+              <a:t>5</a:t>
             </a:r>
             <a:endParaRPr lang="en-US" sz="5400" b="0" cap="none" spc="0" dirty="0">
               <a:ln w="0"/>
@@ -4659,13 +5262,13 @@
       </p:sp>
       <p:sp>
         <p:nvSpPr>
-          <p:cNvPr id="23" name="Rectangle 22"/>
+          <p:cNvPr id="33" name="Rectangle 32"/>
           <p:cNvSpPr/>
           <p:nvPr/>
         </p:nvSpPr>
         <p:spPr>
           <a:xfrm>
-            <a:off x="6213446" y="2069356"/>
+            <a:off x="7032858" y="3714388"/>
             <a:ext cx="427272" cy="923330"/>
           </a:xfrm>
           <a:prstGeom prst="rect">
@@ -4681,11 +5284,8 @@
           <a:p>
             <a:pPr algn="ctr"/>
             <a:r>
-              <a:rPr lang="en-US" sz="5400" b="0" cap="none" spc="0" dirty="0" smtClean="0">
+              <a:rPr lang="en-US" sz="5400" dirty="0">
                 <a:ln w="0"/>
-                <a:solidFill>
-                  <a:schemeClr val="tx1"/>
-                </a:solidFill>
                 <a:effectLst>
                   <a:outerShdw blurRad="38100" dist="19050" dir="2700000" algn="tl" rotWithShape="0">
                     <a:schemeClr val="dk1">
@@ -4694,7 +5294,7 @@
                   </a:outerShdw>
                 </a:effectLst>
               </a:rPr>
-              <a:t>1</a:t>
+              <a:t>4</a:t>
             </a:r>
             <a:endParaRPr lang="en-US" sz="5400" b="0" cap="none" spc="0" dirty="0">
               <a:ln w="0"/>
@@ -4714,13 +5314,13 @@
       </p:sp>
       <p:sp>
         <p:nvSpPr>
-          <p:cNvPr id="24" name="Rectangle 23"/>
+          <p:cNvPr id="34" name="Rectangle 33"/>
           <p:cNvSpPr/>
           <p:nvPr/>
         </p:nvSpPr>
         <p:spPr>
           <a:xfrm>
-            <a:off x="5385657" y="2069356"/>
+            <a:off x="7032858" y="4537708"/>
             <a:ext cx="427272" cy="923330"/>
           </a:xfrm>
           <a:prstGeom prst="rect">
@@ -4736,11 +5336,8 @@
           <a:p>
             <a:pPr algn="ctr"/>
             <a:r>
-              <a:rPr lang="en-US" sz="5400" b="0" cap="none" spc="0" dirty="0" smtClean="0">
+              <a:rPr lang="en-US" sz="5400" dirty="0">
                 <a:ln w="0"/>
-                <a:solidFill>
-                  <a:schemeClr val="tx1"/>
-                </a:solidFill>
                 <a:effectLst>
                   <a:outerShdw blurRad="38100" dist="19050" dir="2700000" algn="tl" rotWithShape="0">
                     <a:schemeClr val="dk1">
@@ -4749,7 +5346,7 @@
                   </a:outerShdw>
                 </a:effectLst>
               </a:rPr>
-              <a:t>1</a:t>
+              <a:t>4</a:t>
             </a:r>
             <a:endParaRPr lang="en-US" sz="5400" b="0" cap="none" spc="0" dirty="0">
               <a:ln w="0"/>
@@ -4769,13 +5366,117 @@
       </p:sp>
       <p:sp>
         <p:nvSpPr>
-          <p:cNvPr id="25" name="Rectangle 24"/>
+          <p:cNvPr id="35" name="Rectangle 34"/>
           <p:cNvSpPr/>
           <p:nvPr/>
         </p:nvSpPr>
         <p:spPr>
           <a:xfrm>
-            <a:off x="7025410" y="1266965"/>
+            <a:off x="7827141" y="3692312"/>
+            <a:ext cx="427272" cy="923330"/>
+          </a:xfrm>
+          <a:prstGeom prst="rect">
+            <a:avLst/>
+          </a:prstGeom>
+          <a:noFill/>
+        </p:spPr>
+        <p:txBody>
+          <a:bodyPr wrap="square" lIns="91440" tIns="45720" rIns="91440" bIns="45720">
+            <a:spAutoFit/>
+          </a:bodyPr>
+          <a:lstStyle/>
+          <a:p>
+            <a:pPr algn="ctr"/>
+            <a:r>
+              <a:rPr lang="en-US" sz="5400" dirty="0">
+                <a:ln w="0"/>
+                <a:effectLst>
+                  <a:outerShdw blurRad="38100" dist="19050" dir="2700000" algn="tl" rotWithShape="0">
+                    <a:schemeClr val="dk1">
+                      <a:alpha val="40000"/>
+                    </a:schemeClr>
+                  </a:outerShdw>
+                </a:effectLst>
+              </a:rPr>
+              <a:t>3</a:t>
+            </a:r>
+            <a:endParaRPr lang="en-US" sz="5400" b="0" cap="none" spc="0" dirty="0">
+              <a:ln w="0"/>
+              <a:solidFill>
+                <a:schemeClr val="tx1"/>
+              </a:solidFill>
+              <a:effectLst>
+                <a:outerShdw blurRad="38100" dist="19050" dir="2700000" algn="tl" rotWithShape="0">
+                  <a:schemeClr val="dk1">
+                    <a:alpha val="40000"/>
+                  </a:schemeClr>
+                </a:outerShdw>
+              </a:effectLst>
+            </a:endParaRPr>
+          </a:p>
+        </p:txBody>
+      </p:sp>
+      <p:sp>
+        <p:nvSpPr>
+          <p:cNvPr id="36" name="Rectangle 35"/>
+          <p:cNvSpPr/>
+          <p:nvPr/>
+        </p:nvSpPr>
+        <p:spPr>
+          <a:xfrm>
+            <a:off x="7849940" y="4518678"/>
+            <a:ext cx="427272" cy="923330"/>
+          </a:xfrm>
+          <a:prstGeom prst="rect">
+            <a:avLst/>
+          </a:prstGeom>
+          <a:noFill/>
+        </p:spPr>
+        <p:txBody>
+          <a:bodyPr wrap="square" lIns="91440" tIns="45720" rIns="91440" bIns="45720">
+            <a:spAutoFit/>
+          </a:bodyPr>
+          <a:lstStyle/>
+          <a:p>
+            <a:pPr algn="ctr"/>
+            <a:r>
+              <a:rPr lang="en-US" sz="5400" dirty="0">
+                <a:ln w="0"/>
+                <a:effectLst>
+                  <a:outerShdw blurRad="38100" dist="19050" dir="2700000" algn="tl" rotWithShape="0">
+                    <a:schemeClr val="dk1">
+                      <a:alpha val="40000"/>
+                    </a:schemeClr>
+                  </a:outerShdw>
+                </a:effectLst>
+              </a:rPr>
+              <a:t>3</a:t>
+            </a:r>
+            <a:endParaRPr lang="en-US" sz="5400" b="0" cap="none" spc="0" dirty="0">
+              <a:ln w="0"/>
+              <a:solidFill>
+                <a:schemeClr val="tx1"/>
+              </a:solidFill>
+              <a:effectLst>
+                <a:outerShdw blurRad="38100" dist="19050" dir="2700000" algn="tl" rotWithShape="0">
+                  <a:schemeClr val="dk1">
+                    <a:alpha val="40000"/>
+                  </a:schemeClr>
+                </a:outerShdw>
+              </a:effectLst>
+            </a:endParaRPr>
+          </a:p>
+        </p:txBody>
+      </p:sp>
+      <p:sp>
+        <p:nvSpPr>
+          <p:cNvPr id="37" name="Rectangle 36"/>
+          <p:cNvSpPr/>
+          <p:nvPr/>
+        </p:nvSpPr>
+        <p:spPr>
+          <a:xfrm>
+            <a:off x="8658285" y="3695358"/>
             <a:ext cx="427272" cy="923330"/>
           </a:xfrm>
           <a:prstGeom prst="rect">
@@ -4824,68 +5525,13 @@
       </p:sp>
       <p:sp>
         <p:nvSpPr>
-          <p:cNvPr id="26" name="Rectangle 25"/>
+          <p:cNvPr id="38" name="Rectangle 37"/>
           <p:cNvSpPr/>
           <p:nvPr/>
         </p:nvSpPr>
         <p:spPr>
           <a:xfrm>
-            <a:off x="7032858" y="2073457"/>
-            <a:ext cx="427272" cy="923330"/>
-          </a:xfrm>
-          <a:prstGeom prst="rect">
-            <a:avLst/>
-          </a:prstGeom>
-          <a:noFill/>
-        </p:spPr>
-        <p:txBody>
-          <a:bodyPr wrap="square" lIns="91440" tIns="45720" rIns="91440" bIns="45720">
-            <a:spAutoFit/>
-          </a:bodyPr>
-          <a:lstStyle/>
-          <a:p>
-            <a:pPr algn="ctr"/>
-            <a:r>
-              <a:rPr lang="en-US" sz="5400" b="0" cap="none" spc="0" dirty="0" smtClean="0">
-                <a:ln w="0"/>
-                <a:solidFill>
-                  <a:schemeClr val="tx1"/>
-                </a:solidFill>
-                <a:effectLst>
-                  <a:outerShdw blurRad="38100" dist="19050" dir="2700000" algn="tl" rotWithShape="0">
-                    <a:schemeClr val="dk1">
-                      <a:alpha val="40000"/>
-                    </a:schemeClr>
-                  </a:outerShdw>
-                </a:effectLst>
-              </a:rPr>
-              <a:t>2</a:t>
-            </a:r>
-            <a:endParaRPr lang="en-US" sz="5400" b="0" cap="none" spc="0" dirty="0">
-              <a:ln w="0"/>
-              <a:solidFill>
-                <a:schemeClr val="tx1"/>
-              </a:solidFill>
-              <a:effectLst>
-                <a:outerShdw blurRad="38100" dist="19050" dir="2700000" algn="tl" rotWithShape="0">
-                  <a:schemeClr val="dk1">
-                    <a:alpha val="40000"/>
-                  </a:schemeClr>
-                </a:outerShdw>
-              </a:effectLst>
-            </a:endParaRPr>
-          </a:p>
-        </p:txBody>
-      </p:sp>
-      <p:sp>
-        <p:nvSpPr>
-          <p:cNvPr id="27" name="Rectangle 26"/>
-          <p:cNvSpPr/>
-          <p:nvPr/>
-        </p:nvSpPr>
-        <p:spPr>
-          <a:xfrm>
-            <a:off x="5400169" y="2880359"/>
+            <a:off x="8663307" y="4531181"/>
             <a:ext cx="427272" cy="923330"/>
           </a:xfrm>
           <a:prstGeom prst="rect">
@@ -4934,13 +5580,13 @@
       </p:sp>
       <p:sp>
         <p:nvSpPr>
-          <p:cNvPr id="28" name="Rectangle 27"/>
+          <p:cNvPr id="42" name="Rectangle 41"/>
           <p:cNvSpPr/>
           <p:nvPr/>
         </p:nvSpPr>
         <p:spPr>
           <a:xfrm>
-            <a:off x="7849940" y="1266965"/>
+            <a:off x="9460968" y="3692312"/>
             <a:ext cx="427272" cy="923330"/>
           </a:xfrm>
           <a:prstGeom prst="rect">
@@ -4956,11 +5602,8 @@
           <a:p>
             <a:pPr algn="ctr"/>
             <a:r>
-              <a:rPr lang="en-US" sz="5400" b="0" cap="none" spc="0" smtClean="0">
+              <a:rPr lang="en-US" sz="5400">
                 <a:ln w="0"/>
-                <a:solidFill>
-                  <a:schemeClr val="tx1"/>
-                </a:solidFill>
                 <a:effectLst>
                   <a:outerShdw blurRad="38100" dist="19050" dir="2700000" algn="tl" rotWithShape="0">
                     <a:schemeClr val="dk1">
@@ -4969,7 +5612,7 @@
                   </a:outerShdw>
                 </a:effectLst>
               </a:rPr>
-              <a:t>3</a:t>
+              <a:t>1</a:t>
             </a:r>
             <a:endParaRPr lang="en-US" sz="5400" b="0" cap="none" spc="0" dirty="0">
               <a:ln w="0"/>
@@ -4989,13 +5632,13 @@
       </p:sp>
       <p:sp>
         <p:nvSpPr>
-          <p:cNvPr id="29" name="Rectangle 28"/>
+          <p:cNvPr id="43" name="Rectangle 42"/>
           <p:cNvSpPr/>
           <p:nvPr/>
         </p:nvSpPr>
         <p:spPr>
           <a:xfrm>
-            <a:off x="5425724" y="3735280"/>
+            <a:off x="9460968" y="4518678"/>
             <a:ext cx="427272" cy="923330"/>
           </a:xfrm>
           <a:prstGeom prst="rect">
@@ -5011,11 +5654,8 @@
           <a:p>
             <a:pPr algn="ctr"/>
             <a:r>
-              <a:rPr lang="en-US" sz="5400" b="0" cap="none" spc="0" smtClean="0">
+              <a:rPr lang="en-US" sz="5400" dirty="0">
                 <a:ln w="0"/>
-                <a:solidFill>
-                  <a:schemeClr val="tx1"/>
-                </a:solidFill>
                 <a:effectLst>
                   <a:outerShdw blurRad="38100" dist="19050" dir="2700000" algn="tl" rotWithShape="0">
                     <a:schemeClr val="dk1">
@@ -5024,7 +5664,7 @@
                   </a:outerShdw>
                 </a:effectLst>
               </a:rPr>
-              <a:t>3</a:t>
+              <a:t>1</a:t>
             </a:r>
             <a:endParaRPr lang="en-US" sz="5400" b="0" cap="none" spc="0" dirty="0">
               <a:ln w="0"/>
@@ -5044,13 +5684,13 @@
       </p:sp>
       <p:sp>
         <p:nvSpPr>
-          <p:cNvPr id="30" name="Rectangle 29"/>
+          <p:cNvPr id="44" name="Rectangle 43"/>
           <p:cNvSpPr/>
           <p:nvPr/>
         </p:nvSpPr>
         <p:spPr>
           <a:xfrm>
-            <a:off x="5400169" y="4546283"/>
+            <a:off x="10321777" y="4518678"/>
             <a:ext cx="427272" cy="923330"/>
           </a:xfrm>
           <a:prstGeom prst="rect">
@@ -5066,11 +5706,8 @@
           <a:p>
             <a:pPr algn="ctr"/>
             <a:r>
-              <a:rPr lang="en-US" sz="5400" b="0" cap="none" spc="0" smtClean="0">
+              <a:rPr lang="en-US" sz="5400" dirty="0">
                 <a:ln w="0"/>
-                <a:solidFill>
-                  <a:schemeClr val="tx1"/>
-                </a:solidFill>
                 <a:effectLst>
                   <a:outerShdw blurRad="38100" dist="19050" dir="2700000" algn="tl" rotWithShape="0">
                     <a:schemeClr val="dk1">
@@ -5079,7 +5716,7 @@
                   </a:outerShdw>
                 </a:effectLst>
               </a:rPr>
-              <a:t>4</a:t>
+              <a:t>0</a:t>
             </a:r>
             <a:endParaRPr lang="en-US" sz="5400" b="0" cap="none" spc="0" dirty="0">
               <a:ln w="0"/>
@@ -5097,647 +5734,6 @@
           </a:p>
         </p:txBody>
       </p:sp>
-      <p:sp>
-        <p:nvSpPr>
-          <p:cNvPr id="31" name="Rectangle 30"/>
-          <p:cNvSpPr/>
-          <p:nvPr/>
-        </p:nvSpPr>
-        <p:spPr>
-          <a:xfrm>
-            <a:off x="6213446" y="4575252"/>
-            <a:ext cx="427272" cy="923330"/>
-          </a:xfrm>
-          <a:prstGeom prst="rect">
-            <a:avLst/>
-          </a:prstGeom>
-          <a:noFill/>
-        </p:spPr>
-        <p:txBody>
-          <a:bodyPr wrap="square" lIns="91440" tIns="45720" rIns="91440" bIns="45720">
-            <a:spAutoFit/>
-          </a:bodyPr>
-          <a:lstStyle/>
-          <a:p>
-            <a:pPr algn="ctr"/>
-            <a:r>
-              <a:rPr lang="en-US" sz="5400" b="0" cap="none" spc="0" smtClean="0">
-                <a:ln w="0"/>
-                <a:solidFill>
-                  <a:schemeClr val="tx1"/>
-                </a:solidFill>
-                <a:effectLst>
-                  <a:outerShdw blurRad="38100" dist="19050" dir="2700000" algn="tl" rotWithShape="0">
-                    <a:schemeClr val="dk1">
-                      <a:alpha val="40000"/>
-                    </a:schemeClr>
-                  </a:outerShdw>
-                </a:effectLst>
-              </a:rPr>
-              <a:t>4</a:t>
-            </a:r>
-            <a:endParaRPr lang="en-US" sz="5400" b="0" cap="none" spc="0" dirty="0">
-              <a:ln w="0"/>
-              <a:solidFill>
-                <a:schemeClr val="tx1"/>
-              </a:solidFill>
-              <a:effectLst>
-                <a:outerShdw blurRad="38100" dist="19050" dir="2700000" algn="tl" rotWithShape="0">
-                  <a:schemeClr val="dk1">
-                    <a:alpha val="40000"/>
-                  </a:schemeClr>
-                </a:outerShdw>
-              </a:effectLst>
-            </a:endParaRPr>
-          </a:p>
-        </p:txBody>
-      </p:sp>
-      <p:sp>
-        <p:nvSpPr>
-          <p:cNvPr id="32" name="Rectangle 31"/>
-          <p:cNvSpPr/>
-          <p:nvPr/>
-        </p:nvSpPr>
-        <p:spPr>
-          <a:xfrm>
-            <a:off x="6213446" y="3735280"/>
-            <a:ext cx="427272" cy="923330"/>
-          </a:xfrm>
-          <a:prstGeom prst="rect">
-            <a:avLst/>
-          </a:prstGeom>
-          <a:noFill/>
-        </p:spPr>
-        <p:txBody>
-          <a:bodyPr wrap="square" lIns="91440" tIns="45720" rIns="91440" bIns="45720">
-            <a:spAutoFit/>
-          </a:bodyPr>
-          <a:lstStyle/>
-          <a:p>
-            <a:pPr algn="ctr"/>
-            <a:r>
-              <a:rPr lang="en-US" sz="5400" b="0" cap="none" spc="0" dirty="0" smtClean="0">
-                <a:ln w="0"/>
-                <a:solidFill>
-                  <a:schemeClr val="tx1"/>
-                </a:solidFill>
-                <a:effectLst>
-                  <a:outerShdw blurRad="38100" dist="19050" dir="2700000" algn="tl" rotWithShape="0">
-                    <a:schemeClr val="dk1">
-                      <a:alpha val="40000"/>
-                    </a:schemeClr>
-                  </a:outerShdw>
-                </a:effectLst>
-              </a:rPr>
-              <a:t>4</a:t>
-            </a:r>
-            <a:endParaRPr lang="en-US" sz="5400" b="0" cap="none" spc="0" dirty="0">
-              <a:ln w="0"/>
-              <a:solidFill>
-                <a:schemeClr val="tx1"/>
-              </a:solidFill>
-              <a:effectLst>
-                <a:outerShdw blurRad="38100" dist="19050" dir="2700000" algn="tl" rotWithShape="0">
-                  <a:schemeClr val="dk1">
-                    <a:alpha val="40000"/>
-                  </a:schemeClr>
-                </a:outerShdw>
-              </a:effectLst>
-            </a:endParaRPr>
-          </a:p>
-        </p:txBody>
-      </p:sp>
-      <p:sp>
-        <p:nvSpPr>
-          <p:cNvPr id="33" name="Rectangle 32"/>
-          <p:cNvSpPr/>
-          <p:nvPr/>
-        </p:nvSpPr>
-        <p:spPr>
-          <a:xfrm>
-            <a:off x="7032858" y="3714388"/>
-            <a:ext cx="427272" cy="923330"/>
-          </a:xfrm>
-          <a:prstGeom prst="rect">
-            <a:avLst/>
-          </a:prstGeom>
-          <a:noFill/>
-        </p:spPr>
-        <p:txBody>
-          <a:bodyPr wrap="square" lIns="91440" tIns="45720" rIns="91440" bIns="45720">
-            <a:spAutoFit/>
-          </a:bodyPr>
-          <a:lstStyle/>
-          <a:p>
-            <a:pPr algn="ctr"/>
-            <a:r>
-              <a:rPr lang="en-US" sz="5400" b="0" cap="none" spc="0" smtClean="0">
-                <a:ln w="0"/>
-                <a:solidFill>
-                  <a:schemeClr val="tx1"/>
-                </a:solidFill>
-                <a:effectLst>
-                  <a:outerShdw blurRad="38100" dist="19050" dir="2700000" algn="tl" rotWithShape="0">
-                    <a:schemeClr val="dk1">
-                      <a:alpha val="40000"/>
-                    </a:schemeClr>
-                  </a:outerShdw>
-                </a:effectLst>
-              </a:rPr>
-              <a:t>5</a:t>
-            </a:r>
-            <a:endParaRPr lang="en-US" sz="5400" b="0" cap="none" spc="0" dirty="0">
-              <a:ln w="0"/>
-              <a:solidFill>
-                <a:schemeClr val="tx1"/>
-              </a:solidFill>
-              <a:effectLst>
-                <a:outerShdw blurRad="38100" dist="19050" dir="2700000" algn="tl" rotWithShape="0">
-                  <a:schemeClr val="dk1">
-                    <a:alpha val="40000"/>
-                  </a:schemeClr>
-                </a:outerShdw>
-              </a:effectLst>
-            </a:endParaRPr>
-          </a:p>
-        </p:txBody>
-      </p:sp>
-      <p:sp>
-        <p:nvSpPr>
-          <p:cNvPr id="34" name="Rectangle 33"/>
-          <p:cNvSpPr/>
-          <p:nvPr/>
-        </p:nvSpPr>
-        <p:spPr>
-          <a:xfrm>
-            <a:off x="7032858" y="4537708"/>
-            <a:ext cx="427272" cy="923330"/>
-          </a:xfrm>
-          <a:prstGeom prst="rect">
-            <a:avLst/>
-          </a:prstGeom>
-          <a:noFill/>
-        </p:spPr>
-        <p:txBody>
-          <a:bodyPr wrap="square" lIns="91440" tIns="45720" rIns="91440" bIns="45720">
-            <a:spAutoFit/>
-          </a:bodyPr>
-          <a:lstStyle/>
-          <a:p>
-            <a:pPr algn="ctr"/>
-            <a:r>
-              <a:rPr lang="en-US" sz="5400" b="0" cap="none" spc="0" smtClean="0">
-                <a:ln w="0"/>
-                <a:solidFill>
-                  <a:schemeClr val="tx1"/>
-                </a:solidFill>
-                <a:effectLst>
-                  <a:outerShdw blurRad="38100" dist="19050" dir="2700000" algn="tl" rotWithShape="0">
-                    <a:schemeClr val="dk1">
-                      <a:alpha val="40000"/>
-                    </a:schemeClr>
-                  </a:outerShdw>
-                </a:effectLst>
-              </a:rPr>
-              <a:t>5</a:t>
-            </a:r>
-            <a:endParaRPr lang="en-US" sz="5400" b="0" cap="none" spc="0" dirty="0">
-              <a:ln w="0"/>
-              <a:solidFill>
-                <a:schemeClr val="tx1"/>
-              </a:solidFill>
-              <a:effectLst>
-                <a:outerShdw blurRad="38100" dist="19050" dir="2700000" algn="tl" rotWithShape="0">
-                  <a:schemeClr val="dk1">
-                    <a:alpha val="40000"/>
-                  </a:schemeClr>
-                </a:outerShdw>
-              </a:effectLst>
-            </a:endParaRPr>
-          </a:p>
-        </p:txBody>
-      </p:sp>
-      <p:sp>
-        <p:nvSpPr>
-          <p:cNvPr id="35" name="Rectangle 34"/>
-          <p:cNvSpPr/>
-          <p:nvPr/>
-        </p:nvSpPr>
-        <p:spPr>
-          <a:xfrm>
-            <a:off x="7827141" y="3692312"/>
-            <a:ext cx="427272" cy="923330"/>
-          </a:xfrm>
-          <a:prstGeom prst="rect">
-            <a:avLst/>
-          </a:prstGeom>
-          <a:noFill/>
-        </p:spPr>
-        <p:txBody>
-          <a:bodyPr wrap="square" lIns="91440" tIns="45720" rIns="91440" bIns="45720">
-            <a:spAutoFit/>
-          </a:bodyPr>
-          <a:lstStyle/>
-          <a:p>
-            <a:pPr algn="ctr"/>
-            <a:r>
-              <a:rPr lang="en-US" sz="5400" b="0" cap="none" spc="0" smtClean="0">
-                <a:ln w="0"/>
-                <a:solidFill>
-                  <a:schemeClr val="tx1"/>
-                </a:solidFill>
-                <a:effectLst>
-                  <a:outerShdw blurRad="38100" dist="19050" dir="2700000" algn="tl" rotWithShape="0">
-                    <a:schemeClr val="dk1">
-                      <a:alpha val="40000"/>
-                    </a:schemeClr>
-                  </a:outerShdw>
-                </a:effectLst>
-              </a:rPr>
-              <a:t>6</a:t>
-            </a:r>
-            <a:endParaRPr lang="en-US" sz="5400" b="0" cap="none" spc="0" dirty="0">
-              <a:ln w="0"/>
-              <a:solidFill>
-                <a:schemeClr val="tx1"/>
-              </a:solidFill>
-              <a:effectLst>
-                <a:outerShdw blurRad="38100" dist="19050" dir="2700000" algn="tl" rotWithShape="0">
-                  <a:schemeClr val="dk1">
-                    <a:alpha val="40000"/>
-                  </a:schemeClr>
-                </a:outerShdw>
-              </a:effectLst>
-            </a:endParaRPr>
-          </a:p>
-        </p:txBody>
-      </p:sp>
-      <p:sp>
-        <p:nvSpPr>
-          <p:cNvPr id="36" name="Rectangle 35"/>
-          <p:cNvSpPr/>
-          <p:nvPr/>
-        </p:nvSpPr>
-        <p:spPr>
-          <a:xfrm>
-            <a:off x="7849940" y="4518678"/>
-            <a:ext cx="427272" cy="923330"/>
-          </a:xfrm>
-          <a:prstGeom prst="rect">
-            <a:avLst/>
-          </a:prstGeom>
-          <a:noFill/>
-        </p:spPr>
-        <p:txBody>
-          <a:bodyPr wrap="square" lIns="91440" tIns="45720" rIns="91440" bIns="45720">
-            <a:spAutoFit/>
-          </a:bodyPr>
-          <a:lstStyle/>
-          <a:p>
-            <a:pPr algn="ctr"/>
-            <a:r>
-              <a:rPr lang="en-US" sz="5400" b="0" cap="none" spc="0" smtClean="0">
-                <a:ln w="0"/>
-                <a:solidFill>
-                  <a:schemeClr val="tx1"/>
-                </a:solidFill>
-                <a:effectLst>
-                  <a:outerShdw blurRad="38100" dist="19050" dir="2700000" algn="tl" rotWithShape="0">
-                    <a:schemeClr val="dk1">
-                      <a:alpha val="40000"/>
-                    </a:schemeClr>
-                  </a:outerShdw>
-                </a:effectLst>
-              </a:rPr>
-              <a:t>6</a:t>
-            </a:r>
-            <a:endParaRPr lang="en-US" sz="5400" b="0" cap="none" spc="0" dirty="0">
-              <a:ln w="0"/>
-              <a:solidFill>
-                <a:schemeClr val="tx1"/>
-              </a:solidFill>
-              <a:effectLst>
-                <a:outerShdw blurRad="38100" dist="19050" dir="2700000" algn="tl" rotWithShape="0">
-                  <a:schemeClr val="dk1">
-                    <a:alpha val="40000"/>
-                  </a:schemeClr>
-                </a:outerShdw>
-              </a:effectLst>
-            </a:endParaRPr>
-          </a:p>
-        </p:txBody>
-      </p:sp>
-      <p:sp>
-        <p:nvSpPr>
-          <p:cNvPr id="37" name="Rectangle 36"/>
-          <p:cNvSpPr/>
-          <p:nvPr/>
-        </p:nvSpPr>
-        <p:spPr>
-          <a:xfrm>
-            <a:off x="8658285" y="3695358"/>
-            <a:ext cx="427272" cy="923330"/>
-          </a:xfrm>
-          <a:prstGeom prst="rect">
-            <a:avLst/>
-          </a:prstGeom>
-          <a:noFill/>
-        </p:spPr>
-        <p:txBody>
-          <a:bodyPr wrap="square" lIns="91440" tIns="45720" rIns="91440" bIns="45720">
-            <a:spAutoFit/>
-          </a:bodyPr>
-          <a:lstStyle/>
-          <a:p>
-            <a:pPr algn="ctr"/>
-            <a:r>
-              <a:rPr lang="en-US" sz="5400" b="0" cap="none" spc="0" smtClean="0">
-                <a:ln w="0"/>
-                <a:solidFill>
-                  <a:schemeClr val="tx1"/>
-                </a:solidFill>
-                <a:effectLst>
-                  <a:outerShdw blurRad="38100" dist="19050" dir="2700000" algn="tl" rotWithShape="0">
-                    <a:schemeClr val="dk1">
-                      <a:alpha val="40000"/>
-                    </a:schemeClr>
-                  </a:outerShdw>
-                </a:effectLst>
-              </a:rPr>
-              <a:t>7</a:t>
-            </a:r>
-            <a:endParaRPr lang="en-US" sz="5400" b="0" cap="none" spc="0" dirty="0">
-              <a:ln w="0"/>
-              <a:solidFill>
-                <a:schemeClr val="tx1"/>
-              </a:solidFill>
-              <a:effectLst>
-                <a:outerShdw blurRad="38100" dist="19050" dir="2700000" algn="tl" rotWithShape="0">
-                  <a:schemeClr val="dk1">
-                    <a:alpha val="40000"/>
-                  </a:schemeClr>
-                </a:outerShdw>
-              </a:effectLst>
-            </a:endParaRPr>
-          </a:p>
-        </p:txBody>
-      </p:sp>
-      <p:sp>
-        <p:nvSpPr>
-          <p:cNvPr id="38" name="Rectangle 37"/>
-          <p:cNvSpPr/>
-          <p:nvPr/>
-        </p:nvSpPr>
-        <p:spPr>
-          <a:xfrm>
-            <a:off x="8663307" y="4531181"/>
-            <a:ext cx="427272" cy="923330"/>
-          </a:xfrm>
-          <a:prstGeom prst="rect">
-            <a:avLst/>
-          </a:prstGeom>
-          <a:noFill/>
-        </p:spPr>
-        <p:txBody>
-          <a:bodyPr wrap="square" lIns="91440" tIns="45720" rIns="91440" bIns="45720">
-            <a:spAutoFit/>
-          </a:bodyPr>
-          <a:lstStyle/>
-          <a:p>
-            <a:pPr algn="ctr"/>
-            <a:r>
-              <a:rPr lang="en-US" sz="5400" b="0" cap="none" spc="0" smtClean="0">
-                <a:ln w="0"/>
-                <a:solidFill>
-                  <a:schemeClr val="tx1"/>
-                </a:solidFill>
-                <a:effectLst>
-                  <a:outerShdw blurRad="38100" dist="19050" dir="2700000" algn="tl" rotWithShape="0">
-                    <a:schemeClr val="dk1">
-                      <a:alpha val="40000"/>
-                    </a:schemeClr>
-                  </a:outerShdw>
-                </a:effectLst>
-              </a:rPr>
-              <a:t>7</a:t>
-            </a:r>
-            <a:endParaRPr lang="en-US" sz="5400" b="0" cap="none" spc="0" dirty="0">
-              <a:ln w="0"/>
-              <a:solidFill>
-                <a:schemeClr val="tx1"/>
-              </a:solidFill>
-              <a:effectLst>
-                <a:outerShdw blurRad="38100" dist="19050" dir="2700000" algn="tl" rotWithShape="0">
-                  <a:schemeClr val="dk1">
-                    <a:alpha val="40000"/>
-                  </a:schemeClr>
-                </a:outerShdw>
-              </a:effectLst>
-            </a:endParaRPr>
-          </a:p>
-        </p:txBody>
-      </p:sp>
-      <p:sp>
-        <p:nvSpPr>
-          <p:cNvPr id="42" name="Rectangle 41"/>
-          <p:cNvSpPr/>
-          <p:nvPr/>
-        </p:nvSpPr>
-        <p:spPr>
-          <a:xfrm>
-            <a:off x="9460968" y="3692312"/>
-            <a:ext cx="427272" cy="923330"/>
-          </a:xfrm>
-          <a:prstGeom prst="rect">
-            <a:avLst/>
-          </a:prstGeom>
-          <a:noFill/>
-        </p:spPr>
-        <p:txBody>
-          <a:bodyPr wrap="square" lIns="91440" tIns="45720" rIns="91440" bIns="45720">
-            <a:spAutoFit/>
-          </a:bodyPr>
-          <a:lstStyle/>
-          <a:p>
-            <a:pPr algn="ctr"/>
-            <a:r>
-              <a:rPr lang="en-US" sz="5400" b="0" cap="none" spc="0" smtClean="0">
-                <a:ln w="0"/>
-                <a:solidFill>
-                  <a:schemeClr val="tx1"/>
-                </a:solidFill>
-                <a:effectLst>
-                  <a:outerShdw blurRad="38100" dist="19050" dir="2700000" algn="tl" rotWithShape="0">
-                    <a:schemeClr val="dk1">
-                      <a:alpha val="40000"/>
-                    </a:schemeClr>
-                  </a:outerShdw>
-                </a:effectLst>
-              </a:rPr>
-              <a:t>8</a:t>
-            </a:r>
-            <a:endParaRPr lang="en-US" sz="5400" b="0" cap="none" spc="0" dirty="0">
-              <a:ln w="0"/>
-              <a:solidFill>
-                <a:schemeClr val="tx1"/>
-              </a:solidFill>
-              <a:effectLst>
-                <a:outerShdw blurRad="38100" dist="19050" dir="2700000" algn="tl" rotWithShape="0">
-                  <a:schemeClr val="dk1">
-                    <a:alpha val="40000"/>
-                  </a:schemeClr>
-                </a:outerShdw>
-              </a:effectLst>
-            </a:endParaRPr>
-          </a:p>
-        </p:txBody>
-      </p:sp>
-      <p:sp>
-        <p:nvSpPr>
-          <p:cNvPr id="43" name="Rectangle 42"/>
-          <p:cNvSpPr/>
-          <p:nvPr/>
-        </p:nvSpPr>
-        <p:spPr>
-          <a:xfrm>
-            <a:off x="9460968" y="4518678"/>
-            <a:ext cx="427272" cy="923330"/>
-          </a:xfrm>
-          <a:prstGeom prst="rect">
-            <a:avLst/>
-          </a:prstGeom>
-          <a:noFill/>
-        </p:spPr>
-        <p:txBody>
-          <a:bodyPr wrap="square" lIns="91440" tIns="45720" rIns="91440" bIns="45720">
-            <a:spAutoFit/>
-          </a:bodyPr>
-          <a:lstStyle/>
-          <a:p>
-            <a:pPr algn="ctr"/>
-            <a:r>
-              <a:rPr lang="en-US" sz="5400" b="0" cap="none" spc="0" smtClean="0">
-                <a:ln w="0"/>
-                <a:solidFill>
-                  <a:schemeClr val="tx1"/>
-                </a:solidFill>
-                <a:effectLst>
-                  <a:outerShdw blurRad="38100" dist="19050" dir="2700000" algn="tl" rotWithShape="0">
-                    <a:schemeClr val="dk1">
-                      <a:alpha val="40000"/>
-                    </a:schemeClr>
-                  </a:outerShdw>
-                </a:effectLst>
-              </a:rPr>
-              <a:t>8</a:t>
-            </a:r>
-            <a:endParaRPr lang="en-US" sz="5400" b="0" cap="none" spc="0" dirty="0">
-              <a:ln w="0"/>
-              <a:solidFill>
-                <a:schemeClr val="tx1"/>
-              </a:solidFill>
-              <a:effectLst>
-                <a:outerShdw blurRad="38100" dist="19050" dir="2700000" algn="tl" rotWithShape="0">
-                  <a:schemeClr val="dk1">
-                    <a:alpha val="40000"/>
-                  </a:schemeClr>
-                </a:outerShdw>
-              </a:effectLst>
-            </a:endParaRPr>
-          </a:p>
-        </p:txBody>
-      </p:sp>
-      <p:sp>
-        <p:nvSpPr>
-          <p:cNvPr id="44" name="Rectangle 43"/>
-          <p:cNvSpPr/>
-          <p:nvPr/>
-        </p:nvSpPr>
-        <p:spPr>
-          <a:xfrm>
-            <a:off x="10321777" y="4518678"/>
-            <a:ext cx="427272" cy="923330"/>
-          </a:xfrm>
-          <a:prstGeom prst="rect">
-            <a:avLst/>
-          </a:prstGeom>
-          <a:noFill/>
-        </p:spPr>
-        <p:txBody>
-          <a:bodyPr wrap="square" lIns="91440" tIns="45720" rIns="91440" bIns="45720">
-            <a:spAutoFit/>
-          </a:bodyPr>
-          <a:lstStyle/>
-          <a:p>
-            <a:pPr algn="ctr"/>
-            <a:r>
-              <a:rPr lang="en-US" sz="5400" b="0" cap="none" spc="0" dirty="0" smtClean="0">
-                <a:ln w="0"/>
-                <a:solidFill>
-                  <a:schemeClr val="tx1"/>
-                </a:solidFill>
-                <a:effectLst>
-                  <a:outerShdw blurRad="38100" dist="19050" dir="2700000" algn="tl" rotWithShape="0">
-                    <a:schemeClr val="dk1">
-                      <a:alpha val="40000"/>
-                    </a:schemeClr>
-                  </a:outerShdw>
-                </a:effectLst>
-              </a:rPr>
-              <a:t>9</a:t>
-            </a:r>
-            <a:endParaRPr lang="en-US" sz="5400" b="0" cap="none" spc="0" dirty="0">
-              <a:ln w="0"/>
-              <a:solidFill>
-                <a:schemeClr val="tx1"/>
-              </a:solidFill>
-              <a:effectLst>
-                <a:outerShdw blurRad="38100" dist="19050" dir="2700000" algn="tl" rotWithShape="0">
-                  <a:schemeClr val="dk1">
-                    <a:alpha val="40000"/>
-                  </a:schemeClr>
-                </a:outerShdw>
-              </a:effectLst>
-            </a:endParaRPr>
-          </a:p>
-        </p:txBody>
-      </p:sp>
-      <p:cxnSp>
-        <p:nvCxnSpPr>
-          <p:cNvPr id="4" name="Elbow Connector 3"/>
-          <p:cNvCxnSpPr/>
-          <p:nvPr/>
-        </p:nvCxnSpPr>
-        <p:spPr>
-          <a:xfrm rot="16200000" flipH="1">
-            <a:off x="6501408" y="1216473"/>
-            <a:ext cx="2929925" cy="4678594"/>
-          </a:xfrm>
-          <a:prstGeom prst="bentConnector2">
-            <a:avLst/>
-          </a:prstGeom>
-          <a:ln w="57150">
-            <a:solidFill>
-              <a:srgbClr val="92D050"/>
-            </a:solidFill>
-            <a:tailEnd type="triangle"/>
-          </a:ln>
-        </p:spPr>
-        <p:style>
-          <a:lnRef idx="1">
-            <a:schemeClr val="accent1"/>
-          </a:lnRef>
-          <a:fillRef idx="0">
-            <a:schemeClr val="accent1"/>
-          </a:fillRef>
-          <a:effectRef idx="0">
-            <a:schemeClr val="accent1"/>
-          </a:effectRef>
-          <a:fontRef idx="minor">
-            <a:schemeClr val="tx1"/>
-          </a:fontRef>
-        </p:style>
-      </p:cxnSp>
       <p:grpSp>
         <p:nvGrpSpPr>
           <p:cNvPr id="3" name="Group 2"/>
@@ -5839,6 +5835,431 @@
           </p:txBody>
         </p:sp>
       </p:grpSp>
+      <p:sp>
+        <p:nvSpPr>
+          <p:cNvPr id="41" name="Rectangle 40"/>
+          <p:cNvSpPr/>
+          <p:nvPr/>
+        </p:nvSpPr>
+        <p:spPr>
+          <a:xfrm>
+            <a:off x="10292289" y="3710822"/>
+            <a:ext cx="427272" cy="923330"/>
+          </a:xfrm>
+          <a:prstGeom prst="rect">
+            <a:avLst/>
+          </a:prstGeom>
+          <a:noFill/>
+        </p:spPr>
+        <p:txBody>
+          <a:bodyPr wrap="square" lIns="91440" tIns="45720" rIns="91440" bIns="45720">
+            <a:spAutoFit/>
+          </a:bodyPr>
+          <a:lstStyle/>
+          <a:p>
+            <a:pPr algn="ctr"/>
+            <a:r>
+              <a:rPr lang="en-US" sz="5400">
+                <a:ln w="0"/>
+                <a:effectLst>
+                  <a:outerShdw blurRad="38100" dist="19050" dir="2700000" algn="tl" rotWithShape="0">
+                    <a:schemeClr val="dk1">
+                      <a:alpha val="40000"/>
+                    </a:schemeClr>
+                  </a:outerShdw>
+                </a:effectLst>
+              </a:rPr>
+              <a:t>1</a:t>
+            </a:r>
+            <a:endParaRPr lang="en-US" sz="5400" b="0" cap="none" spc="0" dirty="0">
+              <a:ln w="0"/>
+              <a:solidFill>
+                <a:schemeClr val="tx1"/>
+              </a:solidFill>
+              <a:effectLst>
+                <a:outerShdw blurRad="38100" dist="19050" dir="2700000" algn="tl" rotWithShape="0">
+                  <a:schemeClr val="dk1">
+                    <a:alpha val="40000"/>
+                  </a:schemeClr>
+                </a:outerShdw>
+              </a:effectLst>
+            </a:endParaRPr>
+          </a:p>
+        </p:txBody>
+      </p:sp>
+      <p:sp>
+        <p:nvSpPr>
+          <p:cNvPr id="45" name="Rectangle 44"/>
+          <p:cNvSpPr/>
+          <p:nvPr/>
+        </p:nvSpPr>
+        <p:spPr>
+          <a:xfrm>
+            <a:off x="8660818" y="2899073"/>
+            <a:ext cx="427272" cy="923330"/>
+          </a:xfrm>
+          <a:prstGeom prst="rect">
+            <a:avLst/>
+          </a:prstGeom>
+          <a:noFill/>
+        </p:spPr>
+        <p:txBody>
+          <a:bodyPr wrap="square" lIns="91440" tIns="45720" rIns="91440" bIns="45720">
+            <a:spAutoFit/>
+          </a:bodyPr>
+          <a:lstStyle/>
+          <a:p>
+            <a:pPr algn="ctr"/>
+            <a:r>
+              <a:rPr lang="en-US" sz="5400" b="0" cap="none" spc="0" dirty="0" smtClean="0">
+                <a:ln w="0"/>
+                <a:solidFill>
+                  <a:schemeClr val="tx1"/>
+                </a:solidFill>
+                <a:effectLst>
+                  <a:outerShdw blurRad="38100" dist="19050" dir="2700000" algn="tl" rotWithShape="0">
+                    <a:schemeClr val="dk1">
+                      <a:alpha val="40000"/>
+                    </a:schemeClr>
+                  </a:outerShdw>
+                </a:effectLst>
+              </a:rPr>
+              <a:t>2</a:t>
+            </a:r>
+            <a:endParaRPr lang="en-US" sz="5400" b="0" cap="none" spc="0" dirty="0">
+              <a:ln w="0"/>
+              <a:solidFill>
+                <a:schemeClr val="tx1"/>
+              </a:solidFill>
+              <a:effectLst>
+                <a:outerShdw blurRad="38100" dist="19050" dir="2700000" algn="tl" rotWithShape="0">
+                  <a:schemeClr val="dk1">
+                    <a:alpha val="40000"/>
+                  </a:schemeClr>
+                </a:outerShdw>
+              </a:effectLst>
+            </a:endParaRPr>
+          </a:p>
+        </p:txBody>
+      </p:sp>
+      <p:sp>
+        <p:nvSpPr>
+          <p:cNvPr id="46" name="Rectangle 45"/>
+          <p:cNvSpPr/>
+          <p:nvPr/>
+        </p:nvSpPr>
+        <p:spPr>
+          <a:xfrm>
+            <a:off x="9476675" y="2899073"/>
+            <a:ext cx="427272" cy="923330"/>
+          </a:xfrm>
+          <a:prstGeom prst="rect">
+            <a:avLst/>
+          </a:prstGeom>
+          <a:noFill/>
+        </p:spPr>
+        <p:txBody>
+          <a:bodyPr wrap="square" lIns="91440" tIns="45720" rIns="91440" bIns="45720">
+            <a:spAutoFit/>
+          </a:bodyPr>
+          <a:lstStyle/>
+          <a:p>
+            <a:pPr algn="ctr"/>
+            <a:r>
+              <a:rPr lang="en-US" sz="5400" b="0" cap="none" spc="0" dirty="0" smtClean="0">
+                <a:ln w="0"/>
+                <a:solidFill>
+                  <a:schemeClr val="tx1"/>
+                </a:solidFill>
+                <a:effectLst>
+                  <a:outerShdw blurRad="38100" dist="19050" dir="2700000" algn="tl" rotWithShape="0">
+                    <a:schemeClr val="dk1">
+                      <a:alpha val="40000"/>
+                    </a:schemeClr>
+                  </a:outerShdw>
+                </a:effectLst>
+              </a:rPr>
+              <a:t>2</a:t>
+            </a:r>
+            <a:endParaRPr lang="en-US" sz="5400" b="0" cap="none" spc="0" dirty="0">
+              <a:ln w="0"/>
+              <a:solidFill>
+                <a:schemeClr val="tx1"/>
+              </a:solidFill>
+              <a:effectLst>
+                <a:outerShdw blurRad="38100" dist="19050" dir="2700000" algn="tl" rotWithShape="0">
+                  <a:schemeClr val="dk1">
+                    <a:alpha val="40000"/>
+                  </a:schemeClr>
+                </a:outerShdw>
+              </a:effectLst>
+            </a:endParaRPr>
+          </a:p>
+        </p:txBody>
+      </p:sp>
+      <p:sp>
+        <p:nvSpPr>
+          <p:cNvPr id="47" name="Rectangle 46"/>
+          <p:cNvSpPr/>
+          <p:nvPr/>
+        </p:nvSpPr>
+        <p:spPr>
+          <a:xfrm>
+            <a:off x="10317210" y="2922884"/>
+            <a:ext cx="427272" cy="923330"/>
+          </a:xfrm>
+          <a:prstGeom prst="rect">
+            <a:avLst/>
+          </a:prstGeom>
+          <a:noFill/>
+        </p:spPr>
+        <p:txBody>
+          <a:bodyPr wrap="square" lIns="91440" tIns="45720" rIns="91440" bIns="45720">
+            <a:spAutoFit/>
+          </a:bodyPr>
+          <a:lstStyle/>
+          <a:p>
+            <a:pPr algn="ctr"/>
+            <a:r>
+              <a:rPr lang="en-US" sz="5400" b="0" cap="none" spc="0" dirty="0" smtClean="0">
+                <a:ln w="0"/>
+                <a:solidFill>
+                  <a:schemeClr val="tx1"/>
+                </a:solidFill>
+                <a:effectLst>
+                  <a:outerShdw blurRad="38100" dist="19050" dir="2700000" algn="tl" rotWithShape="0">
+                    <a:schemeClr val="dk1">
+                      <a:alpha val="40000"/>
+                    </a:schemeClr>
+                  </a:outerShdw>
+                </a:effectLst>
+              </a:rPr>
+              <a:t>2</a:t>
+            </a:r>
+            <a:endParaRPr lang="en-US" sz="5400" b="0" cap="none" spc="0" dirty="0">
+              <a:ln w="0"/>
+              <a:solidFill>
+                <a:schemeClr val="tx1"/>
+              </a:solidFill>
+              <a:effectLst>
+                <a:outerShdw blurRad="38100" dist="19050" dir="2700000" algn="tl" rotWithShape="0">
+                  <a:schemeClr val="dk1">
+                    <a:alpha val="40000"/>
+                  </a:schemeClr>
+                </a:outerShdw>
+              </a:effectLst>
+            </a:endParaRPr>
+          </a:p>
+        </p:txBody>
+      </p:sp>
+      <p:sp>
+        <p:nvSpPr>
+          <p:cNvPr id="48" name="Rectangle 47"/>
+          <p:cNvSpPr/>
+          <p:nvPr/>
+        </p:nvSpPr>
+        <p:spPr>
+          <a:xfrm>
+            <a:off x="9484579" y="2089271"/>
+            <a:ext cx="427272" cy="923330"/>
+          </a:xfrm>
+          <a:prstGeom prst="rect">
+            <a:avLst/>
+          </a:prstGeom>
+          <a:noFill/>
+        </p:spPr>
+        <p:txBody>
+          <a:bodyPr wrap="square" lIns="91440" tIns="45720" rIns="91440" bIns="45720">
+            <a:spAutoFit/>
+          </a:bodyPr>
+          <a:lstStyle/>
+          <a:p>
+            <a:pPr algn="ctr"/>
+            <a:r>
+              <a:rPr lang="en-US" sz="5400" dirty="0">
+                <a:ln w="0"/>
+                <a:effectLst>
+                  <a:outerShdw blurRad="38100" dist="19050" dir="2700000" algn="tl" rotWithShape="0">
+                    <a:schemeClr val="dk1">
+                      <a:alpha val="40000"/>
+                    </a:schemeClr>
+                  </a:outerShdw>
+                </a:effectLst>
+              </a:rPr>
+              <a:t>3</a:t>
+            </a:r>
+            <a:endParaRPr lang="en-US" sz="5400" b="0" cap="none" spc="0" dirty="0">
+              <a:ln w="0"/>
+              <a:solidFill>
+                <a:schemeClr val="tx1"/>
+              </a:solidFill>
+              <a:effectLst>
+                <a:outerShdw blurRad="38100" dist="19050" dir="2700000" algn="tl" rotWithShape="0">
+                  <a:schemeClr val="dk1">
+                    <a:alpha val="40000"/>
+                  </a:schemeClr>
+                </a:outerShdw>
+              </a:effectLst>
+            </a:endParaRPr>
+          </a:p>
+        </p:txBody>
+      </p:sp>
+      <p:sp>
+        <p:nvSpPr>
+          <p:cNvPr id="49" name="Rectangle 48"/>
+          <p:cNvSpPr/>
+          <p:nvPr/>
+        </p:nvSpPr>
+        <p:spPr>
+          <a:xfrm>
+            <a:off x="10305668" y="2082864"/>
+            <a:ext cx="427272" cy="923330"/>
+          </a:xfrm>
+          <a:prstGeom prst="rect">
+            <a:avLst/>
+          </a:prstGeom>
+          <a:noFill/>
+        </p:spPr>
+        <p:txBody>
+          <a:bodyPr wrap="square" lIns="91440" tIns="45720" rIns="91440" bIns="45720">
+            <a:spAutoFit/>
+          </a:bodyPr>
+          <a:lstStyle/>
+          <a:p>
+            <a:pPr algn="ctr"/>
+            <a:r>
+              <a:rPr lang="en-US" sz="5400" dirty="0">
+                <a:ln w="0"/>
+                <a:effectLst>
+                  <a:outerShdw blurRad="38100" dist="19050" dir="2700000" algn="tl" rotWithShape="0">
+                    <a:schemeClr val="dk1">
+                      <a:alpha val="40000"/>
+                    </a:schemeClr>
+                  </a:outerShdw>
+                </a:effectLst>
+              </a:rPr>
+              <a:t>3</a:t>
+            </a:r>
+            <a:endParaRPr lang="en-US" sz="5400" b="0" cap="none" spc="0" dirty="0">
+              <a:ln w="0"/>
+              <a:solidFill>
+                <a:schemeClr val="tx1"/>
+              </a:solidFill>
+              <a:effectLst>
+                <a:outerShdw blurRad="38100" dist="19050" dir="2700000" algn="tl" rotWithShape="0">
+                  <a:schemeClr val="dk1">
+                    <a:alpha val="40000"/>
+                  </a:schemeClr>
+                </a:outerShdw>
+              </a:effectLst>
+            </a:endParaRPr>
+          </a:p>
+        </p:txBody>
+      </p:sp>
+      <p:sp>
+        <p:nvSpPr>
+          <p:cNvPr id="50" name="Rectangle 49"/>
+          <p:cNvSpPr/>
+          <p:nvPr/>
+        </p:nvSpPr>
+        <p:spPr>
+          <a:xfrm>
+            <a:off x="9467825" y="1282727"/>
+            <a:ext cx="427272" cy="923330"/>
+          </a:xfrm>
+          <a:prstGeom prst="rect">
+            <a:avLst/>
+          </a:prstGeom>
+          <a:noFill/>
+        </p:spPr>
+        <p:txBody>
+          <a:bodyPr wrap="square" lIns="91440" tIns="45720" rIns="91440" bIns="45720">
+            <a:spAutoFit/>
+          </a:bodyPr>
+          <a:lstStyle/>
+          <a:p>
+            <a:pPr algn="ctr"/>
+            <a:r>
+              <a:rPr lang="en-US" sz="5400" dirty="0">
+                <a:ln w="0"/>
+                <a:effectLst>
+                  <a:outerShdw blurRad="38100" dist="19050" dir="2700000" algn="tl" rotWithShape="0">
+                    <a:schemeClr val="dk1">
+                      <a:alpha val="40000"/>
+                    </a:schemeClr>
+                  </a:outerShdw>
+                </a:effectLst>
+              </a:rPr>
+              <a:t>4</a:t>
+            </a:r>
+            <a:endParaRPr lang="en-US" sz="5400" b="0" cap="none" spc="0" dirty="0">
+              <a:ln w="0"/>
+              <a:solidFill>
+                <a:schemeClr val="tx1"/>
+              </a:solidFill>
+              <a:effectLst>
+                <a:outerShdw blurRad="38100" dist="19050" dir="2700000" algn="tl" rotWithShape="0">
+                  <a:schemeClr val="dk1">
+                    <a:alpha val="40000"/>
+                  </a:schemeClr>
+                </a:outerShdw>
+              </a:effectLst>
+            </a:endParaRPr>
+          </a:p>
+        </p:txBody>
+      </p:sp>
+      <p:sp>
+        <p:nvSpPr>
+          <p:cNvPr id="51" name="Rectangle 50"/>
+          <p:cNvSpPr/>
+          <p:nvPr/>
+        </p:nvSpPr>
+        <p:spPr>
+          <a:xfrm>
+            <a:off x="10284378" y="1285294"/>
+            <a:ext cx="427272" cy="923330"/>
+          </a:xfrm>
+          <a:prstGeom prst="rect">
+            <a:avLst/>
+          </a:prstGeom>
+          <a:noFill/>
+        </p:spPr>
+        <p:txBody>
+          <a:bodyPr wrap="square" lIns="91440" tIns="45720" rIns="91440" bIns="45720">
+            <a:spAutoFit/>
+          </a:bodyPr>
+          <a:lstStyle/>
+          <a:p>
+            <a:pPr algn="ctr"/>
+            <a:r>
+              <a:rPr lang="en-US" sz="5400" dirty="0">
+                <a:ln w="0"/>
+                <a:effectLst>
+                  <a:outerShdw blurRad="38100" dist="19050" dir="2700000" algn="tl" rotWithShape="0">
+                    <a:schemeClr val="dk1">
+                      <a:alpha val="40000"/>
+                    </a:schemeClr>
+                  </a:outerShdw>
+                </a:effectLst>
+              </a:rPr>
+              <a:t>4</a:t>
+            </a:r>
+            <a:endParaRPr lang="en-US" sz="5400" b="0" cap="none" spc="0" dirty="0">
+              <a:ln w="0"/>
+              <a:solidFill>
+                <a:schemeClr val="tx1"/>
+              </a:solidFill>
+              <a:effectLst>
+                <a:outerShdw blurRad="38100" dist="19050" dir="2700000" algn="tl" rotWithShape="0">
+                  <a:schemeClr val="dk1">
+                    <a:alpha val="40000"/>
+                  </a:schemeClr>
+                </a:outerShdw>
+              </a:effectLst>
+            </a:endParaRPr>
+          </a:p>
+        </p:txBody>
+      </p:sp>
     </p:spTree>
     <p:extLst>
       <p:ext uri="{BB962C8B-B14F-4D97-AF65-F5344CB8AC3E}">
@@ -5852,76 +6273,14 @@
   <p:timing>
     <p:tnLst>
       <p:par>
-        <p:cTn id="1" dur="indefinite" restart="never" nodeType="tmRoot">
-          <p:childTnLst>
-            <p:seq concurrent="1" nextAc="seek">
-              <p:cTn id="2" dur="indefinite" nodeType="mainSeq">
-                <p:childTnLst>
-                  <p:par>
-                    <p:cTn id="3" fill="hold">
-                      <p:stCondLst>
-                        <p:cond delay="indefinite"/>
-                      </p:stCondLst>
-                      <p:childTnLst>
-                        <p:par>
-                          <p:cTn id="4" fill="hold">
-                            <p:stCondLst>
-                              <p:cond delay="0"/>
-                            </p:stCondLst>
-                            <p:childTnLst>
-                              <p:par>
-                                <p:cTn id="5" presetID="0" presetClass="path" presetSubtype="0" accel="50000" decel="50000" fill="hold" nodeType="clickEffect">
-                                  <p:stCondLst>
-                                    <p:cond delay="0"/>
-                                  </p:stCondLst>
-                                  <p:childTnLst>
-                                    <p:animMotion origin="layout" path="M -5.625E-6 -3.7037E-7 L -0.00144 0.48218 L 0.39595 0.48102 " pathEditMode="relative" ptsTypes="AAA">
-                                      <p:cBhvr>
-                                        <p:cTn id="6" dur="2000" fill="hold"/>
-                                        <p:tgtEl>
-                                          <p:spTgt spid="3"/>
-                                        </p:tgtEl>
-                                        <p:attrNameLst>
-                                          <p:attrName>ppt_x</p:attrName>
-                                          <p:attrName>ppt_y</p:attrName>
-                                        </p:attrNameLst>
-                                      </p:cBhvr>
-                                    </p:animMotion>
-                                  </p:childTnLst>
-                                </p:cTn>
-                              </p:par>
-                            </p:childTnLst>
-                          </p:cTn>
-                        </p:par>
-                      </p:childTnLst>
-                    </p:cTn>
-                  </p:par>
-                </p:childTnLst>
-              </p:cTn>
-              <p:prevCondLst>
-                <p:cond evt="onPrev" delay="0">
-                  <p:tgtEl>
-                    <p:sldTgt/>
-                  </p:tgtEl>
-                </p:cond>
-              </p:prevCondLst>
-              <p:nextCondLst>
-                <p:cond evt="onNext" delay="0">
-                  <p:tgtEl>
-                    <p:sldTgt/>
-                  </p:tgtEl>
-                </p:cond>
-              </p:nextCondLst>
-            </p:seq>
-          </p:childTnLst>
-        </p:cTn>
+        <p:cTn id="1" dur="indefinite" restart="never" nodeType="tmRoot"/>
       </p:par>
     </p:tnLst>
   </p:timing>
 </p:sld>
 </file>
 
-<file path=ppt/slides/slide11.xml><?xml version="1.0" encoding="utf-8"?>
+<file path=ppt/slides/slide12.xml><?xml version="1.0" encoding="utf-8"?>
 <p:sld xmlns:a="http://schemas.openxmlformats.org/drawingml/2006/main" xmlns:r="http://schemas.openxmlformats.org/officeDocument/2006/relationships" xmlns:p="http://schemas.openxmlformats.org/presentationml/2006/main">
   <p:cSld>
     <p:spTree>
@@ -6015,15 +6374,7 @@
           <a:p>
             <a:r>
               <a:rPr lang="en-US" dirty="0" smtClean="0"/>
-              <a:t>Notice that </a:t>
-            </a:r>
-            <a:r>
-              <a:rPr lang="en-US" dirty="0" smtClean="0"/>
-              <a:t>Harry </a:t>
-            </a:r>
-            <a:r>
-              <a:rPr lang="en-US" dirty="0" smtClean="0"/>
-              <a:t>doesn’t bother searching the corners which are too far away from the goal to possibly work.</a:t>
+              <a:t>Notice that Harry doesn’t bother searching the corners which are too far away from the goal to possibly work.</a:t>
             </a:r>
           </a:p>
           <a:p>
@@ -7849,7 +8200,7 @@
 </p:sld>
 </file>
 
-<file path=ppt/slides/slide12.xml><?xml version="1.0" encoding="utf-8"?>
+<file path=ppt/slides/slide13.xml><?xml version="1.0" encoding="utf-8"?>
 <p:sld xmlns:a="http://schemas.openxmlformats.org/drawingml/2006/main" xmlns:r="http://schemas.openxmlformats.org/officeDocument/2006/relationships" xmlns:p="http://schemas.openxmlformats.org/presentationml/2006/main">
   <p:cSld>
     <p:spTree>
@@ -7932,7 +8283,7 @@
 </p:sld>
 </file>
 
-<file path=ppt/slides/slide13.xml><?xml version="1.0" encoding="utf-8"?>
+<file path=ppt/slides/slide14.xml><?xml version="1.0" encoding="utf-8"?>
 <p:sld xmlns:a="http://schemas.openxmlformats.org/drawingml/2006/main" xmlns:r="http://schemas.openxmlformats.org/officeDocument/2006/relationships" xmlns:p="http://schemas.openxmlformats.org/presentationml/2006/main">
   <p:cSld>
     <p:spTree>
@@ -8082,7 +8433,7 @@
 </p:sld>
 </file>
 
-<file path=ppt/slides/slide14.xml><?xml version="1.0" encoding="utf-8"?>
+<file path=ppt/slides/slide15.xml><?xml version="1.0" encoding="utf-8"?>
 <p:sld xmlns:a="http://schemas.openxmlformats.org/drawingml/2006/main" xmlns:r="http://schemas.openxmlformats.org/officeDocument/2006/relationships" xmlns:p="http://schemas.openxmlformats.org/presentationml/2006/main">
   <p:cSld>
     <p:spTree>
@@ -8335,7 +8686,7 @@
 </p:sld>
 </file>
 
-<file path=ppt/slides/slide15.xml><?xml version="1.0" encoding="utf-8"?>
+<file path=ppt/slides/slide16.xml><?xml version="1.0" encoding="utf-8"?>
 <p:sld xmlns:a="http://schemas.openxmlformats.org/drawingml/2006/main" xmlns:r="http://schemas.openxmlformats.org/officeDocument/2006/relationships" xmlns:p="http://schemas.openxmlformats.org/presentationml/2006/main">
   <p:cSld>
     <p:spTree>
@@ -8707,89 +9058,6 @@
     <p:extLst>
       <p:ext uri="{BB962C8B-B14F-4D97-AF65-F5344CB8AC3E}">
         <p14:creationId xmlns:p14="http://schemas.microsoft.com/office/powerpoint/2010/main" val="1814158860"/>
-      </p:ext>
-    </p:extLst>
-  </p:cSld>
-  <p:clrMapOvr>
-    <a:masterClrMapping/>
-  </p:clrMapOvr>
-  <p:timing>
-    <p:tnLst>
-      <p:par>
-        <p:cTn id="1" dur="indefinite" restart="never" nodeType="tmRoot"/>
-      </p:par>
-    </p:tnLst>
-  </p:timing>
-</p:sld>
-</file>
-
-<file path=ppt/slides/slide16.xml><?xml version="1.0" encoding="utf-8"?>
-<p:sld xmlns:a="http://schemas.openxmlformats.org/drawingml/2006/main" xmlns:r="http://schemas.openxmlformats.org/officeDocument/2006/relationships" xmlns:p="http://schemas.openxmlformats.org/presentationml/2006/main">
-  <p:cSld>
-    <p:spTree>
-      <p:nvGrpSpPr>
-        <p:cNvPr id="1" name=""/>
-        <p:cNvGrpSpPr/>
-        <p:nvPr/>
-      </p:nvGrpSpPr>
-      <p:grpSpPr>
-        <a:xfrm>
-          <a:off x="0" y="0"/>
-          <a:ext cx="0" cy="0"/>
-          <a:chOff x="0" y="0"/>
-          <a:chExt cx="0" cy="0"/>
-        </a:xfrm>
-      </p:grpSpPr>
-      <p:sp>
-        <p:nvSpPr>
-          <p:cNvPr id="2" name="Title 1"/>
-          <p:cNvSpPr>
-            <a:spLocks noGrp="1"/>
-          </p:cNvSpPr>
-          <p:nvPr>
-            <p:ph type="title"/>
-          </p:nvPr>
-        </p:nvSpPr>
-        <p:spPr/>
-        <p:txBody>
-          <a:bodyPr/>
-          <a:lstStyle/>
-          <a:p>
-            <a:r>
-              <a:rPr lang="en-US" dirty="0" smtClean="0"/>
-              <a:t>Gritty Details</a:t>
-            </a:r>
-            <a:endParaRPr lang="en-US" dirty="0"/>
-          </a:p>
-        </p:txBody>
-      </p:sp>
-      <p:sp>
-        <p:nvSpPr>
-          <p:cNvPr id="3" name="Text Placeholder 2"/>
-          <p:cNvSpPr>
-            <a:spLocks noGrp="1"/>
-          </p:cNvSpPr>
-          <p:nvPr>
-            <p:ph type="body" idx="1"/>
-          </p:nvPr>
-        </p:nvSpPr>
-        <p:spPr/>
-        <p:txBody>
-          <a:bodyPr/>
-          <a:lstStyle/>
-          <a:p>
-            <a:r>
-              <a:rPr lang="en-US" dirty="0" smtClean="0"/>
-              <a:t>OR technical stuff you’ll need</a:t>
-            </a:r>
-            <a:endParaRPr lang="en-US" dirty="0"/>
-          </a:p>
-        </p:txBody>
-      </p:sp>
-    </p:spTree>
-    <p:extLst>
-      <p:ext uri="{BB962C8B-B14F-4D97-AF65-F5344CB8AC3E}">
-        <p14:creationId xmlns:p14="http://schemas.microsoft.com/office/powerpoint/2010/main" val="1234324855"/>
       </p:ext>
     </p:extLst>
   </p:cSld>
@@ -8833,27 +9101,14 @@
             <p:ph type="title"/>
           </p:nvPr>
         </p:nvSpPr>
-        <p:spPr>
-          <a:xfrm>
-            <a:off x="457200" y="594359"/>
-            <a:ext cx="3200400" cy="2403365"/>
-          </a:xfrm>
-        </p:spPr>
+        <p:spPr/>
         <p:txBody>
           <a:bodyPr/>
           <a:lstStyle/>
           <a:p>
-            <a:pPr algn="ctr"/>
             <a:r>
               <a:rPr lang="en-US" dirty="0" smtClean="0"/>
-              <a:t>POST Request</a:t>
-            </a:r>
-            <a:br>
-              <a:rPr lang="en-US" dirty="0" smtClean="0"/>
-            </a:br>
-            <a:r>
-              <a:rPr lang="en-US" dirty="0" smtClean="0"/>
-              <a:t>JSON Schema</a:t>
+              <a:t>Gritty Details</a:t>
             </a:r>
             <a:endParaRPr lang="en-US" dirty="0"/>
           </a:p>
@@ -8861,12 +9116,12 @@
       </p:sp>
       <p:sp>
         <p:nvSpPr>
-          <p:cNvPr id="3" name="Content Placeholder 2"/>
+          <p:cNvPr id="3" name="Text Placeholder 2"/>
           <p:cNvSpPr>
             <a:spLocks noGrp="1"/>
           </p:cNvSpPr>
           <p:nvPr>
-            <p:ph idx="1"/>
+            <p:ph type="body" idx="1"/>
           </p:nvPr>
         </p:nvSpPr>
         <p:spPr/>
@@ -8874,200 +9129,18 @@
           <a:bodyPr/>
           <a:lstStyle/>
           <a:p>
-            <a:pPr marL="0" indent="0" algn="ctr">
-              <a:buNone/>
-            </a:pPr>
-            <a:r>
-              <a:rPr lang="en-US" u="sng" dirty="0" smtClean="0"/>
-              <a:t>Schema</a:t>
-            </a:r>
-          </a:p>
-          <a:p>
-            <a:pPr marL="0" indent="0">
-              <a:buNone/>
-            </a:pPr>
             <a:r>
               <a:rPr lang="en-US" dirty="0" smtClean="0"/>
-              <a:t>{</a:t>
-            </a:r>
-          </a:p>
-          <a:p>
-            <a:pPr marL="201168" lvl="1" indent="0">
-              <a:buNone/>
-            </a:pPr>
-            <a:r>
-              <a:rPr lang="en-US" dirty="0" smtClean="0"/>
-              <a:t>“me”: string,</a:t>
-            </a:r>
-          </a:p>
-          <a:p>
-            <a:pPr marL="201168" lvl="1" indent="0">
-              <a:buNone/>
-            </a:pPr>
-            <a:r>
-              <a:rPr lang="en-US" dirty="0" smtClean="0"/>
-              <a:t>“rows”: integer,</a:t>
-            </a:r>
-          </a:p>
-          <a:p>
-            <a:pPr marL="201168" lvl="1" indent="0">
-              <a:buNone/>
-            </a:pPr>
-            <a:r>
-              <a:rPr lang="en-US" dirty="0" smtClean="0"/>
-              <a:t>“cols”: integer,</a:t>
-            </a:r>
-          </a:p>
-          <a:p>
-            <a:pPr marL="201168" lvl="1" indent="0">
-              <a:buNone/>
-            </a:pPr>
-            <a:r>
-              <a:rPr lang="en-US" dirty="0" smtClean="0"/>
-              <a:t>“state”: [ strings</a:t>
-            </a:r>
-            <a:r>
-              <a:rPr lang="mr-IN" dirty="0" smtClean="0"/>
-              <a:t>…</a:t>
-            </a:r>
-            <a:r>
-              <a:rPr lang="en-US" dirty="0" smtClean="0"/>
-              <a:t> ]</a:t>
-            </a:r>
-          </a:p>
-          <a:p>
-            <a:pPr marL="0" indent="0">
-              <a:buNone/>
-            </a:pPr>
-            <a:r>
-              <a:rPr lang="en-US" dirty="0" smtClean="0"/>
-              <a:t>}</a:t>
-            </a:r>
-          </a:p>
-          <a:p>
-            <a:pPr marL="0" indent="0" algn="ctr">
-              <a:buNone/>
-            </a:pPr>
-            <a:r>
-              <a:rPr lang="en-US" u="sng" dirty="0" smtClean="0"/>
-              <a:t>Example</a:t>
-            </a:r>
-          </a:p>
-          <a:p>
-            <a:pPr marL="0" indent="0">
-              <a:buNone/>
-            </a:pPr>
-            <a:r>
-              <a:rPr lang="en-US" dirty="0"/>
-              <a:t>{</a:t>
-            </a:r>
-          </a:p>
-          <a:p>
-            <a:pPr marL="201168" lvl="1" indent="0">
-              <a:buNone/>
-            </a:pPr>
-            <a:r>
-              <a:rPr lang="en-US" dirty="0" smtClean="0"/>
-              <a:t>“me”: “P0”,</a:t>
-            </a:r>
-          </a:p>
-          <a:p>
-            <a:pPr marL="201168" lvl="1" indent="0">
-              <a:buNone/>
-            </a:pPr>
-            <a:r>
-              <a:rPr lang="en-US" dirty="0" smtClean="0"/>
-              <a:t>“rows”: 3,</a:t>
-            </a:r>
-          </a:p>
-          <a:p>
-            <a:pPr marL="201168" lvl="1" indent="0">
-              <a:buNone/>
-            </a:pPr>
-            <a:r>
-              <a:rPr lang="en-US" dirty="0" smtClean="0"/>
-              <a:t>“cols”: 3</a:t>
+              <a:t>OR technical stuff you’ll need</a:t>
             </a:r>
             <a:endParaRPr lang="en-US" dirty="0"/>
-          </a:p>
-          <a:p>
-            <a:pPr marL="201168" lvl="1" indent="0">
-              <a:buNone/>
-            </a:pPr>
-            <a:r>
-              <a:rPr lang="en-US" dirty="0" smtClean="0"/>
-              <a:t>“state”: </a:t>
-            </a:r>
-            <a:r>
-              <a:rPr lang="en-US" dirty="0"/>
-              <a:t>[ </a:t>
-            </a:r>
-            <a:r>
-              <a:rPr lang="en-US" dirty="0" smtClean="0"/>
-              <a:t>“”,  ””, “P0”, “”, “BL”, “BL”, ”SN”, ””, ””]</a:t>
-            </a:r>
-            <a:endParaRPr lang="en-US" dirty="0"/>
-          </a:p>
-          <a:p>
-            <a:pPr marL="0" indent="0">
-              <a:buNone/>
-            </a:pPr>
-            <a:r>
-              <a:rPr lang="en-US" dirty="0"/>
-              <a:t>}</a:t>
-            </a:r>
-          </a:p>
-        </p:txBody>
-      </p:sp>
-      <p:sp>
-        <p:nvSpPr>
-          <p:cNvPr id="4" name="Text Placeholder 3"/>
-          <p:cNvSpPr>
-            <a:spLocks noGrp="1"/>
-          </p:cNvSpPr>
-          <p:nvPr>
-            <p:ph type="body" sz="half" idx="2"/>
-          </p:nvPr>
-        </p:nvSpPr>
-        <p:spPr>
-          <a:xfrm>
-            <a:off x="457200" y="3120272"/>
-            <a:ext cx="3200400" cy="3184932"/>
-          </a:xfrm>
-        </p:spPr>
-        <p:txBody>
-          <a:bodyPr/>
-          <a:lstStyle/>
-          <a:p>
-            <a:r>
-              <a:rPr lang="en-US" dirty="0" smtClean="0"/>
-              <a:t>This schema reflects the structure of and information contained in the incoming POST request from the Q* client.</a:t>
-            </a:r>
-          </a:p>
-          <a:p>
-            <a:r>
-              <a:rPr lang="en-US" dirty="0" smtClean="0"/>
-              <a:t>Me refers to the string token which represents your team’s seeker.</a:t>
-            </a:r>
-          </a:p>
-          <a:p>
-            <a:r>
-              <a:rPr lang="en-US" dirty="0" smtClean="0"/>
-              <a:t>Rows and cols are the number of rows and columns in the matrix representing the game state.</a:t>
-            </a:r>
-          </a:p>
-          <a:p>
-            <a:r>
-              <a:rPr lang="en-US" dirty="0" smtClean="0"/>
-              <a:t>State is an array holding a row-major order matrix representing the game state.</a:t>
-            </a:r>
           </a:p>
         </p:txBody>
       </p:sp>
     </p:spTree>
     <p:extLst>
       <p:ext uri="{BB962C8B-B14F-4D97-AF65-F5344CB8AC3E}">
-        <p14:creationId xmlns:p14="http://schemas.microsoft.com/office/powerpoint/2010/main" val="261385374"/>
+        <p14:creationId xmlns:p14="http://schemas.microsoft.com/office/powerpoint/2010/main" val="1234324855"/>
       </p:ext>
     </p:extLst>
   </p:cSld>
@@ -9114,7 +9187,7 @@
         <p:spPr>
           <a:xfrm>
             <a:off x="457200" y="594359"/>
-            <a:ext cx="3200400" cy="2365657"/>
+            <a:ext cx="3200400" cy="2403365"/>
           </a:xfrm>
         </p:spPr>
         <p:txBody>
@@ -9124,7 +9197,7 @@
             <a:pPr algn="ctr"/>
             <a:r>
               <a:rPr lang="en-US" dirty="0" smtClean="0"/>
-              <a:t>POST Response</a:t>
+              <a:t>POST Request</a:t>
             </a:r>
             <a:br>
               <a:rPr lang="en-US" dirty="0" smtClean="0"/>
@@ -9175,7 +9248,42 @@
             </a:pPr>
             <a:r>
               <a:rPr lang="en-US" dirty="0" smtClean="0"/>
-              <a:t>“action”: string</a:t>
+              <a:t>“me”: string,</a:t>
+            </a:r>
+          </a:p>
+          <a:p>
+            <a:pPr marL="201168" lvl="1" indent="0">
+              <a:buNone/>
+            </a:pPr>
+            <a:r>
+              <a:rPr lang="en-US" dirty="0" smtClean="0"/>
+              <a:t>“rows”: integer,</a:t>
+            </a:r>
+          </a:p>
+          <a:p>
+            <a:pPr marL="201168" lvl="1" indent="0">
+              <a:buNone/>
+            </a:pPr>
+            <a:r>
+              <a:rPr lang="en-US" dirty="0" smtClean="0"/>
+              <a:t>“cols”: integer,</a:t>
+            </a:r>
+          </a:p>
+          <a:p>
+            <a:pPr marL="201168" lvl="1" indent="0">
+              <a:buNone/>
+            </a:pPr>
+            <a:r>
+              <a:rPr lang="en-US" dirty="0" smtClean="0"/>
+              <a:t>“state”: [ strings</a:t>
+            </a:r>
+            <a:r>
+              <a:rPr lang="mr-IN" dirty="0" smtClean="0"/>
+              <a:t>…</a:t>
+            </a:r>
+            <a:r>
+              <a:rPr lang="en-US" dirty="0" smtClean="0"/>
+              <a:t> ]</a:t>
             </a:r>
           </a:p>
           <a:p>
@@ -9211,18 +9319,54 @@
             </a:pPr>
             <a:r>
               <a:rPr lang="en-US" dirty="0" smtClean="0"/>
-              <a:t>“action”: “SW”</a:t>
-            </a:r>
+              <a:t>“me”: “P0”,</a:t>
+            </a:r>
+          </a:p>
+          <a:p>
+            <a:pPr marL="201168" lvl="1" indent="0">
+              <a:buNone/>
+            </a:pPr>
+            <a:r>
+              <a:rPr lang="en-US" dirty="0" smtClean="0"/>
+              <a:t>“rows”: 3,</a:t>
+            </a:r>
+          </a:p>
+          <a:p>
+            <a:pPr marL="201168" lvl="1" indent="0">
+              <a:buNone/>
+            </a:pPr>
+            <a:r>
+              <a:rPr lang="en-US" dirty="0" smtClean="0"/>
+              <a:t>“cols”: 3</a:t>
+            </a:r>
+            <a:endParaRPr lang="en-US" dirty="0"/>
+          </a:p>
+          <a:p>
+            <a:pPr marL="201168" lvl="1" indent="0">
+              <a:buNone/>
+            </a:pPr>
+            <a:r>
+              <a:rPr lang="en-US" dirty="0" smtClean="0"/>
+              <a:t>“state”: </a:t>
+            </a:r>
+            <a:r>
+              <a:rPr lang="en-US" dirty="0"/>
+              <a:t>[ </a:t>
+            </a:r>
+            <a:r>
+              <a:rPr lang="en-US" dirty="0" smtClean="0"/>
+              <a:t>“”,  ””, “P0”, “”, “BL”, “BL”, ”SN”, ””, ””]</a:t>
+            </a:r>
+            <a:endParaRPr lang="en-US" dirty="0"/>
           </a:p>
           <a:p>
             <a:pPr marL="0" indent="0">
               <a:buNone/>
             </a:pPr>
             <a:r>
-              <a:rPr lang="en-US" dirty="0" smtClean="0"/>
+              <a:rPr lang="en-US" dirty="0"/>
               <a:t>}</a:t>
             </a:r>
-            <a:endParaRPr lang="en-US" dirty="0"/>
           </a:p>
         </p:txBody>
       </p:sp>
@@ -9238,8 +9382,8 @@
         </p:nvSpPr>
         <p:spPr>
           <a:xfrm>
-            <a:off x="457200" y="2960016"/>
-            <a:ext cx="3200400" cy="3345188"/>
+            <a:off x="457200" y="3120272"/>
+            <a:ext cx="3200400" cy="3184932"/>
           </a:xfrm>
         </p:spPr>
         <p:txBody>
@@ -9248,13 +9392,25 @@
           <a:p>
             <a:r>
               <a:rPr lang="en-US" dirty="0" smtClean="0"/>
-              <a:t>The expected response from your team’s web service will be a simple JSON Object with a single key-value mapping representing the action to be taken by the seeker.</a:t>
+              <a:t>This schema reflects the structure of and information contained in the incoming POST request from the Q* client.</a:t>
             </a:r>
           </a:p>
           <a:p>
             <a:r>
               <a:rPr lang="en-US" dirty="0" smtClean="0"/>
-              <a:t>Valid action values are: N, E, S, W, NE, NW, SE, SW</a:t>
+              <a:t>Me refers to the string token which represents your team’s seeker.</a:t>
+            </a:r>
+          </a:p>
+          <a:p>
+            <a:r>
+              <a:rPr lang="en-US" dirty="0" smtClean="0"/>
+              <a:t>Rows and cols are the number of rows and columns in the matrix representing the game state.</a:t>
+            </a:r>
+          </a:p>
+          <a:p>
+            <a:r>
+              <a:rPr lang="en-US" dirty="0" smtClean="0"/>
+              <a:t>State is an array holding a row-major order matrix representing the game state.</a:t>
             </a:r>
           </a:p>
         </p:txBody>
@@ -9262,7 +9418,7 @@
     </p:spTree>
     <p:extLst>
       <p:ext uri="{BB962C8B-B14F-4D97-AF65-F5344CB8AC3E}">
-        <p14:creationId xmlns:p14="http://schemas.microsoft.com/office/powerpoint/2010/main" val="2126907263"/>
+        <p14:creationId xmlns:p14="http://schemas.microsoft.com/office/powerpoint/2010/main" val="261385374"/>
       </p:ext>
     </p:extLst>
   </p:cSld>
@@ -9306,7 +9462,12 @@
             <p:ph type="title"/>
           </p:nvPr>
         </p:nvSpPr>
-        <p:spPr/>
+        <p:spPr>
+          <a:xfrm>
+            <a:off x="457200" y="594359"/>
+            <a:ext cx="3200400" cy="2365657"/>
+          </a:xfrm>
+        </p:spPr>
         <p:txBody>
           <a:bodyPr/>
           <a:lstStyle/>
@@ -9314,21 +9475,14 @@
             <a:pPr algn="ctr"/>
             <a:r>
               <a:rPr lang="en-US" dirty="0" smtClean="0"/>
-              <a:t>Breadth</a:t>
+              <a:t>POST Response</a:t>
             </a:r>
             <a:br>
               <a:rPr lang="en-US" dirty="0" smtClean="0"/>
             </a:br>
             <a:r>
               <a:rPr lang="en-US" dirty="0" smtClean="0"/>
-              <a:t>First</a:t>
-            </a:r>
-            <a:br>
-              <a:rPr lang="en-US" dirty="0" smtClean="0"/>
-            </a:br>
-            <a:r>
-              <a:rPr lang="en-US" dirty="0" smtClean="0"/>
-              <a:t>Search</a:t>
+              <a:t>JSON Schema</a:t>
             </a:r>
             <a:endParaRPr lang="en-US" dirty="0"/>
           </a:p>
@@ -9349,20 +9503,30 @@
           <a:bodyPr/>
           <a:lstStyle/>
           <a:p>
+            <a:pPr marL="0" indent="0" algn="ctr">
+              <a:buNone/>
+            </a:pPr>
+            <a:r>
+              <a:rPr lang="en-US" u="sng" dirty="0" smtClean="0"/>
+              <a:t>Schema</a:t>
+            </a:r>
+          </a:p>
+          <a:p>
             <a:pPr marL="0" indent="0">
               <a:buNone/>
             </a:pPr>
             <a:r>
               <a:rPr lang="en-US" dirty="0" smtClean="0"/>
-              <a:t>1) </a:t>
-            </a:r>
-            <a:r>
-              <a:rPr lang="en-US" dirty="0" err="1" smtClean="0"/>
-              <a:t>searchQueue</a:t>
-            </a:r>
+              <a:t>{</a:t>
+            </a:r>
+          </a:p>
+          <a:p>
+            <a:pPr marL="201168" lvl="1" indent="0">
+              <a:buNone/>
+            </a:pPr>
             <a:r>
               <a:rPr lang="en-US" dirty="0" smtClean="0"/>
-              <a:t> &lt;- a queue containing only the search root</a:t>
+              <a:t>“action”: string</a:t>
             </a:r>
           </a:p>
           <a:p>
@@ -9371,15 +9535,16 @@
             </a:pPr>
             <a:r>
               <a:rPr lang="en-US" dirty="0" smtClean="0"/>
-              <a:t>2) </a:t>
-            </a:r>
-            <a:r>
-              <a:rPr lang="en-US" dirty="0" err="1" smtClean="0"/>
-              <a:t>visitedSet</a:t>
-            </a:r>
-            <a:r>
-              <a:rPr lang="en-US" dirty="0" smtClean="0"/>
-              <a:t> &lt;- a set of visited nodes</a:t>
+              <a:t>}</a:t>
+            </a:r>
+          </a:p>
+          <a:p>
+            <a:pPr marL="0" indent="0" algn="ctr">
+              <a:buNone/>
+            </a:pPr>
+            <a:r>
+              <a:rPr lang="en-US" u="sng" dirty="0" smtClean="0"/>
+              <a:t>Example</a:t>
             </a:r>
           </a:p>
           <a:p>
@@ -9387,16 +9552,8 @@
               <a:buNone/>
             </a:pPr>
             <a:r>
-              <a:rPr lang="en-US" dirty="0" smtClean="0"/>
-              <a:t>3) While </a:t>
-            </a:r>
-            <a:r>
-              <a:rPr lang="en-US" dirty="0" err="1" smtClean="0"/>
-              <a:t>searchQueue</a:t>
-            </a:r>
-            <a:r>
-              <a:rPr lang="en-US" dirty="0" smtClean="0"/>
-              <a:t> is not empty:</a:t>
+              <a:rPr lang="en-US" dirty="0"/>
+              <a:t>{</a:t>
             </a:r>
           </a:p>
           <a:p>
@@ -9404,249 +9561,8 @@
               <a:buNone/>
             </a:pPr>
             <a:r>
-              <a:rPr lang="en-US" dirty="0"/>
-              <a:t>4</a:t>
-            </a:r>
-            <a:r>
               <a:rPr lang="en-US" dirty="0" smtClean="0"/>
-              <a:t>) </a:t>
-            </a:r>
-            <a:r>
-              <a:rPr lang="en-US" dirty="0" err="1" smtClean="0"/>
-              <a:t>currentPath</a:t>
-            </a:r>
-            <a:r>
-              <a:rPr lang="en-US" dirty="0" smtClean="0"/>
-              <a:t> &lt;- </a:t>
-            </a:r>
-            <a:r>
-              <a:rPr lang="en-US" dirty="0" err="1"/>
-              <a:t>d</a:t>
-            </a:r>
-            <a:r>
-              <a:rPr lang="en-US" dirty="0" err="1" smtClean="0"/>
-              <a:t>equeue</a:t>
-            </a:r>
-            <a:r>
-              <a:rPr lang="en-US" dirty="0" smtClean="0"/>
-              <a:t> the next path off </a:t>
-            </a:r>
-            <a:r>
-              <a:rPr lang="en-US" dirty="0" err="1" smtClean="0"/>
-              <a:t>searchQueue</a:t>
-            </a:r>
-            <a:r>
-              <a:rPr lang="en-US" dirty="0" smtClean="0"/>
-              <a:t>.</a:t>
-            </a:r>
-          </a:p>
-          <a:p>
-            <a:pPr marL="201168" lvl="1" indent="0">
-              <a:buNone/>
-            </a:pPr>
-            <a:r>
-              <a:rPr lang="en-US" dirty="0"/>
-              <a:t>5</a:t>
-            </a:r>
-            <a:r>
-              <a:rPr lang="en-US" dirty="0" smtClean="0"/>
-              <a:t>) </a:t>
-            </a:r>
-            <a:r>
-              <a:rPr lang="en-US" dirty="0" err="1" smtClean="0"/>
-              <a:t>lastNode</a:t>
-            </a:r>
-            <a:r>
-              <a:rPr lang="en-US" dirty="0" smtClean="0"/>
-              <a:t> &lt;- find the last node in </a:t>
-            </a:r>
-            <a:r>
-              <a:rPr lang="en-US" dirty="0" err="1" smtClean="0"/>
-              <a:t>currentPath</a:t>
-            </a:r>
-            <a:endParaRPr lang="en-US" dirty="0" smtClean="0"/>
-          </a:p>
-          <a:p>
-            <a:pPr marL="201168" lvl="1" indent="0">
-              <a:buNone/>
-            </a:pPr>
-            <a:r>
-              <a:rPr lang="en-US" dirty="0"/>
-              <a:t>6</a:t>
-            </a:r>
-            <a:r>
-              <a:rPr lang="en-US" dirty="0" smtClean="0"/>
-              <a:t>) </a:t>
-            </a:r>
-            <a:r>
-              <a:rPr lang="en-US" dirty="0" err="1" smtClean="0"/>
-              <a:t>Foreach</a:t>
-            </a:r>
-            <a:r>
-              <a:rPr lang="en-US" dirty="0" smtClean="0"/>
-              <a:t> unvisited neighbor </a:t>
-            </a:r>
-            <a:r>
-              <a:rPr lang="en-US" dirty="0" err="1" smtClean="0"/>
-              <a:t>neighborNode</a:t>
-            </a:r>
-            <a:r>
-              <a:rPr lang="en-US" dirty="0" smtClean="0"/>
-              <a:t> of </a:t>
-            </a:r>
-            <a:r>
-              <a:rPr lang="en-US" dirty="0" err="1" smtClean="0"/>
-              <a:t>lastNode</a:t>
-            </a:r>
-            <a:r>
-              <a:rPr lang="en-US" dirty="0" smtClean="0"/>
-              <a:t>:</a:t>
-            </a:r>
-          </a:p>
-          <a:p>
-            <a:pPr marL="384048" lvl="2" indent="0">
-              <a:buNone/>
-            </a:pPr>
-            <a:r>
-              <a:rPr lang="en-US" dirty="0"/>
-              <a:t>7</a:t>
-            </a:r>
-            <a:r>
-              <a:rPr lang="en-US" dirty="0" smtClean="0"/>
-              <a:t>) Add </a:t>
-            </a:r>
-            <a:r>
-              <a:rPr lang="en-US" dirty="0" err="1" smtClean="0"/>
-              <a:t>neighborNode</a:t>
-            </a:r>
-            <a:r>
-              <a:rPr lang="en-US" dirty="0" smtClean="0"/>
-              <a:t> to </a:t>
-            </a:r>
-            <a:r>
-              <a:rPr lang="en-US" dirty="0" err="1" smtClean="0"/>
-              <a:t>visitedSet</a:t>
-            </a:r>
-            <a:r>
-              <a:rPr lang="en-US" dirty="0" smtClean="0"/>
-              <a:t>.</a:t>
-            </a:r>
-          </a:p>
-          <a:p>
-            <a:pPr marL="384048" lvl="2" indent="0">
-              <a:buNone/>
-            </a:pPr>
-            <a:r>
-              <a:rPr lang="en-US" dirty="0"/>
-              <a:t>8</a:t>
-            </a:r>
-            <a:r>
-              <a:rPr lang="en-US" dirty="0" smtClean="0"/>
-              <a:t>) </a:t>
-            </a:r>
-            <a:r>
-              <a:rPr lang="en-US" dirty="0" err="1" smtClean="0"/>
-              <a:t>newPath</a:t>
-            </a:r>
-            <a:r>
-              <a:rPr lang="en-US" dirty="0" smtClean="0"/>
-              <a:t> &lt;- append </a:t>
-            </a:r>
-            <a:r>
-              <a:rPr lang="en-US" dirty="0" err="1" smtClean="0"/>
-              <a:t>neighborNode</a:t>
-            </a:r>
-            <a:r>
-              <a:rPr lang="en-US" dirty="0" smtClean="0"/>
-              <a:t> to a copy of </a:t>
-            </a:r>
-            <a:r>
-              <a:rPr lang="en-US" dirty="0" err="1" smtClean="0"/>
-              <a:t>currentPath</a:t>
-            </a:r>
-            <a:r>
-              <a:rPr lang="en-US" dirty="0" smtClean="0"/>
-              <a:t>.</a:t>
-            </a:r>
-          </a:p>
-          <a:p>
-            <a:pPr marL="384048" lvl="2" indent="0">
-              <a:buNone/>
-            </a:pPr>
-            <a:r>
-              <a:rPr lang="en-US" dirty="0"/>
-              <a:t>9</a:t>
-            </a:r>
-            <a:r>
-              <a:rPr lang="en-US" dirty="0" smtClean="0"/>
-              <a:t>) If </a:t>
-            </a:r>
-            <a:r>
-              <a:rPr lang="en-US" dirty="0" err="1" smtClean="0"/>
-              <a:t>neighborNode</a:t>
-            </a:r>
-            <a:r>
-              <a:rPr lang="en-US" dirty="0" smtClean="0"/>
-              <a:t> contains the goal:</a:t>
-            </a:r>
-          </a:p>
-          <a:p>
-            <a:pPr marL="566928" lvl="3" indent="0">
-              <a:buNone/>
-            </a:pPr>
-            <a:r>
-              <a:rPr lang="en-US" dirty="0" smtClean="0"/>
-              <a:t>10) Return </a:t>
-            </a:r>
-            <a:r>
-              <a:rPr lang="en-US" dirty="0" err="1" smtClean="0"/>
-              <a:t>newPath</a:t>
-            </a:r>
-            <a:r>
-              <a:rPr lang="en-US" dirty="0" smtClean="0"/>
-              <a:t> as the shortest path to the goal.</a:t>
-            </a:r>
-          </a:p>
-          <a:p>
-            <a:pPr marL="384048" lvl="2" indent="0">
-              <a:buNone/>
-            </a:pPr>
-            <a:r>
-              <a:rPr lang="en-US" dirty="0" smtClean="0"/>
-              <a:t>11) Else:</a:t>
-            </a:r>
-          </a:p>
-          <a:p>
-            <a:pPr marL="566928" lvl="3" indent="0">
-              <a:buNone/>
-            </a:pPr>
-            <a:r>
-              <a:rPr lang="en-US" dirty="0" smtClean="0"/>
-              <a:t>12) </a:t>
-            </a:r>
-            <a:r>
-              <a:rPr lang="en-US" dirty="0" err="1" smtClean="0"/>
-              <a:t>Enqueue</a:t>
-            </a:r>
-            <a:r>
-              <a:rPr lang="en-US" dirty="0" smtClean="0"/>
-              <a:t> </a:t>
-            </a:r>
-            <a:r>
-              <a:rPr lang="en-US" dirty="0" err="1" smtClean="0"/>
-              <a:t>newPath</a:t>
-            </a:r>
-            <a:r>
-              <a:rPr lang="en-US" dirty="0" smtClean="0"/>
-              <a:t> into </a:t>
-            </a:r>
-            <a:r>
-              <a:rPr lang="en-US" dirty="0" err="1" smtClean="0"/>
-              <a:t>searchQueue</a:t>
-            </a:r>
-            <a:r>
-              <a:rPr lang="en-US" dirty="0" smtClean="0"/>
-              <a:t>.</a:t>
+              <a:t>“action”: “SW”</a:t>
             </a:r>
           </a:p>
           <a:p>
@@ -9655,20 +9571,9 @@
             </a:pPr>
             <a:r>
               <a:rPr lang="en-US" dirty="0" smtClean="0"/>
-              <a:t>13) If we reach this point then there is no path to the goal!</a:t>
-            </a:r>
-          </a:p>
-          <a:p>
-            <a:pPr marL="384048" lvl="2" indent="0">
-              <a:buNone/>
-            </a:pPr>
-            <a:endParaRPr lang="en-US" dirty="0" smtClean="0"/>
-          </a:p>
-          <a:p>
-            <a:pPr marL="384048" lvl="2" indent="0">
-              <a:buNone/>
-            </a:pPr>
-            <a:endParaRPr lang="en-US" dirty="0" smtClean="0"/>
+              <a:t>}</a:t>
+            </a:r>
+            <a:endParaRPr lang="en-US" dirty="0"/>
           </a:p>
         </p:txBody>
       </p:sp>
@@ -9682,45 +9587,33 @@
             <p:ph type="body" sz="half" idx="2"/>
           </p:nvPr>
         </p:nvSpPr>
-        <p:spPr/>
+        <p:spPr>
+          <a:xfrm>
+            <a:off x="457200" y="2960016"/>
+            <a:ext cx="3200400" cy="3345188"/>
+          </a:xfrm>
+        </p:spPr>
         <p:txBody>
           <a:bodyPr/>
           <a:lstStyle/>
           <a:p>
             <a:r>
               <a:rPr lang="en-US" dirty="0" smtClean="0"/>
-              <a:t>The following pseudocode is a high-level template for a basic BFS.</a:t>
+              <a:t>The expected response from your team’s web service will be a simple JSON Object with a single key-value mapping representing the action to be taken by the seeker.</a:t>
             </a:r>
           </a:p>
           <a:p>
             <a:r>
               <a:rPr lang="en-US" dirty="0" smtClean="0"/>
-              <a:t>&lt;- symbols are assignment statements</a:t>
-            </a:r>
-          </a:p>
-          <a:p>
-            <a:r>
-              <a:rPr lang="en-US" dirty="0" smtClean="0"/>
-              <a:t>For step 6 an unvisited neighbor would be a node that isn’t in </a:t>
-            </a:r>
-            <a:r>
-              <a:rPr lang="en-US" dirty="0" err="1" smtClean="0"/>
-              <a:t>visitedSet</a:t>
-            </a:r>
-            <a:r>
-              <a:rPr lang="en-US" dirty="0" smtClean="0"/>
-              <a:t>.</a:t>
-            </a:r>
-          </a:p>
-          <a:p>
-            <a:endParaRPr lang="en-US" dirty="0" smtClean="0"/>
+              <a:t>Valid action values are: N, E, S, W, NE, NW, SE, SW</a:t>
+            </a:r>
           </a:p>
         </p:txBody>
       </p:sp>
     </p:spTree>
     <p:extLst>
       <p:ext uri="{BB962C8B-B14F-4D97-AF65-F5344CB8AC3E}">
-        <p14:creationId xmlns:p14="http://schemas.microsoft.com/office/powerpoint/2010/main" val="619127439"/>
+        <p14:creationId xmlns:p14="http://schemas.microsoft.com/office/powerpoint/2010/main" val="2126907263"/>
       </p:ext>
     </p:extLst>
   </p:cSld>
@@ -9852,9 +9745,24 @@
           <a:bodyPr/>
           <a:lstStyle/>
           <a:p>
+            <a:pPr algn="ctr"/>
             <a:r>
               <a:rPr lang="en-US" dirty="0" smtClean="0"/>
-              <a:t>Quick BFS Example</a:t>
+              <a:t>Breadth</a:t>
+            </a:r>
+            <a:br>
+              <a:rPr lang="en-US" dirty="0" smtClean="0"/>
+            </a:br>
+            <a:r>
+              <a:rPr lang="en-US" dirty="0" smtClean="0"/>
+              <a:t>First</a:t>
+            </a:r>
+            <a:br>
+              <a:rPr lang="en-US" dirty="0" smtClean="0"/>
+            </a:br>
+            <a:r>
+              <a:rPr lang="en-US" dirty="0" smtClean="0"/>
+              <a:t>Search</a:t>
             </a:r>
             <a:endParaRPr lang="en-US" dirty="0"/>
           </a:p>
@@ -9867,33 +9775,195 @@
             <a:spLocks noGrp="1"/>
           </p:cNvSpPr>
           <p:nvPr>
-            <p:ph sz="half" idx="1"/>
+            <p:ph idx="1"/>
           </p:nvPr>
         </p:nvSpPr>
-        <p:spPr>
-          <a:xfrm>
-            <a:off x="5015060" y="1991065"/>
-            <a:ext cx="2556551" cy="4023360"/>
-          </a:xfrm>
-        </p:spPr>
+        <p:spPr/>
         <p:txBody>
           <a:bodyPr/>
           <a:lstStyle/>
+          <a:p>
+            <a:pPr marL="0" indent="0">
+              <a:buNone/>
+            </a:pPr>
+            <a:r>
+              <a:rPr lang="en-US" dirty="0" smtClean="0"/>
+              <a:t>1) </a:t>
+            </a:r>
+            <a:r>
+              <a:rPr lang="en-US" dirty="0" err="1" smtClean="0"/>
+              <a:t>searchQueue</a:t>
+            </a:r>
+            <a:r>
+              <a:rPr lang="en-US" dirty="0" smtClean="0"/>
+              <a:t> &lt;- a queue containing only the search root</a:t>
+            </a:r>
+          </a:p>
+          <a:p>
+            <a:pPr marL="0" indent="0">
+              <a:buNone/>
+            </a:pPr>
+            <a:r>
+              <a:rPr lang="en-US" dirty="0" smtClean="0"/>
+              <a:t>2) </a:t>
+            </a:r>
+            <a:r>
+              <a:rPr lang="en-US" dirty="0" err="1" smtClean="0"/>
+              <a:t>visitedSet</a:t>
+            </a:r>
+            <a:r>
+              <a:rPr lang="en-US" dirty="0" smtClean="0"/>
+              <a:t> &lt;- a set of visited nodes</a:t>
+            </a:r>
+          </a:p>
+          <a:p>
+            <a:pPr marL="0" indent="0">
+              <a:buNone/>
+            </a:pPr>
+            <a:r>
+              <a:rPr lang="en-US" dirty="0" smtClean="0"/>
+              <a:t>3) While </a:t>
+            </a:r>
+            <a:r>
+              <a:rPr lang="en-US" dirty="0" err="1" smtClean="0"/>
+              <a:t>searchQueue</a:t>
+            </a:r>
+            <a:r>
+              <a:rPr lang="en-US" dirty="0" smtClean="0"/>
+              <a:t> is not empty:</a:t>
+            </a:r>
+          </a:p>
+          <a:p>
+            <a:pPr marL="201168" lvl="1" indent="0">
+              <a:buNone/>
+            </a:pPr>
+            <a:r>
+              <a:rPr lang="en-US" dirty="0"/>
+              <a:t>4</a:t>
+            </a:r>
+            <a:r>
+              <a:rPr lang="en-US" dirty="0" smtClean="0"/>
+              <a:t>) </a:t>
+            </a:r>
+            <a:r>
+              <a:rPr lang="en-US" dirty="0" err="1" smtClean="0"/>
+              <a:t>currentPath</a:t>
+            </a:r>
+            <a:r>
+              <a:rPr lang="en-US" dirty="0" smtClean="0"/>
+              <a:t> &lt;- </a:t>
+            </a:r>
+            <a:r>
+              <a:rPr lang="en-US" dirty="0" err="1"/>
+              <a:t>d</a:t>
+            </a:r>
+            <a:r>
+              <a:rPr lang="en-US" dirty="0" err="1" smtClean="0"/>
+              <a:t>equeue</a:t>
+            </a:r>
+            <a:r>
+              <a:rPr lang="en-US" dirty="0" smtClean="0"/>
+              <a:t> the next path off </a:t>
+            </a:r>
+            <a:r>
+              <a:rPr lang="en-US" dirty="0" err="1" smtClean="0"/>
+              <a:t>searchQueue</a:t>
+            </a:r>
+            <a:r>
+              <a:rPr lang="en-US" dirty="0" smtClean="0"/>
+              <a:t>.</a:t>
+            </a:r>
+          </a:p>
+          <a:p>
+            <a:pPr marL="201168" lvl="1" indent="0">
+              <a:buNone/>
+            </a:pPr>
+            <a:r>
+              <a:rPr lang="en-US" dirty="0"/>
+              <a:t>5</a:t>
+            </a:r>
+            <a:r>
+              <a:rPr lang="en-US" dirty="0" smtClean="0"/>
+              <a:t>) </a:t>
+            </a:r>
+            <a:r>
+              <a:rPr lang="en-US" dirty="0" err="1" smtClean="0"/>
+              <a:t>lastNode</a:t>
+            </a:r>
+            <a:r>
+              <a:rPr lang="en-US" dirty="0" smtClean="0"/>
+              <a:t> &lt;- find the last node in </a:t>
+            </a:r>
+            <a:r>
+              <a:rPr lang="en-US" dirty="0" err="1" smtClean="0"/>
+              <a:t>currentPath</a:t>
+            </a:r>
+            <a:endParaRPr lang="en-US" dirty="0" smtClean="0"/>
+          </a:p>
+          <a:p>
+            <a:pPr marL="201168" lvl="1" indent="0">
+              <a:buNone/>
+            </a:pPr>
+            <a:r>
+              <a:rPr lang="en-US" dirty="0"/>
+              <a:t>6</a:t>
+            </a:r>
+            <a:r>
+              <a:rPr lang="en-US" dirty="0" smtClean="0"/>
+              <a:t>) </a:t>
+            </a:r>
+            <a:r>
+              <a:rPr lang="en-US" dirty="0" err="1" smtClean="0"/>
+              <a:t>Foreach</a:t>
+            </a:r>
+            <a:r>
+              <a:rPr lang="en-US" dirty="0" smtClean="0"/>
+              <a:t> unvisited neighbor </a:t>
+            </a:r>
+            <a:r>
+              <a:rPr lang="en-US" dirty="0" err="1" smtClean="0"/>
+              <a:t>neighborNode</a:t>
+            </a:r>
+            <a:r>
+              <a:rPr lang="en-US" dirty="0" smtClean="0"/>
+              <a:t> of </a:t>
+            </a:r>
+            <a:r>
+              <a:rPr lang="en-US" dirty="0" err="1" smtClean="0"/>
+              <a:t>lastNode</a:t>
+            </a:r>
+            <a:r>
+              <a:rPr lang="en-US" dirty="0" smtClean="0"/>
+              <a:t>:</a:t>
+            </a:r>
+          </a:p>
           <a:p>
             <a:pPr marL="384048" lvl="2" indent="0">
               <a:buNone/>
             </a:pPr>
             <a:r>
+              <a:rPr lang="en-US" dirty="0"/>
+              <a:t>7</a:t>
+            </a:r>
+            <a:r>
+              <a:rPr lang="en-US" dirty="0" smtClean="0"/>
+              <a:t>) Add </a:t>
+            </a:r>
+            <a:r>
               <a:rPr lang="en-US" dirty="0" err="1" smtClean="0"/>
-              <a:t>searchQueue</a:t>
+              <a:t>neighborNode</a:t>
             </a:r>
             <a:r>
               <a:rPr lang="en-US" dirty="0" smtClean="0"/>
-              <a:t> </a:t>
-            </a:r>
-            <a:r>
-              <a:rPr lang="en-US" dirty="0"/>
-              <a:t>= [</a:t>
+              <a:t> to </a:t>
+            </a:r>
+            <a:r>
+              <a:rPr lang="en-US" dirty="0" err="1" smtClean="0"/>
+              <a:t>visitedSet</a:t>
+            </a:r>
+            <a:r>
+              <a:rPr lang="en-US" dirty="0" smtClean="0"/>
+              <a:t>.</a:t>
             </a:r>
           </a:p>
           <a:p>
@@ -9901,105 +9971,171 @@
               <a:buNone/>
             </a:pPr>
             <a:r>
+              <a:rPr lang="en-US" dirty="0"/>
+              <a:t>8</a:t>
+            </a:r>
+            <a:r>
               <a:rPr lang="en-US" dirty="0" smtClean="0"/>
-              <a:t>[(</a:t>
-            </a:r>
-            <a:r>
-              <a:rPr lang="en-US" dirty="0"/>
-              <a:t>0,0</a:t>
+              <a:t>) </a:t>
+            </a:r>
+            <a:r>
+              <a:rPr lang="en-US" dirty="0" err="1" smtClean="0"/>
+              <a:t>newPath</a:t>
             </a:r>
             <a:r>
               <a:rPr lang="en-US" dirty="0" smtClean="0"/>
-              <a:t>)]</a:t>
-            </a:r>
-            <a:endParaRPr lang="en-US" dirty="0"/>
+              <a:t> &lt;- append </a:t>
+            </a:r>
+            <a:r>
+              <a:rPr lang="en-US" dirty="0" err="1" smtClean="0"/>
+              <a:t>neighborNode</a:t>
+            </a:r>
+            <a:r>
+              <a:rPr lang="en-US" dirty="0" smtClean="0"/>
+              <a:t> to a copy of </a:t>
+            </a:r>
+            <a:r>
+              <a:rPr lang="en-US" dirty="0" err="1" smtClean="0"/>
+              <a:t>currentPath</a:t>
+            </a:r>
+            <a:r>
+              <a:rPr lang="en-US" dirty="0" smtClean="0"/>
+              <a:t>.</a:t>
+            </a:r>
           </a:p>
           <a:p>
             <a:pPr marL="384048" lvl="2" indent="0">
               <a:buNone/>
             </a:pPr>
             <a:r>
+              <a:rPr lang="en-US" dirty="0"/>
+              <a:t>9</a:t>
+            </a:r>
+            <a:r>
               <a:rPr lang="en-US" dirty="0" smtClean="0"/>
-              <a:t>]</a:t>
+              <a:t>) If </a:t>
+            </a:r>
+            <a:r>
+              <a:rPr lang="en-US" dirty="0" err="1" smtClean="0"/>
+              <a:t>neighborNode</a:t>
+            </a:r>
+            <a:r>
+              <a:rPr lang="en-US" dirty="0" smtClean="0"/>
+              <a:t> contains the goal:</a:t>
+            </a:r>
+          </a:p>
+          <a:p>
+            <a:pPr marL="566928" lvl="3" indent="0">
+              <a:buNone/>
+            </a:pPr>
+            <a:r>
+              <a:rPr lang="en-US" dirty="0" smtClean="0"/>
+              <a:t>10) Return </a:t>
+            </a:r>
+            <a:r>
+              <a:rPr lang="en-US" dirty="0" err="1" smtClean="0"/>
+              <a:t>newPath</a:t>
+            </a:r>
+            <a:r>
+              <a:rPr lang="en-US" dirty="0" smtClean="0"/>
+              <a:t> as the shortest path to the goal.</a:t>
             </a:r>
           </a:p>
           <a:p>
             <a:pPr marL="384048" lvl="2" indent="0">
               <a:buNone/>
             </a:pPr>
-            <a:endParaRPr lang="en-US" dirty="0"/>
+            <a:r>
+              <a:rPr lang="en-US" dirty="0" smtClean="0"/>
+              <a:t>11) Else:</a:t>
+            </a:r>
+          </a:p>
+          <a:p>
+            <a:pPr marL="566928" lvl="3" indent="0">
+              <a:buNone/>
+            </a:pPr>
+            <a:r>
+              <a:rPr lang="en-US" dirty="0" smtClean="0"/>
+              <a:t>12) </a:t>
+            </a:r>
+            <a:r>
+              <a:rPr lang="en-US" dirty="0" err="1" smtClean="0"/>
+              <a:t>Enqueue</a:t>
+            </a:r>
+            <a:r>
+              <a:rPr lang="en-US" dirty="0" smtClean="0"/>
+              <a:t> </a:t>
+            </a:r>
+            <a:r>
+              <a:rPr lang="en-US" dirty="0" err="1" smtClean="0"/>
+              <a:t>newPath</a:t>
+            </a:r>
+            <a:r>
+              <a:rPr lang="en-US" dirty="0" smtClean="0"/>
+              <a:t> into </a:t>
+            </a:r>
+            <a:r>
+              <a:rPr lang="en-US" dirty="0" err="1" smtClean="0"/>
+              <a:t>searchQueue</a:t>
+            </a:r>
+            <a:r>
+              <a:rPr lang="en-US" dirty="0" smtClean="0"/>
+              <a:t>.</a:t>
+            </a:r>
+          </a:p>
+          <a:p>
+            <a:pPr marL="0" indent="0">
+              <a:buNone/>
+            </a:pPr>
+            <a:r>
+              <a:rPr lang="en-US" dirty="0" smtClean="0"/>
+              <a:t>13) If we reach this point then there is no path to the goal!</a:t>
+            </a:r>
           </a:p>
           <a:p>
             <a:pPr marL="384048" lvl="2" indent="0">
               <a:buNone/>
             </a:pPr>
-            <a:r>
-              <a:rPr lang="en-US" dirty="0" err="1"/>
-              <a:t>visitedSet</a:t>
-            </a:r>
-            <a:r>
-              <a:rPr lang="en-US" dirty="0"/>
-              <a:t> = [ </a:t>
-            </a:r>
             <a:endParaRPr lang="en-US" dirty="0" smtClean="0"/>
           </a:p>
           <a:p>
             <a:pPr marL="384048" lvl="2" indent="0">
               <a:buNone/>
             </a:pPr>
-            <a:r>
-              <a:rPr lang="en-US" dirty="0" smtClean="0"/>
-              <a:t>(0,0)</a:t>
-            </a:r>
-          </a:p>
-          <a:p>
-            <a:pPr marL="384048" lvl="2" indent="0">
-              <a:buNone/>
-            </a:pPr>
-            <a:r>
-              <a:rPr lang="en-US" dirty="0" smtClean="0"/>
-              <a:t>]</a:t>
-            </a:r>
-          </a:p>
-        </p:txBody>
-      </p:sp>
-      <p:sp>
-        <p:nvSpPr>
-          <p:cNvPr id="4" name="Content Placeholder 3"/>
+            <a:endParaRPr lang="en-US" dirty="0" smtClean="0"/>
+          </a:p>
+        </p:txBody>
+      </p:sp>
+      <p:sp>
+        <p:nvSpPr>
+          <p:cNvPr id="4" name="Text Placeholder 3"/>
           <p:cNvSpPr>
             <a:spLocks noGrp="1"/>
           </p:cNvSpPr>
           <p:nvPr>
-            <p:ph sz="half" idx="2"/>
+            <p:ph type="body" sz="half" idx="2"/>
           </p:nvPr>
         </p:nvSpPr>
-        <p:spPr>
-          <a:xfrm>
-            <a:off x="938912" y="1991065"/>
-            <a:ext cx="3972454" cy="4023360"/>
-          </a:xfrm>
-        </p:spPr>
+        <p:spPr/>
         <p:txBody>
           <a:bodyPr/>
           <a:lstStyle/>
           <a:p>
             <a:r>
               <a:rPr lang="en-US" dirty="0" smtClean="0"/>
-              <a:t>Here’s an example of the initial state of the BFS search.</a:t>
+              <a:t>The following pseudocode is a high-level template for a basic BFS.</a:t>
             </a:r>
           </a:p>
           <a:p>
             <a:r>
               <a:rPr lang="en-US" dirty="0" smtClean="0"/>
-              <a:t>The search root (0,0) is in both the </a:t>
-            </a:r>
-            <a:r>
-              <a:rPr lang="en-US" dirty="0" err="1" smtClean="0"/>
-              <a:t>searchQueue</a:t>
-            </a:r>
+              <a:t>&lt;- symbols are assignment statements</a:t>
+            </a:r>
+          </a:p>
+          <a:p>
             <a:r>
               <a:rPr lang="en-US" dirty="0" smtClean="0"/>
-              <a:t> and the </a:t>
+              <a:t>For step 6 an unvisited neighbor would be a node that isn’t in </a:t>
             </a:r>
             <a:r>
               <a:rPr lang="en-US" dirty="0" err="1" smtClean="0"/>
@@ -10007,46 +10143,18 @@
             </a:r>
             <a:r>
               <a:rPr lang="en-US" dirty="0" smtClean="0"/>
-              <a:t> because we don’t want to accidentally revisit it.</a:t>
-            </a:r>
-            <a:endParaRPr lang="en-US" dirty="0"/>
-          </a:p>
-        </p:txBody>
-      </p:sp>
-      <p:pic>
-        <p:nvPicPr>
-          <p:cNvPr id="5" name="Picture 4"/>
-          <p:cNvPicPr>
-            <a:picLocks noChangeAspect="1"/>
-          </p:cNvPicPr>
-          <p:nvPr/>
-        </p:nvPicPr>
-        <p:blipFill>
-          <a:blip r:embed="rId2">
-            <a:extLst>
-              <a:ext uri="{28A0092B-C50C-407E-A947-70E740481C1C}">
-                <a14:useLocalDpi xmlns:a14="http://schemas.microsoft.com/office/drawing/2010/main" val="0"/>
-              </a:ext>
-            </a:extLst>
-          </a:blip>
-          <a:stretch>
-            <a:fillRect/>
-          </a:stretch>
-        </p:blipFill>
-        <p:spPr>
-          <a:xfrm>
-            <a:off x="7866380" y="2220363"/>
-            <a:ext cx="3289300" cy="3302000"/>
-          </a:xfrm>
-          <a:prstGeom prst="rect">
-            <a:avLst/>
-          </a:prstGeom>
-        </p:spPr>
-      </p:pic>
+              <a:t>.</a:t>
+            </a:r>
+          </a:p>
+          <a:p>
+            <a:endParaRPr lang="en-US" dirty="0" smtClean="0"/>
+          </a:p>
+        </p:txBody>
+      </p:sp>
     </p:spTree>
     <p:extLst>
       <p:ext uri="{BB962C8B-B14F-4D97-AF65-F5344CB8AC3E}">
-        <p14:creationId xmlns:p14="http://schemas.microsoft.com/office/powerpoint/2010/main" val="62001610"/>
+        <p14:creationId xmlns:p14="http://schemas.microsoft.com/office/powerpoint/2010/main" val="619127439"/>
       </p:ext>
     </p:extLst>
   </p:cSld>
@@ -10115,8 +10223,8 @@
         </p:nvSpPr>
         <p:spPr>
           <a:xfrm>
-            <a:off x="5407216" y="1991065"/>
-            <a:ext cx="2164395" cy="4023360"/>
+            <a:off x="5015060" y="1991065"/>
+            <a:ext cx="2556551" cy="4023360"/>
           </a:xfrm>
         </p:spPr>
         <p:txBody>
@@ -10136,11 +10244,7 @@
             </a:r>
             <a:r>
               <a:rPr lang="en-US" dirty="0"/>
-              <a:t>= </a:t>
-            </a:r>
-            <a:r>
-              <a:rPr lang="en-US" dirty="0" smtClean="0"/>
-              <a:t>[</a:t>
+              <a:t>= [</a:t>
             </a:r>
           </a:p>
           <a:p>
@@ -10149,17 +10253,17 @@
             </a:pPr>
             <a:r>
               <a:rPr lang="en-US" dirty="0" smtClean="0"/>
-              <a:t>[[0,0),(1,1)],</a:t>
-            </a:r>
-          </a:p>
-          <a:p>
-            <a:pPr marL="384048" lvl="2" indent="0">
-              <a:buNone/>
-            </a:pPr>
+              <a:t>[(</a:t>
+            </a:r>
+            <a:r>
+              <a:rPr lang="en-US" dirty="0"/>
+              <a:t>0,0</a:t>
+            </a:r>
             <a:r>
               <a:rPr lang="en-US" dirty="0" smtClean="0"/>
-              <a:t>[(0,0),(1,0)]</a:t>
-            </a:r>
+              <a:t>)]</a:t>
+            </a:r>
+            <a:endParaRPr lang="en-US" dirty="0"/>
           </a:p>
           <a:p>
             <a:pPr marL="384048" lvl="2" indent="0">
@@ -10186,12 +10290,9 @@
             </a:r>
             <a:r>
               <a:rPr lang="en-US" dirty="0"/>
-              <a:t> = </a:t>
-            </a:r>
-            <a:r>
-              <a:rPr lang="en-US" dirty="0" smtClean="0"/>
-              <a:t>[</a:t>
-            </a:r>
+              <a:t> = [ </a:t>
+            </a:r>
+            <a:endParaRPr lang="en-US" dirty="0" smtClean="0"/>
           </a:p>
           <a:p>
             <a:pPr marL="384048" lvl="2" indent="0">
@@ -10199,34 +10300,7 @@
             </a:pPr>
             <a:r>
               <a:rPr lang="en-US" dirty="0" smtClean="0"/>
-              <a:t>(0,0),</a:t>
-            </a:r>
-          </a:p>
-          <a:p>
-            <a:pPr marL="384048" lvl="2" indent="0">
-              <a:buNone/>
-            </a:pPr>
-            <a:r>
-              <a:rPr lang="en-US" dirty="0" smtClean="0"/>
-              <a:t>(0,1),</a:t>
-            </a:r>
-          </a:p>
-          <a:p>
-            <a:pPr marL="384048" lvl="2" indent="0">
-              <a:buNone/>
-            </a:pPr>
-            <a:r>
-              <a:rPr lang="en-US" dirty="0" smtClean="0"/>
-              <a:t>(1,0),</a:t>
-            </a:r>
-          </a:p>
-          <a:p>
-            <a:pPr marL="384048" lvl="2" indent="0">
-              <a:buNone/>
-            </a:pPr>
-            <a:r>
-              <a:rPr lang="en-US" dirty="0" smtClean="0"/>
-              <a:t>(1,1)</a:t>
+              <a:t>(0,0)</a:t>
             </a:r>
           </a:p>
           <a:p>
@@ -10252,8 +10326,8 @@
         </p:nvSpPr>
         <p:spPr>
           <a:xfrm>
-            <a:off x="938911" y="1991065"/>
-            <a:ext cx="4076149" cy="4023360"/>
+            <a:off x="938912" y="1991065"/>
+            <a:ext cx="3972454" cy="4023360"/>
           </a:xfrm>
         </p:spPr>
         <p:txBody>
@@ -10262,43 +10336,29 @@
           <a:p>
             <a:r>
               <a:rPr lang="en-US" dirty="0" smtClean="0"/>
-              <a:t>In the first iteration we select the search root and then check all the neighbors.</a:t>
-            </a:r>
-          </a:p>
-          <a:p>
-            <a:r>
-              <a:rPr lang="en-US" dirty="0"/>
-              <a:t>The </a:t>
-            </a:r>
-            <a:r>
-              <a:rPr lang="en-US" dirty="0" err="1"/>
-              <a:t>bludger</a:t>
-            </a:r>
-            <a:r>
-              <a:rPr lang="en-US" dirty="0"/>
-              <a:t> can’t be used in a valid path; however, we still mark it as visited</a:t>
-            </a:r>
+              <a:t>Here’s an example of the initial state of the BFS search.</a:t>
+            </a:r>
+          </a:p>
+          <a:p>
             <a:r>
               <a:rPr lang="en-US" dirty="0" smtClean="0"/>
-              <a:t>.</a:t>
-            </a:r>
-          </a:p>
-          <a:p>
-            <a:r>
-              <a:rPr lang="en-US" dirty="0" smtClean="0"/>
-              <a:t>The end result state is two new paths in the </a:t>
+              <a:t>The search root (0,0) is in both the </a:t>
             </a:r>
             <a:r>
               <a:rPr lang="en-US" dirty="0" err="1" smtClean="0"/>
               <a:t>searchQueue</a:t>
             </a:r>
             <a:r>
-              <a:rPr lang="en-US" dirty="0"/>
-              <a:t> </a:t>
-            </a:r>
-            <a:r>
               <a:rPr lang="en-US" dirty="0" smtClean="0"/>
-              <a:t>and three new visited nodes</a:t>
+              <a:t> and the </a:t>
+            </a:r>
+            <a:r>
+              <a:rPr lang="en-US" dirty="0" err="1" smtClean="0"/>
+              <a:t>visitedSet</a:t>
+            </a:r>
+            <a:r>
+              <a:rPr lang="en-US" dirty="0" smtClean="0"/>
+              <a:t> because we don’t want to accidentally revisit it.</a:t>
             </a:r>
             <a:endParaRPr lang="en-US" dirty="0"/>
           </a:p>
@@ -10334,265 +10394,10 @@
           </a:prstGeom>
         </p:spPr>
       </p:pic>
-      <p:sp>
-        <p:nvSpPr>
-          <p:cNvPr id="6" name="Left Bracket 5"/>
-          <p:cNvSpPr/>
-          <p:nvPr/>
-        </p:nvSpPr>
-        <p:spPr>
-          <a:xfrm>
-            <a:off x="7956224" y="2318994"/>
-            <a:ext cx="75414" cy="509047"/>
-          </a:xfrm>
-          <a:prstGeom prst="leftBracket">
-            <a:avLst/>
-          </a:prstGeom>
-        </p:spPr>
-        <p:style>
-          <a:lnRef idx="1">
-            <a:schemeClr val="accent1"/>
-          </a:lnRef>
-          <a:fillRef idx="0">
-            <a:schemeClr val="accent1"/>
-          </a:fillRef>
-          <a:effectRef idx="0">
-            <a:schemeClr val="accent1"/>
-          </a:effectRef>
-          <a:fontRef idx="minor">
-            <a:schemeClr val="tx1"/>
-          </a:fontRef>
-        </p:style>
-        <p:txBody>
-          <a:bodyPr rtlCol="0" anchor="ctr"/>
-          <a:lstStyle/>
-          <a:p>
-            <a:pPr algn="ctr"/>
-            <a:endParaRPr lang="en-US"/>
-          </a:p>
-        </p:txBody>
-      </p:sp>
-      <p:sp>
-        <p:nvSpPr>
-          <p:cNvPr id="7" name="Right Bracket 6"/>
-          <p:cNvSpPr/>
-          <p:nvPr/>
-        </p:nvSpPr>
-        <p:spPr>
-          <a:xfrm>
-            <a:off x="8418135" y="2318994"/>
-            <a:ext cx="84841" cy="527901"/>
-          </a:xfrm>
-          <a:prstGeom prst="rightBracket">
-            <a:avLst/>
-          </a:prstGeom>
-        </p:spPr>
-        <p:style>
-          <a:lnRef idx="1">
-            <a:schemeClr val="accent1"/>
-          </a:lnRef>
-          <a:fillRef idx="0">
-            <a:schemeClr val="accent1"/>
-          </a:fillRef>
-          <a:effectRef idx="0">
-            <a:schemeClr val="accent1"/>
-          </a:effectRef>
-          <a:fontRef idx="minor">
-            <a:schemeClr val="tx1"/>
-          </a:fontRef>
-        </p:style>
-        <p:txBody>
-          <a:bodyPr rtlCol="0" anchor="ctr"/>
-          <a:lstStyle/>
-          <a:p>
-            <a:pPr algn="ctr"/>
-            <a:endParaRPr lang="en-US"/>
-          </a:p>
-        </p:txBody>
-      </p:sp>
-      <p:sp>
-        <p:nvSpPr>
-          <p:cNvPr id="9" name="Frame 8"/>
-          <p:cNvSpPr/>
-          <p:nvPr/>
-        </p:nvSpPr>
-        <p:spPr>
-          <a:xfrm>
-            <a:off x="7963767" y="2960016"/>
-            <a:ext cx="539209" cy="546755"/>
-          </a:xfrm>
-          <a:prstGeom prst="frame">
-            <a:avLst/>
-          </a:prstGeom>
-        </p:spPr>
-        <p:style>
-          <a:lnRef idx="2">
-            <a:schemeClr val="accent1">
-              <a:shade val="50000"/>
-            </a:schemeClr>
-          </a:lnRef>
-          <a:fillRef idx="1">
-            <a:schemeClr val="accent1"/>
-          </a:fillRef>
-          <a:effectRef idx="0">
-            <a:schemeClr val="accent1"/>
-          </a:effectRef>
-          <a:fontRef idx="minor">
-            <a:schemeClr val="lt1"/>
-          </a:fontRef>
-        </p:style>
-        <p:txBody>
-          <a:bodyPr rtlCol="0" anchor="ctr"/>
-          <a:lstStyle/>
-          <a:p>
-            <a:pPr algn="ctr"/>
-            <a:endParaRPr lang="en-US">
-              <a:solidFill>
-                <a:schemeClr val="tx1"/>
-              </a:solidFill>
-            </a:endParaRPr>
-          </a:p>
-        </p:txBody>
-      </p:sp>
-      <p:sp>
-        <p:nvSpPr>
-          <p:cNvPr id="10" name="Frame 9"/>
-          <p:cNvSpPr/>
-          <p:nvPr/>
-        </p:nvSpPr>
-        <p:spPr>
-          <a:xfrm>
-            <a:off x="8600363" y="2960016"/>
-            <a:ext cx="539209" cy="546755"/>
-          </a:xfrm>
-          <a:prstGeom prst="frame">
-            <a:avLst/>
-          </a:prstGeom>
-        </p:spPr>
-        <p:style>
-          <a:lnRef idx="2">
-            <a:schemeClr val="accent1">
-              <a:shade val="50000"/>
-            </a:schemeClr>
-          </a:lnRef>
-          <a:fillRef idx="1">
-            <a:schemeClr val="accent1"/>
-          </a:fillRef>
-          <a:effectRef idx="0">
-            <a:schemeClr val="accent1"/>
-          </a:effectRef>
-          <a:fontRef idx="minor">
-            <a:schemeClr val="lt1"/>
-          </a:fontRef>
-        </p:style>
-        <p:txBody>
-          <a:bodyPr rtlCol="0" anchor="ctr"/>
-          <a:lstStyle/>
-          <a:p>
-            <a:pPr algn="ctr"/>
-            <a:endParaRPr lang="en-US">
-              <a:solidFill>
-                <a:schemeClr val="tx1"/>
-              </a:solidFill>
-            </a:endParaRPr>
-          </a:p>
-        </p:txBody>
-      </p:sp>
-      <p:sp>
-        <p:nvSpPr>
-          <p:cNvPr id="11" name="Frame 10"/>
-          <p:cNvSpPr/>
-          <p:nvPr/>
-        </p:nvSpPr>
-        <p:spPr>
-          <a:xfrm>
-            <a:off x="8600362" y="2316812"/>
-            <a:ext cx="539209" cy="546755"/>
-          </a:xfrm>
-          <a:prstGeom prst="frame">
-            <a:avLst/>
-          </a:prstGeom>
-        </p:spPr>
-        <p:style>
-          <a:lnRef idx="2">
-            <a:schemeClr val="accent1">
-              <a:shade val="50000"/>
-            </a:schemeClr>
-          </a:lnRef>
-          <a:fillRef idx="1">
-            <a:schemeClr val="accent1"/>
-          </a:fillRef>
-          <a:effectRef idx="0">
-            <a:schemeClr val="accent1"/>
-          </a:effectRef>
-          <a:fontRef idx="minor">
-            <a:schemeClr val="lt1"/>
-          </a:fontRef>
-        </p:style>
-        <p:txBody>
-          <a:bodyPr rtlCol="0" anchor="ctr"/>
-          <a:lstStyle/>
-          <a:p>
-            <a:pPr algn="ctr"/>
-            <a:endParaRPr lang="en-US">
-              <a:solidFill>
-                <a:schemeClr val="tx1"/>
-              </a:solidFill>
-            </a:endParaRPr>
-          </a:p>
-        </p:txBody>
-      </p:sp>
-      <p:sp>
-        <p:nvSpPr>
-          <p:cNvPr id="12" name="&quot;No&quot; Symbol 11"/>
-          <p:cNvSpPr/>
-          <p:nvPr/>
-        </p:nvSpPr>
-        <p:spPr>
-          <a:xfrm>
-            <a:off x="8600362" y="2326239"/>
-            <a:ext cx="539209" cy="527901"/>
-          </a:xfrm>
-          <a:prstGeom prst="noSmoking">
-            <a:avLst/>
-          </a:prstGeom>
-          <a:solidFill>
-            <a:srgbClr val="FF0000"/>
-          </a:solidFill>
-        </p:spPr>
-        <p:style>
-          <a:lnRef idx="2">
-            <a:schemeClr val="accent1">
-              <a:shade val="50000"/>
-            </a:schemeClr>
-          </a:lnRef>
-          <a:fillRef idx="1">
-            <a:schemeClr val="accent1"/>
-          </a:fillRef>
-          <a:effectRef idx="0">
-            <a:schemeClr val="accent1"/>
-          </a:effectRef>
-          <a:fontRef idx="minor">
-            <a:schemeClr val="lt1"/>
-          </a:fontRef>
-        </p:style>
-        <p:txBody>
-          <a:bodyPr rtlCol="0" anchor="ctr"/>
-          <a:lstStyle/>
-          <a:p>
-            <a:pPr algn="ctr"/>
-            <a:endParaRPr lang="en-US">
-              <a:solidFill>
-                <a:schemeClr val="tx1"/>
-              </a:solidFill>
-            </a:endParaRPr>
-          </a:p>
-        </p:txBody>
-      </p:sp>
     </p:spTree>
     <p:extLst>
       <p:ext uri="{BB962C8B-B14F-4D97-AF65-F5344CB8AC3E}">
-        <p14:creationId xmlns:p14="http://schemas.microsoft.com/office/powerpoint/2010/main" val="1080951682"/>
+        <p14:creationId xmlns:p14="http://schemas.microsoft.com/office/powerpoint/2010/main" val="62001610"/>
       </p:ext>
     </p:extLst>
   </p:cSld>
@@ -10641,17 +10446,9 @@
           <a:bodyPr/>
           <a:lstStyle/>
           <a:p>
-            <a:pPr algn="ctr"/>
             <a:r>
               <a:rPr lang="en-US" dirty="0" smtClean="0"/>
-              <a:t>A*</a:t>
-            </a:r>
-            <a:br>
-              <a:rPr lang="en-US" dirty="0" smtClean="0"/>
-            </a:br>
-            <a:r>
-              <a:rPr lang="en-US" dirty="0" smtClean="0"/>
-              <a:t>Search</a:t>
+              <a:t>Quick BFS Example</a:t>
             </a:r>
             <a:endParaRPr lang="en-US" dirty="0"/>
           </a:p>
@@ -10664,207 +10461,37 @@
             <a:spLocks noGrp="1"/>
           </p:cNvSpPr>
           <p:nvPr>
-            <p:ph idx="1"/>
+            <p:ph sz="half" idx="1"/>
           </p:nvPr>
         </p:nvSpPr>
-        <p:spPr/>
+        <p:spPr>
+          <a:xfrm>
+            <a:off x="5407216" y="1991065"/>
+            <a:ext cx="2164395" cy="4023360"/>
+          </a:xfrm>
+        </p:spPr>
         <p:txBody>
           <a:bodyPr/>
           <a:lstStyle/>
-          <a:p>
-            <a:pPr marL="0" indent="0">
-              <a:buNone/>
-            </a:pPr>
-            <a:r>
-              <a:rPr lang="en-US" dirty="0" smtClean="0">
-                <a:solidFill>
-                  <a:srgbClr val="00B0F0"/>
-                </a:solidFill>
-              </a:rPr>
-              <a:t>1) </a:t>
-            </a:r>
-            <a:r>
-              <a:rPr lang="en-US" dirty="0" err="1" smtClean="0">
-                <a:solidFill>
-                  <a:srgbClr val="00B0F0"/>
-                </a:solidFill>
-              </a:rPr>
-              <a:t>searchQueue</a:t>
-            </a:r>
-            <a:r>
-              <a:rPr lang="en-US" dirty="0" smtClean="0">
-                <a:solidFill>
-                  <a:srgbClr val="00B0F0"/>
-                </a:solidFill>
-              </a:rPr>
-              <a:t> &lt;- a priority queue containing the root</a:t>
-            </a:r>
-          </a:p>
-          <a:p>
-            <a:pPr marL="0" indent="0">
-              <a:buNone/>
-            </a:pPr>
-            <a:r>
-              <a:rPr lang="en-US" dirty="0" smtClean="0"/>
-              <a:t>2) </a:t>
-            </a:r>
-            <a:r>
-              <a:rPr lang="en-US" dirty="0" err="1" smtClean="0"/>
-              <a:t>visitedSet</a:t>
-            </a:r>
-            <a:r>
-              <a:rPr lang="en-US" dirty="0" smtClean="0"/>
-              <a:t> &lt;- a set of visited nodes</a:t>
-            </a:r>
-          </a:p>
-          <a:p>
-            <a:pPr marL="0" indent="0">
-              <a:buNone/>
-            </a:pPr>
-            <a:r>
-              <a:rPr lang="en-US" dirty="0" smtClean="0"/>
-              <a:t>3) While </a:t>
-            </a:r>
-            <a:r>
-              <a:rPr lang="en-US" dirty="0" err="1" smtClean="0"/>
-              <a:t>searchQueue</a:t>
-            </a:r>
-            <a:r>
-              <a:rPr lang="en-US" dirty="0" smtClean="0"/>
-              <a:t> is not empty:</a:t>
-            </a:r>
-          </a:p>
-          <a:p>
-            <a:pPr marL="201168" lvl="1" indent="0">
-              <a:buNone/>
-            </a:pPr>
-            <a:r>
-              <a:rPr lang="en-US" dirty="0"/>
-              <a:t>4</a:t>
-            </a:r>
-            <a:r>
-              <a:rPr lang="en-US" dirty="0" smtClean="0"/>
-              <a:t>) </a:t>
-            </a:r>
-            <a:r>
-              <a:rPr lang="en-US" dirty="0" err="1" smtClean="0"/>
-              <a:t>currentPath</a:t>
-            </a:r>
-            <a:r>
-              <a:rPr lang="en-US" dirty="0" smtClean="0"/>
-              <a:t> &lt;- </a:t>
-            </a:r>
-            <a:r>
-              <a:rPr lang="en-US" dirty="0" err="1"/>
-              <a:t>d</a:t>
-            </a:r>
-            <a:r>
-              <a:rPr lang="en-US" dirty="0" err="1" smtClean="0"/>
-              <a:t>equeue</a:t>
-            </a:r>
-            <a:r>
-              <a:rPr lang="en-US" dirty="0" smtClean="0"/>
-              <a:t> the next path off </a:t>
-            </a:r>
-            <a:r>
-              <a:rPr lang="en-US" dirty="0" err="1" smtClean="0"/>
-              <a:t>searchQueue</a:t>
-            </a:r>
-            <a:r>
-              <a:rPr lang="en-US" dirty="0" smtClean="0"/>
-              <a:t>.</a:t>
-            </a:r>
-          </a:p>
-          <a:p>
-            <a:pPr marL="201168" lvl="1" indent="0">
-              <a:buNone/>
-            </a:pPr>
-            <a:r>
-              <a:rPr lang="en-US" dirty="0"/>
-              <a:t>5</a:t>
-            </a:r>
-            <a:r>
-              <a:rPr lang="en-US" dirty="0" smtClean="0"/>
-              <a:t>) </a:t>
-            </a:r>
-            <a:r>
-              <a:rPr lang="en-US" dirty="0" err="1" smtClean="0"/>
-              <a:t>lastNode</a:t>
-            </a:r>
-            <a:r>
-              <a:rPr lang="en-US" dirty="0" smtClean="0"/>
-              <a:t> &lt;- find the last node in </a:t>
-            </a:r>
-            <a:r>
-              <a:rPr lang="en-US" dirty="0" err="1" smtClean="0"/>
-              <a:t>currentPath</a:t>
-            </a:r>
-            <a:endParaRPr lang="en-US" dirty="0" smtClean="0"/>
-          </a:p>
-          <a:p>
-            <a:pPr marL="201168" lvl="1" indent="0">
-              <a:buNone/>
-            </a:pPr>
-            <a:r>
-              <a:rPr lang="en-US" dirty="0"/>
-              <a:t>6</a:t>
-            </a:r>
-            <a:r>
-              <a:rPr lang="en-US" dirty="0" smtClean="0"/>
-              <a:t>) </a:t>
-            </a:r>
-            <a:r>
-              <a:rPr lang="en-US" dirty="0" err="1" smtClean="0"/>
-              <a:t>Foreach</a:t>
-            </a:r>
-            <a:r>
-              <a:rPr lang="en-US" dirty="0" smtClean="0"/>
-              <a:t> unvisited neighbor </a:t>
-            </a:r>
-            <a:r>
-              <a:rPr lang="en-US" dirty="0" err="1" smtClean="0"/>
-              <a:t>neighborNode</a:t>
-            </a:r>
-            <a:r>
-              <a:rPr lang="en-US" dirty="0" smtClean="0"/>
-              <a:t> of </a:t>
-            </a:r>
-            <a:r>
-              <a:rPr lang="en-US" dirty="0" err="1" smtClean="0"/>
-              <a:t>lastNode</a:t>
-            </a:r>
-            <a:r>
-              <a:rPr lang="en-US" dirty="0" smtClean="0"/>
-              <a:t>:</a:t>
-            </a:r>
-          </a:p>
           <a:p>
             <a:pPr marL="384048" lvl="2" indent="0">
               <a:buNone/>
             </a:pPr>
             <a:r>
+              <a:rPr lang="en-US" dirty="0" err="1" smtClean="0"/>
+              <a:t>searchQueue</a:t>
+            </a:r>
+            <a:r>
+              <a:rPr lang="en-US" dirty="0" smtClean="0"/>
+              <a:t> </a:t>
+            </a:r>
+            <a:r>
               <a:rPr lang="en-US" dirty="0"/>
-              <a:t>7</a:t>
+              <a:t>= </a:t>
             </a:r>
             <a:r>
               <a:rPr lang="en-US" dirty="0" smtClean="0"/>
-              <a:t>) Add </a:t>
-            </a:r>
-            <a:r>
-              <a:rPr lang="en-US" dirty="0" err="1" smtClean="0"/>
-              <a:t>neighborNode</a:t>
-            </a:r>
-            <a:r>
-              <a:rPr lang="en-US" dirty="0" smtClean="0"/>
-              <a:t> to </a:t>
-            </a:r>
-            <a:r>
-              <a:rPr lang="en-US" dirty="0" err="1" smtClean="0"/>
-              <a:t>visitedSet</a:t>
-            </a:r>
-            <a:r>
-              <a:rPr lang="en-US" dirty="0" smtClean="0"/>
-              <a:t>.</a:t>
+              <a:t>[</a:t>
             </a:r>
           </a:p>
           <a:p>
@@ -10872,75 +10499,17 @@
               <a:buNone/>
             </a:pPr>
             <a:r>
-              <a:rPr lang="en-US" dirty="0"/>
-              <a:t>8</a:t>
-            </a:r>
-            <a:r>
               <a:rPr lang="en-US" dirty="0" smtClean="0"/>
-              <a:t>) </a:t>
-            </a:r>
-            <a:r>
-              <a:rPr lang="en-US" dirty="0" err="1" smtClean="0"/>
-              <a:t>newPath</a:t>
-            </a:r>
-            <a:r>
-              <a:rPr lang="en-US" dirty="0" smtClean="0"/>
-              <a:t> &lt;- append </a:t>
-            </a:r>
-            <a:r>
-              <a:rPr lang="en-US" dirty="0" err="1" smtClean="0"/>
-              <a:t>neighborNode</a:t>
-            </a:r>
-            <a:r>
-              <a:rPr lang="en-US" dirty="0" smtClean="0"/>
-              <a:t> to a copy of </a:t>
-            </a:r>
-            <a:r>
-              <a:rPr lang="en-US" dirty="0" err="1" smtClean="0"/>
-              <a:t>currentPath</a:t>
-            </a:r>
-            <a:r>
-              <a:rPr lang="en-US" dirty="0"/>
-              <a:t>.</a:t>
-            </a:r>
-            <a:endParaRPr lang="en-US" dirty="0" smtClean="0"/>
+              <a:t>[[0,0),(1,1)],</a:t>
+            </a:r>
           </a:p>
           <a:p>
             <a:pPr marL="384048" lvl="2" indent="0">
               <a:buNone/>
             </a:pPr>
             <a:r>
-              <a:rPr lang="en-US" dirty="0"/>
-              <a:t>9</a:t>
-            </a:r>
-            <a:r>
               <a:rPr lang="en-US" dirty="0" smtClean="0"/>
-              <a:t>) If </a:t>
-            </a:r>
-            <a:r>
-              <a:rPr lang="en-US" dirty="0" err="1" smtClean="0"/>
-              <a:t>neighborNode</a:t>
-            </a:r>
-            <a:r>
-              <a:rPr lang="en-US" dirty="0" smtClean="0"/>
-              <a:t> contains the goal:</a:t>
-            </a:r>
-          </a:p>
-          <a:p>
-            <a:pPr marL="566928" lvl="3" indent="0">
-              <a:buNone/>
-            </a:pPr>
-            <a:r>
-              <a:rPr lang="en-US" dirty="0" smtClean="0"/>
-              <a:t>10) Return </a:t>
-            </a:r>
-            <a:r>
-              <a:rPr lang="en-US" dirty="0" err="1" smtClean="0"/>
-              <a:t>newPath</a:t>
-            </a:r>
-            <a:r>
-              <a:rPr lang="en-US" dirty="0" smtClean="0"/>
-              <a:t> as the shortest path to the goal.</a:t>
+              <a:t>[(0,0),(1,0)]</a:t>
             </a:r>
           </a:p>
           <a:p>
@@ -10949,227 +10518,447 @@
             </a:pPr>
             <a:r>
               <a:rPr lang="en-US" dirty="0" smtClean="0"/>
-              <a:t>11) Else:</a:t>
-            </a:r>
-          </a:p>
-          <a:p>
-            <a:pPr marL="566928" lvl="3" indent="0">
-              <a:buNone/>
-            </a:pPr>
-            <a:r>
-              <a:rPr lang="en-US" dirty="0" smtClean="0">
-                <a:solidFill>
-                  <a:srgbClr val="00B0F0"/>
-                </a:solidFill>
-              </a:rPr>
-              <a:t>12) </a:t>
-            </a:r>
-            <a:r>
-              <a:rPr lang="en-US" dirty="0" err="1" smtClean="0">
-                <a:solidFill>
-                  <a:srgbClr val="00B0F0"/>
-                </a:solidFill>
-              </a:rPr>
-              <a:t>pathScore</a:t>
-            </a:r>
-            <a:r>
-              <a:rPr lang="en-US" dirty="0" smtClean="0">
-                <a:solidFill>
-                  <a:srgbClr val="00B0F0"/>
-                </a:solidFill>
-              </a:rPr>
-              <a:t> = d(</a:t>
-            </a:r>
-            <a:r>
-              <a:rPr lang="en-US" dirty="0" err="1" smtClean="0">
-                <a:solidFill>
-                  <a:srgbClr val="00B0F0"/>
-                </a:solidFill>
-              </a:rPr>
-              <a:t>newPath</a:t>
-            </a:r>
-            <a:r>
-              <a:rPr lang="en-US" dirty="0" smtClean="0">
-                <a:solidFill>
-                  <a:srgbClr val="00B0F0"/>
-                </a:solidFill>
-              </a:rPr>
-              <a:t>) + h(</a:t>
-            </a:r>
-            <a:r>
-              <a:rPr lang="en-US" dirty="0" err="1" smtClean="0">
-                <a:solidFill>
-                  <a:srgbClr val="00B0F0"/>
-                </a:solidFill>
-              </a:rPr>
-              <a:t>neighborNode</a:t>
-            </a:r>
-            <a:r>
-              <a:rPr lang="en-US" dirty="0">
-                <a:solidFill>
-                  <a:srgbClr val="00B0F0"/>
-                </a:solidFill>
-              </a:rPr>
-              <a:t>)</a:t>
-            </a:r>
-            <a:endParaRPr lang="en-US" dirty="0" smtClean="0">
-              <a:solidFill>
-                <a:srgbClr val="00B0F0"/>
-              </a:solidFill>
-            </a:endParaRPr>
-          </a:p>
-          <a:p>
-            <a:pPr marL="566928" lvl="3" indent="0">
-              <a:buNone/>
-            </a:pPr>
-            <a:r>
-              <a:rPr lang="en-US" dirty="0" smtClean="0"/>
-              <a:t>13) </a:t>
-            </a:r>
-            <a:r>
-              <a:rPr lang="en-US" dirty="0" err="1" smtClean="0"/>
-              <a:t>Enqueue</a:t>
-            </a:r>
-            <a:r>
-              <a:rPr lang="en-US" dirty="0" smtClean="0"/>
-              <a:t> </a:t>
-            </a:r>
-            <a:r>
-              <a:rPr lang="en-US" dirty="0" err="1" smtClean="0"/>
-              <a:t>newPath</a:t>
-            </a:r>
-            <a:r>
-              <a:rPr lang="en-US" dirty="0" smtClean="0"/>
-              <a:t> into </a:t>
-            </a:r>
-            <a:r>
-              <a:rPr lang="en-US" dirty="0" err="1" smtClean="0"/>
-              <a:t>searchQueue</a:t>
-            </a:r>
-            <a:r>
-              <a:rPr lang="en-US" dirty="0"/>
-              <a:t> </a:t>
-            </a:r>
-            <a:r>
-              <a:rPr lang="en-US" dirty="0" smtClean="0"/>
-              <a:t>with a priority of </a:t>
-            </a:r>
-            <a:r>
-              <a:rPr lang="en-US" dirty="0" err="1" smtClean="0"/>
-              <a:t>pathScore</a:t>
-            </a:r>
-            <a:endParaRPr lang="en-US" dirty="0" smtClean="0"/>
-          </a:p>
-          <a:p>
-            <a:pPr marL="0" indent="0">
-              <a:buNone/>
-            </a:pPr>
-            <a:r>
-              <a:rPr lang="en-US" dirty="0" smtClean="0"/>
-              <a:t>14) If we reach this point then there is no path to the goal!</a:t>
+              <a:t>]</a:t>
             </a:r>
           </a:p>
           <a:p>
             <a:pPr marL="384048" lvl="2" indent="0">
               <a:buNone/>
             </a:pPr>
-            <a:endParaRPr lang="en-US" dirty="0" smtClean="0"/>
+            <a:endParaRPr lang="en-US" dirty="0"/>
           </a:p>
           <a:p>
             <a:pPr marL="384048" lvl="2" indent="0">
               <a:buNone/>
             </a:pPr>
-            <a:endParaRPr lang="en-US" dirty="0" smtClean="0"/>
-          </a:p>
-        </p:txBody>
-      </p:sp>
-      <p:sp>
-        <p:nvSpPr>
-          <p:cNvPr id="4" name="Text Placeholder 3"/>
+            <a:r>
+              <a:rPr lang="en-US" dirty="0" err="1"/>
+              <a:t>visitedSet</a:t>
+            </a:r>
+            <a:r>
+              <a:rPr lang="en-US" dirty="0"/>
+              <a:t> = </a:t>
+            </a:r>
+            <a:r>
+              <a:rPr lang="en-US" dirty="0" smtClean="0"/>
+              <a:t>[</a:t>
+            </a:r>
+          </a:p>
+          <a:p>
+            <a:pPr marL="384048" lvl="2" indent="0">
+              <a:buNone/>
+            </a:pPr>
+            <a:r>
+              <a:rPr lang="en-US" dirty="0" smtClean="0"/>
+              <a:t>(0,0),</a:t>
+            </a:r>
+          </a:p>
+          <a:p>
+            <a:pPr marL="384048" lvl="2" indent="0">
+              <a:buNone/>
+            </a:pPr>
+            <a:r>
+              <a:rPr lang="en-US" dirty="0" smtClean="0"/>
+              <a:t>(0,1),</a:t>
+            </a:r>
+          </a:p>
+          <a:p>
+            <a:pPr marL="384048" lvl="2" indent="0">
+              <a:buNone/>
+            </a:pPr>
+            <a:r>
+              <a:rPr lang="en-US" dirty="0" smtClean="0"/>
+              <a:t>(1,0),</a:t>
+            </a:r>
+          </a:p>
+          <a:p>
+            <a:pPr marL="384048" lvl="2" indent="0">
+              <a:buNone/>
+            </a:pPr>
+            <a:r>
+              <a:rPr lang="en-US" dirty="0" smtClean="0"/>
+              <a:t>(1,1)</a:t>
+            </a:r>
+          </a:p>
+          <a:p>
+            <a:pPr marL="384048" lvl="2" indent="0">
+              <a:buNone/>
+            </a:pPr>
+            <a:r>
+              <a:rPr lang="en-US" dirty="0" smtClean="0"/>
+              <a:t>]</a:t>
+            </a:r>
+          </a:p>
+        </p:txBody>
+      </p:sp>
+      <p:sp>
+        <p:nvSpPr>
+          <p:cNvPr id="4" name="Content Placeholder 3"/>
           <p:cNvSpPr>
             <a:spLocks noGrp="1"/>
           </p:cNvSpPr>
           <p:nvPr>
-            <p:ph type="body" sz="half" idx="2"/>
+            <p:ph sz="half" idx="2"/>
           </p:nvPr>
         </p:nvSpPr>
-        <p:spPr/>
+        <p:spPr>
+          <a:xfrm>
+            <a:off x="938911" y="1991065"/>
+            <a:ext cx="4076149" cy="4023360"/>
+          </a:xfrm>
+        </p:spPr>
         <p:txBody>
           <a:bodyPr/>
           <a:lstStyle/>
           <a:p>
             <a:r>
               <a:rPr lang="en-US" dirty="0" smtClean="0"/>
-              <a:t>The following pseudocode is a high-level template for a basic A* search.</a:t>
-            </a:r>
-          </a:p>
-          <a:p>
+              <a:t>In the first iteration we select the search root and then check all the neighbors.</a:t>
+            </a:r>
+          </a:p>
+          <a:p>
+            <a:r>
+              <a:rPr lang="en-US" dirty="0"/>
+              <a:t>The </a:t>
+            </a:r>
+            <a:r>
+              <a:rPr lang="en-US" dirty="0" err="1"/>
+              <a:t>bludger</a:t>
+            </a:r>
+            <a:r>
+              <a:rPr lang="en-US" dirty="0"/>
+              <a:t> can’t be used in a valid path; however, we still mark it as visited</a:t>
+            </a:r>
             <a:r>
               <a:rPr lang="en-US" dirty="0" smtClean="0"/>
-              <a:t>&lt;- symbols are assignment statements</a:t>
-            </a:r>
+              <a:t>.</a:t>
+            </a:r>
+            <a:endParaRPr lang="en-US" dirty="0" smtClean="0"/>
           </a:p>
           <a:p>
             <a:r>
               <a:rPr lang="en-US" dirty="0" smtClean="0"/>
-              <a:t>In the </a:t>
+              <a:t>The end result state is two new paths in the </a:t>
             </a:r>
             <a:r>
               <a:rPr lang="en-US" dirty="0" err="1" smtClean="0"/>
-              <a:t>pathScore</a:t>
+              <a:t>searchQueue</a:t>
+            </a:r>
+            <a:r>
+              <a:rPr lang="en-US" dirty="0"/>
+              <a:t> </a:t>
             </a:r>
             <a:r>
               <a:rPr lang="en-US" dirty="0" smtClean="0"/>
-              <a:t> step:</a:t>
-            </a:r>
-          </a:p>
-          <a:p>
+              <a:t>and three new visited </a:t>
+            </a:r>
             <a:r>
               <a:rPr lang="en-US" dirty="0" smtClean="0"/>
-              <a:t>d(</a:t>
-            </a:r>
-            <a:r>
-              <a:rPr lang="en-US" dirty="0" err="1" smtClean="0"/>
-              <a:t>newPath</a:t>
+              <a:t>nodes.</a:t>
+            </a:r>
+          </a:p>
+          <a:p>
+            <a:r>
+              <a:rPr lang="en-US" dirty="0"/>
+              <a:t>N</a:t>
             </a:r>
             <a:r>
               <a:rPr lang="en-US" dirty="0" smtClean="0"/>
-              <a:t>) = is the length of </a:t>
-            </a:r>
-            <a:r>
-              <a:rPr lang="en-US" dirty="0" err="1" smtClean="0"/>
-              <a:t>newPath</a:t>
-            </a:r>
-            <a:endParaRPr lang="en-US" dirty="0" smtClean="0"/>
-          </a:p>
-          <a:p>
-            <a:r>
-              <a:rPr lang="en-US" dirty="0" smtClean="0"/>
-              <a:t>h(</a:t>
-            </a:r>
-            <a:r>
-              <a:rPr lang="en-US" dirty="0" err="1" smtClean="0"/>
-              <a:t>neighborNode</a:t>
-            </a:r>
-            <a:r>
-              <a:rPr lang="en-US" dirty="0" smtClean="0"/>
-              <a:t>) = is the heuristic score of the </a:t>
-            </a:r>
-            <a:r>
-              <a:rPr lang="en-US" dirty="0" err="1" smtClean="0"/>
-              <a:t>neighborNode</a:t>
-            </a:r>
-            <a:endParaRPr lang="en-US" dirty="0" smtClean="0"/>
-          </a:p>
-          <a:p>
-            <a:endParaRPr lang="en-US" dirty="0" smtClean="0"/>
+              <a:t>one of the searched nodes contain the snitch our algorithm will continue with the next queued path.</a:t>
+            </a:r>
+            <a:endParaRPr lang="en-US" dirty="0"/>
+          </a:p>
+        </p:txBody>
+      </p:sp>
+      <p:pic>
+        <p:nvPicPr>
+          <p:cNvPr id="5" name="Picture 4"/>
+          <p:cNvPicPr>
+            <a:picLocks noChangeAspect="1"/>
+          </p:cNvPicPr>
+          <p:nvPr/>
+        </p:nvPicPr>
+        <p:blipFill>
+          <a:blip r:embed="rId2">
+            <a:extLst>
+              <a:ext uri="{28A0092B-C50C-407E-A947-70E740481C1C}">
+                <a14:useLocalDpi xmlns:a14="http://schemas.microsoft.com/office/drawing/2010/main" val="0"/>
+              </a:ext>
+            </a:extLst>
+          </a:blip>
+          <a:stretch>
+            <a:fillRect/>
+          </a:stretch>
+        </p:blipFill>
+        <p:spPr>
+          <a:xfrm>
+            <a:off x="7866380" y="2220363"/>
+            <a:ext cx="3289300" cy="3302000"/>
+          </a:xfrm>
+          <a:prstGeom prst="rect">
+            <a:avLst/>
+          </a:prstGeom>
+        </p:spPr>
+      </p:pic>
+      <p:sp>
+        <p:nvSpPr>
+          <p:cNvPr id="6" name="Left Bracket 5"/>
+          <p:cNvSpPr/>
+          <p:nvPr/>
+        </p:nvSpPr>
+        <p:spPr>
+          <a:xfrm>
+            <a:off x="7956224" y="2318994"/>
+            <a:ext cx="75414" cy="509047"/>
+          </a:xfrm>
+          <a:prstGeom prst="leftBracket">
+            <a:avLst/>
+          </a:prstGeom>
+        </p:spPr>
+        <p:style>
+          <a:lnRef idx="1">
+            <a:schemeClr val="accent1"/>
+          </a:lnRef>
+          <a:fillRef idx="0">
+            <a:schemeClr val="accent1"/>
+          </a:fillRef>
+          <a:effectRef idx="0">
+            <a:schemeClr val="accent1"/>
+          </a:effectRef>
+          <a:fontRef idx="minor">
+            <a:schemeClr val="tx1"/>
+          </a:fontRef>
+        </p:style>
+        <p:txBody>
+          <a:bodyPr rtlCol="0" anchor="ctr"/>
+          <a:lstStyle/>
+          <a:p>
+            <a:pPr algn="ctr"/>
+            <a:endParaRPr lang="en-US"/>
+          </a:p>
+        </p:txBody>
+      </p:sp>
+      <p:sp>
+        <p:nvSpPr>
+          <p:cNvPr id="7" name="Right Bracket 6"/>
+          <p:cNvSpPr/>
+          <p:nvPr/>
+        </p:nvSpPr>
+        <p:spPr>
+          <a:xfrm>
+            <a:off x="8418135" y="2318994"/>
+            <a:ext cx="84841" cy="527901"/>
+          </a:xfrm>
+          <a:prstGeom prst="rightBracket">
+            <a:avLst/>
+          </a:prstGeom>
+        </p:spPr>
+        <p:style>
+          <a:lnRef idx="1">
+            <a:schemeClr val="accent1"/>
+          </a:lnRef>
+          <a:fillRef idx="0">
+            <a:schemeClr val="accent1"/>
+          </a:fillRef>
+          <a:effectRef idx="0">
+            <a:schemeClr val="accent1"/>
+          </a:effectRef>
+          <a:fontRef idx="minor">
+            <a:schemeClr val="tx1"/>
+          </a:fontRef>
+        </p:style>
+        <p:txBody>
+          <a:bodyPr rtlCol="0" anchor="ctr"/>
+          <a:lstStyle/>
+          <a:p>
+            <a:pPr algn="ctr"/>
+            <a:endParaRPr lang="en-US"/>
+          </a:p>
+        </p:txBody>
+      </p:sp>
+      <p:sp>
+        <p:nvSpPr>
+          <p:cNvPr id="9" name="Frame 8"/>
+          <p:cNvSpPr/>
+          <p:nvPr/>
+        </p:nvSpPr>
+        <p:spPr>
+          <a:xfrm>
+            <a:off x="7963767" y="2960016"/>
+            <a:ext cx="539209" cy="546755"/>
+          </a:xfrm>
+          <a:prstGeom prst="frame">
+            <a:avLst/>
+          </a:prstGeom>
+        </p:spPr>
+        <p:style>
+          <a:lnRef idx="2">
+            <a:schemeClr val="accent1">
+              <a:shade val="50000"/>
+            </a:schemeClr>
+          </a:lnRef>
+          <a:fillRef idx="1">
+            <a:schemeClr val="accent1"/>
+          </a:fillRef>
+          <a:effectRef idx="0">
+            <a:schemeClr val="accent1"/>
+          </a:effectRef>
+          <a:fontRef idx="minor">
+            <a:schemeClr val="lt1"/>
+          </a:fontRef>
+        </p:style>
+        <p:txBody>
+          <a:bodyPr rtlCol="0" anchor="ctr"/>
+          <a:lstStyle/>
+          <a:p>
+            <a:pPr algn="ctr"/>
+            <a:endParaRPr lang="en-US">
+              <a:solidFill>
+                <a:schemeClr val="tx1"/>
+              </a:solidFill>
+            </a:endParaRPr>
+          </a:p>
+        </p:txBody>
+      </p:sp>
+      <p:sp>
+        <p:nvSpPr>
+          <p:cNvPr id="10" name="Frame 9"/>
+          <p:cNvSpPr/>
+          <p:nvPr/>
+        </p:nvSpPr>
+        <p:spPr>
+          <a:xfrm>
+            <a:off x="8600363" y="2960016"/>
+            <a:ext cx="539209" cy="546755"/>
+          </a:xfrm>
+          <a:prstGeom prst="frame">
+            <a:avLst/>
+          </a:prstGeom>
+        </p:spPr>
+        <p:style>
+          <a:lnRef idx="2">
+            <a:schemeClr val="accent1">
+              <a:shade val="50000"/>
+            </a:schemeClr>
+          </a:lnRef>
+          <a:fillRef idx="1">
+            <a:schemeClr val="accent1"/>
+          </a:fillRef>
+          <a:effectRef idx="0">
+            <a:schemeClr val="accent1"/>
+          </a:effectRef>
+          <a:fontRef idx="minor">
+            <a:schemeClr val="lt1"/>
+          </a:fontRef>
+        </p:style>
+        <p:txBody>
+          <a:bodyPr rtlCol="0" anchor="ctr"/>
+          <a:lstStyle/>
+          <a:p>
+            <a:pPr algn="ctr"/>
+            <a:endParaRPr lang="en-US">
+              <a:solidFill>
+                <a:schemeClr val="tx1"/>
+              </a:solidFill>
+            </a:endParaRPr>
+          </a:p>
+        </p:txBody>
+      </p:sp>
+      <p:sp>
+        <p:nvSpPr>
+          <p:cNvPr id="11" name="Frame 10"/>
+          <p:cNvSpPr/>
+          <p:nvPr/>
+        </p:nvSpPr>
+        <p:spPr>
+          <a:xfrm>
+            <a:off x="8600362" y="2316812"/>
+            <a:ext cx="539209" cy="546755"/>
+          </a:xfrm>
+          <a:prstGeom prst="frame">
+            <a:avLst/>
+          </a:prstGeom>
+        </p:spPr>
+        <p:style>
+          <a:lnRef idx="2">
+            <a:schemeClr val="accent1">
+              <a:shade val="50000"/>
+            </a:schemeClr>
+          </a:lnRef>
+          <a:fillRef idx="1">
+            <a:schemeClr val="accent1"/>
+          </a:fillRef>
+          <a:effectRef idx="0">
+            <a:schemeClr val="accent1"/>
+          </a:effectRef>
+          <a:fontRef idx="minor">
+            <a:schemeClr val="lt1"/>
+          </a:fontRef>
+        </p:style>
+        <p:txBody>
+          <a:bodyPr rtlCol="0" anchor="ctr"/>
+          <a:lstStyle/>
+          <a:p>
+            <a:pPr algn="ctr"/>
+            <a:endParaRPr lang="en-US">
+              <a:solidFill>
+                <a:schemeClr val="tx1"/>
+              </a:solidFill>
+            </a:endParaRPr>
+          </a:p>
+        </p:txBody>
+      </p:sp>
+      <p:sp>
+        <p:nvSpPr>
+          <p:cNvPr id="12" name="&quot;No&quot; Symbol 11"/>
+          <p:cNvSpPr/>
+          <p:nvPr/>
+        </p:nvSpPr>
+        <p:spPr>
+          <a:xfrm>
+            <a:off x="8600362" y="2326239"/>
+            <a:ext cx="539209" cy="527901"/>
+          </a:xfrm>
+          <a:prstGeom prst="noSmoking">
+            <a:avLst/>
+          </a:prstGeom>
+          <a:solidFill>
+            <a:srgbClr val="FF0000"/>
+          </a:solidFill>
+        </p:spPr>
+        <p:style>
+          <a:lnRef idx="2">
+            <a:schemeClr val="accent1">
+              <a:shade val="50000"/>
+            </a:schemeClr>
+          </a:lnRef>
+          <a:fillRef idx="1">
+            <a:schemeClr val="accent1"/>
+          </a:fillRef>
+          <a:effectRef idx="0">
+            <a:schemeClr val="accent1"/>
+          </a:effectRef>
+          <a:fontRef idx="minor">
+            <a:schemeClr val="lt1"/>
+          </a:fontRef>
+        </p:style>
+        <p:txBody>
+          <a:bodyPr rtlCol="0" anchor="ctr"/>
+          <a:lstStyle/>
+          <a:p>
+            <a:pPr algn="ctr"/>
+            <a:endParaRPr lang="en-US">
+              <a:solidFill>
+                <a:schemeClr val="tx1"/>
+              </a:solidFill>
+            </a:endParaRPr>
           </a:p>
         </p:txBody>
       </p:sp>
     </p:spTree>
     <p:extLst>
       <p:ext uri="{BB962C8B-B14F-4D97-AF65-F5344CB8AC3E}">
-        <p14:creationId xmlns:p14="http://schemas.microsoft.com/office/powerpoint/2010/main" val="825574813"/>
+        <p14:creationId xmlns:p14="http://schemas.microsoft.com/office/powerpoint/2010/main" val="1080951682"/>
       </p:ext>
     </p:extLst>
   </p:cSld>
@@ -11218,9 +11007,17 @@
           <a:bodyPr/>
           <a:lstStyle/>
           <a:p>
+            <a:pPr algn="ctr"/>
             <a:r>
               <a:rPr lang="en-US" dirty="0" smtClean="0"/>
-              <a:t>Quick A* Example</a:t>
+              <a:t>A*</a:t>
+            </a:r>
+            <a:br>
+              <a:rPr lang="en-US" dirty="0" smtClean="0"/>
+            </a:br>
+            <a:r>
+              <a:rPr lang="en-US" dirty="0" smtClean="0"/>
+              <a:t>Search</a:t>
             </a:r>
             <a:endParaRPr lang="en-US" dirty="0"/>
           </a:p>
@@ -11233,29 +11030,207 @@
             <a:spLocks noGrp="1"/>
           </p:cNvSpPr>
           <p:nvPr>
-            <p:ph sz="half" idx="1"/>
+            <p:ph idx="1"/>
           </p:nvPr>
         </p:nvSpPr>
-        <p:spPr>
-          <a:xfrm>
-            <a:off x="5015060" y="1991065"/>
-            <a:ext cx="2556551" cy="4023360"/>
-          </a:xfrm>
-        </p:spPr>
+        <p:spPr/>
         <p:txBody>
           <a:bodyPr/>
           <a:lstStyle/>
+          <a:p>
+            <a:pPr marL="0" indent="0">
+              <a:buNone/>
+            </a:pPr>
+            <a:r>
+              <a:rPr lang="en-US" dirty="0" smtClean="0">
+                <a:solidFill>
+                  <a:srgbClr val="00B0F0"/>
+                </a:solidFill>
+              </a:rPr>
+              <a:t>1) </a:t>
+            </a:r>
+            <a:r>
+              <a:rPr lang="en-US" dirty="0" err="1" smtClean="0">
+                <a:solidFill>
+                  <a:srgbClr val="00B0F0"/>
+                </a:solidFill>
+              </a:rPr>
+              <a:t>searchQueue</a:t>
+            </a:r>
+            <a:r>
+              <a:rPr lang="en-US" dirty="0" smtClean="0">
+                <a:solidFill>
+                  <a:srgbClr val="00B0F0"/>
+                </a:solidFill>
+              </a:rPr>
+              <a:t> &lt;- a priority queue containing the root</a:t>
+            </a:r>
+          </a:p>
+          <a:p>
+            <a:pPr marL="0" indent="0">
+              <a:buNone/>
+            </a:pPr>
+            <a:r>
+              <a:rPr lang="en-US" dirty="0" smtClean="0"/>
+              <a:t>2) </a:t>
+            </a:r>
+            <a:r>
+              <a:rPr lang="en-US" dirty="0" err="1" smtClean="0"/>
+              <a:t>visitedSet</a:t>
+            </a:r>
+            <a:r>
+              <a:rPr lang="en-US" dirty="0" smtClean="0"/>
+              <a:t> &lt;- a set of visited nodes</a:t>
+            </a:r>
+          </a:p>
+          <a:p>
+            <a:pPr marL="0" indent="0">
+              <a:buNone/>
+            </a:pPr>
+            <a:r>
+              <a:rPr lang="en-US" dirty="0" smtClean="0"/>
+              <a:t>3) While </a:t>
+            </a:r>
+            <a:r>
+              <a:rPr lang="en-US" dirty="0" err="1" smtClean="0"/>
+              <a:t>searchQueue</a:t>
+            </a:r>
+            <a:r>
+              <a:rPr lang="en-US" dirty="0" smtClean="0"/>
+              <a:t> is not empty:</a:t>
+            </a:r>
+          </a:p>
+          <a:p>
+            <a:pPr marL="201168" lvl="1" indent="0">
+              <a:buNone/>
+            </a:pPr>
+            <a:r>
+              <a:rPr lang="en-US" dirty="0"/>
+              <a:t>4</a:t>
+            </a:r>
+            <a:r>
+              <a:rPr lang="en-US" dirty="0" smtClean="0"/>
+              <a:t>) </a:t>
+            </a:r>
+            <a:r>
+              <a:rPr lang="en-US" dirty="0" err="1" smtClean="0"/>
+              <a:t>currentPath</a:t>
+            </a:r>
+            <a:r>
+              <a:rPr lang="en-US" dirty="0" smtClean="0"/>
+              <a:t> &lt;- </a:t>
+            </a:r>
+            <a:r>
+              <a:rPr lang="en-US" dirty="0" err="1"/>
+              <a:t>d</a:t>
+            </a:r>
+            <a:r>
+              <a:rPr lang="en-US" dirty="0" err="1" smtClean="0"/>
+              <a:t>equeue</a:t>
+            </a:r>
+            <a:r>
+              <a:rPr lang="en-US" dirty="0" smtClean="0"/>
+              <a:t> the next path off </a:t>
+            </a:r>
+            <a:r>
+              <a:rPr lang="en-US" dirty="0" err="1" smtClean="0"/>
+              <a:t>searchQueue</a:t>
+            </a:r>
+            <a:r>
+              <a:rPr lang="en-US" dirty="0" smtClean="0"/>
+              <a:t>.</a:t>
+            </a:r>
+          </a:p>
+          <a:p>
+            <a:pPr marL="201168" lvl="1" indent="0">
+              <a:buNone/>
+            </a:pPr>
+            <a:r>
+              <a:rPr lang="en-US" dirty="0"/>
+              <a:t>5</a:t>
+            </a:r>
+            <a:r>
+              <a:rPr lang="en-US" dirty="0" smtClean="0"/>
+              <a:t>) </a:t>
+            </a:r>
+            <a:r>
+              <a:rPr lang="en-US" dirty="0" err="1" smtClean="0"/>
+              <a:t>lastNode</a:t>
+            </a:r>
+            <a:r>
+              <a:rPr lang="en-US" dirty="0" smtClean="0"/>
+              <a:t> &lt;- find the last node in </a:t>
+            </a:r>
+            <a:r>
+              <a:rPr lang="en-US" dirty="0" err="1" smtClean="0"/>
+              <a:t>currentPath</a:t>
+            </a:r>
+            <a:endParaRPr lang="en-US" dirty="0" smtClean="0"/>
+          </a:p>
+          <a:p>
+            <a:pPr marL="201168" lvl="1" indent="0">
+              <a:buNone/>
+            </a:pPr>
+            <a:r>
+              <a:rPr lang="en-US" dirty="0"/>
+              <a:t>6</a:t>
+            </a:r>
+            <a:r>
+              <a:rPr lang="en-US" dirty="0" smtClean="0"/>
+              <a:t>) </a:t>
+            </a:r>
+            <a:r>
+              <a:rPr lang="en-US" dirty="0" err="1" smtClean="0"/>
+              <a:t>Foreach</a:t>
+            </a:r>
+            <a:r>
+              <a:rPr lang="en-US" dirty="0" smtClean="0"/>
+              <a:t> unvisited neighbor </a:t>
+            </a:r>
+            <a:r>
+              <a:rPr lang="en-US" dirty="0" err="1" smtClean="0"/>
+              <a:t>neighborNode</a:t>
+            </a:r>
+            <a:r>
+              <a:rPr lang="en-US" dirty="0" smtClean="0"/>
+              <a:t> of </a:t>
+            </a:r>
+            <a:r>
+              <a:rPr lang="en-US" dirty="0" err="1" smtClean="0"/>
+              <a:t>lastNode</a:t>
+            </a:r>
+            <a:r>
+              <a:rPr lang="en-US" dirty="0" smtClean="0"/>
+              <a:t>:</a:t>
+            </a:r>
+          </a:p>
           <a:p>
             <a:pPr marL="384048" lvl="2" indent="0">
               <a:buNone/>
             </a:pPr>
             <a:r>
+              <a:rPr lang="en-US" dirty="0"/>
+              <a:t>7</a:t>
+            </a:r>
+            <a:r>
+              <a:rPr lang="en-US" dirty="0" smtClean="0"/>
+              <a:t>) Add </a:t>
+            </a:r>
+            <a:r>
               <a:rPr lang="en-US" dirty="0" err="1" smtClean="0"/>
-              <a:t>searchQueue</a:t>
+              <a:t>neighborNode</a:t>
             </a:r>
             <a:r>
               <a:rPr lang="en-US" dirty="0" smtClean="0"/>
-              <a:t> = [</a:t>
+              <a:t> to </a:t>
+            </a:r>
+            <a:r>
+              <a:rPr lang="en-US" dirty="0" err="1" smtClean="0"/>
+              <a:t>visitedSet</a:t>
+            </a:r>
+            <a:r>
+              <a:rPr lang="en-US" dirty="0" smtClean="0"/>
+              <a:t>.</a:t>
             </a:r>
           </a:p>
           <a:p>
@@ -11263,143 +11238,304 @@
               <a:buNone/>
             </a:pPr>
             <a:r>
+              <a:rPr lang="en-US" dirty="0"/>
+              <a:t>8</a:t>
+            </a:r>
+            <a:r>
               <a:rPr lang="en-US" dirty="0" smtClean="0"/>
-              <a:t>{ path: [(0,0)], score: 4 }</a:t>
-            </a:r>
+              <a:t>) </a:t>
+            </a:r>
+            <a:r>
+              <a:rPr lang="en-US" dirty="0" err="1" smtClean="0"/>
+              <a:t>newPath</a:t>
+            </a:r>
+            <a:r>
+              <a:rPr lang="en-US" dirty="0" smtClean="0"/>
+              <a:t> &lt;- append </a:t>
+            </a:r>
+            <a:r>
+              <a:rPr lang="en-US" dirty="0" err="1" smtClean="0"/>
+              <a:t>neighborNode</a:t>
+            </a:r>
+            <a:r>
+              <a:rPr lang="en-US" dirty="0" smtClean="0"/>
+              <a:t> to a copy of </a:t>
+            </a:r>
+            <a:r>
+              <a:rPr lang="en-US" dirty="0" err="1" smtClean="0"/>
+              <a:t>currentPath</a:t>
+            </a:r>
+            <a:r>
+              <a:rPr lang="en-US" dirty="0"/>
+              <a:t>.</a:t>
+            </a:r>
+            <a:endParaRPr lang="en-US" dirty="0" smtClean="0"/>
           </a:p>
           <a:p>
             <a:pPr marL="384048" lvl="2" indent="0">
               <a:buNone/>
             </a:pPr>
             <a:r>
+              <a:rPr lang="en-US" dirty="0"/>
+              <a:t>9</a:t>
+            </a:r>
+            <a:r>
               <a:rPr lang="en-US" dirty="0" smtClean="0"/>
-              <a:t>]</a:t>
+              <a:t>) If </a:t>
+            </a:r>
+            <a:r>
+              <a:rPr lang="en-US" dirty="0" err="1" smtClean="0"/>
+              <a:t>neighborNode</a:t>
+            </a:r>
+            <a:r>
+              <a:rPr lang="en-US" dirty="0" smtClean="0"/>
+              <a:t> contains the goal:</a:t>
+            </a:r>
+          </a:p>
+          <a:p>
+            <a:pPr marL="566928" lvl="3" indent="0">
+              <a:buNone/>
+            </a:pPr>
+            <a:r>
+              <a:rPr lang="en-US" dirty="0" smtClean="0"/>
+              <a:t>10) Return </a:t>
+            </a:r>
+            <a:r>
+              <a:rPr lang="en-US" dirty="0" err="1" smtClean="0"/>
+              <a:t>newPath</a:t>
+            </a:r>
+            <a:r>
+              <a:rPr lang="en-US" dirty="0" smtClean="0"/>
+              <a:t> as the shortest path to the goal.</a:t>
             </a:r>
           </a:p>
           <a:p>
             <a:pPr marL="384048" lvl="2" indent="0">
               <a:buNone/>
             </a:pPr>
-            <a:endParaRPr lang="en-US" dirty="0"/>
+            <a:r>
+              <a:rPr lang="en-US" dirty="0" smtClean="0"/>
+              <a:t>11) Else:</a:t>
+            </a:r>
+          </a:p>
+          <a:p>
+            <a:pPr marL="566928" lvl="3" indent="0">
+              <a:buNone/>
+            </a:pPr>
+            <a:r>
+              <a:rPr lang="en-US" dirty="0" smtClean="0">
+                <a:solidFill>
+                  <a:srgbClr val="00B0F0"/>
+                </a:solidFill>
+              </a:rPr>
+              <a:t>12) </a:t>
+            </a:r>
+            <a:r>
+              <a:rPr lang="en-US" dirty="0" err="1" smtClean="0">
+                <a:solidFill>
+                  <a:srgbClr val="00B0F0"/>
+                </a:solidFill>
+              </a:rPr>
+              <a:t>pathScore</a:t>
+            </a:r>
+            <a:r>
+              <a:rPr lang="en-US" dirty="0" smtClean="0">
+                <a:solidFill>
+                  <a:srgbClr val="00B0F0"/>
+                </a:solidFill>
+              </a:rPr>
+              <a:t> = d(</a:t>
+            </a:r>
+            <a:r>
+              <a:rPr lang="en-US" dirty="0" err="1" smtClean="0">
+                <a:solidFill>
+                  <a:srgbClr val="00B0F0"/>
+                </a:solidFill>
+              </a:rPr>
+              <a:t>newPath</a:t>
+            </a:r>
+            <a:r>
+              <a:rPr lang="en-US" dirty="0" smtClean="0">
+                <a:solidFill>
+                  <a:srgbClr val="00B0F0"/>
+                </a:solidFill>
+              </a:rPr>
+              <a:t>) + h(</a:t>
+            </a:r>
+            <a:r>
+              <a:rPr lang="en-US" dirty="0" err="1" smtClean="0">
+                <a:solidFill>
+                  <a:srgbClr val="00B0F0"/>
+                </a:solidFill>
+              </a:rPr>
+              <a:t>neighborNode</a:t>
+            </a:r>
+            <a:r>
+              <a:rPr lang="en-US" dirty="0">
+                <a:solidFill>
+                  <a:srgbClr val="00B0F0"/>
+                </a:solidFill>
+              </a:rPr>
+              <a:t>)</a:t>
+            </a:r>
+            <a:endParaRPr lang="en-US" dirty="0" smtClean="0">
+              <a:solidFill>
+                <a:srgbClr val="00B0F0"/>
+              </a:solidFill>
+            </a:endParaRPr>
+          </a:p>
+          <a:p>
+            <a:pPr marL="566928" lvl="3" indent="0">
+              <a:buNone/>
+            </a:pPr>
+            <a:r>
+              <a:rPr lang="en-US" dirty="0" smtClean="0"/>
+              <a:t>13) </a:t>
+            </a:r>
+            <a:r>
+              <a:rPr lang="en-US" dirty="0" err="1" smtClean="0"/>
+              <a:t>Enqueue</a:t>
+            </a:r>
+            <a:r>
+              <a:rPr lang="en-US" dirty="0" smtClean="0"/>
+              <a:t> </a:t>
+            </a:r>
+            <a:r>
+              <a:rPr lang="en-US" dirty="0" err="1" smtClean="0"/>
+              <a:t>newPath</a:t>
+            </a:r>
+            <a:r>
+              <a:rPr lang="en-US" dirty="0" smtClean="0"/>
+              <a:t> into </a:t>
+            </a:r>
+            <a:r>
+              <a:rPr lang="en-US" dirty="0" err="1" smtClean="0"/>
+              <a:t>searchQueue</a:t>
+            </a:r>
+            <a:r>
+              <a:rPr lang="en-US" dirty="0"/>
+              <a:t> </a:t>
+            </a:r>
+            <a:r>
+              <a:rPr lang="en-US" dirty="0" smtClean="0"/>
+              <a:t>with a priority of </a:t>
+            </a:r>
+            <a:r>
+              <a:rPr lang="en-US" dirty="0" err="1" smtClean="0"/>
+              <a:t>pathScore</a:t>
+            </a:r>
+            <a:endParaRPr lang="en-US" dirty="0" smtClean="0"/>
+          </a:p>
+          <a:p>
+            <a:pPr marL="0" indent="0">
+              <a:buNone/>
+            </a:pPr>
+            <a:r>
+              <a:rPr lang="en-US" dirty="0" smtClean="0"/>
+              <a:t>14) If we reach this point then there is no path to the goal!</a:t>
+            </a:r>
           </a:p>
           <a:p>
             <a:pPr marL="384048" lvl="2" indent="0">
               <a:buNone/>
             </a:pPr>
-            <a:r>
-              <a:rPr lang="en-US" dirty="0" err="1"/>
-              <a:t>visitedSet</a:t>
-            </a:r>
-            <a:r>
-              <a:rPr lang="en-US" dirty="0"/>
-              <a:t> = [ </a:t>
-            </a:r>
             <a:endParaRPr lang="en-US" dirty="0" smtClean="0"/>
           </a:p>
           <a:p>
             <a:pPr marL="384048" lvl="2" indent="0">
               <a:buNone/>
             </a:pPr>
-            <a:r>
-              <a:rPr lang="en-US" dirty="0" smtClean="0"/>
-              <a:t>(0,0)</a:t>
-            </a:r>
-          </a:p>
-          <a:p>
-            <a:pPr marL="384048" lvl="2" indent="0">
-              <a:buNone/>
-            </a:pPr>
-            <a:r>
-              <a:rPr lang="en-US" dirty="0" smtClean="0"/>
-              <a:t>]</a:t>
-            </a:r>
-          </a:p>
-        </p:txBody>
-      </p:sp>
-      <p:sp>
-        <p:nvSpPr>
-          <p:cNvPr id="4" name="Content Placeholder 3"/>
+            <a:endParaRPr lang="en-US" dirty="0" smtClean="0"/>
+          </a:p>
+        </p:txBody>
+      </p:sp>
+      <p:sp>
+        <p:nvSpPr>
+          <p:cNvPr id="4" name="Text Placeholder 3"/>
           <p:cNvSpPr>
             <a:spLocks noGrp="1"/>
           </p:cNvSpPr>
           <p:nvPr>
-            <p:ph sz="half" idx="2"/>
+            <p:ph type="body" sz="half" idx="2"/>
           </p:nvPr>
         </p:nvSpPr>
-        <p:spPr>
-          <a:xfrm>
-            <a:off x="938912" y="1991065"/>
-            <a:ext cx="3972454" cy="4023360"/>
-          </a:xfrm>
-        </p:spPr>
+        <p:spPr/>
         <p:txBody>
           <a:bodyPr/>
           <a:lstStyle/>
           <a:p>
             <a:r>
               <a:rPr lang="en-US" dirty="0" smtClean="0"/>
-              <a:t>Here’s an example of the initial state of the A* search.</a:t>
+              <a:t>The following pseudocode is a high-level template for a basic A* search.</a:t>
             </a:r>
           </a:p>
           <a:p>
             <a:r>
               <a:rPr lang="en-US" dirty="0" smtClean="0"/>
-              <a:t>The search root (0,0) is again in both the </a:t>
+              <a:t>&lt;- symbols are assignment statements</a:t>
+            </a:r>
+          </a:p>
+          <a:p>
+            <a:r>
+              <a:rPr lang="en-US" dirty="0" smtClean="0"/>
+              <a:t>In the </a:t>
             </a:r>
             <a:r>
               <a:rPr lang="en-US" dirty="0" err="1" smtClean="0"/>
-              <a:t>searchQueue</a:t>
+              <a:t>pathScore</a:t>
             </a:r>
             <a:r>
               <a:rPr lang="en-US" dirty="0" smtClean="0"/>
-              <a:t> and the </a:t>
+              <a:t> step:</a:t>
+            </a:r>
+          </a:p>
+          <a:p>
+            <a:r>
+              <a:rPr lang="en-US" dirty="0" smtClean="0"/>
+              <a:t>d(</a:t>
             </a:r>
             <a:r>
               <a:rPr lang="en-US" dirty="0" err="1" smtClean="0"/>
-              <a:t>visitedSet</a:t>
+              <a:t>newPath</a:t>
             </a:r>
             <a:r>
               <a:rPr lang="en-US" dirty="0" smtClean="0"/>
-              <a:t>, though this time it has an attached score used by the priority queue.</a:t>
-            </a:r>
-            <a:endParaRPr lang="en-US" dirty="0"/>
-          </a:p>
-        </p:txBody>
-      </p:sp>
-      <p:pic>
-        <p:nvPicPr>
-          <p:cNvPr id="5" name="Picture 4"/>
-          <p:cNvPicPr>
-            <a:picLocks noChangeAspect="1"/>
-          </p:cNvPicPr>
-          <p:nvPr/>
-        </p:nvPicPr>
-        <p:blipFill>
-          <a:blip r:embed="rId2">
-            <a:extLst>
-              <a:ext uri="{28A0092B-C50C-407E-A947-70E740481C1C}">
-                <a14:useLocalDpi xmlns:a14="http://schemas.microsoft.com/office/drawing/2010/main" val="0"/>
-              </a:ext>
-            </a:extLst>
-          </a:blip>
-          <a:stretch>
-            <a:fillRect/>
-          </a:stretch>
-        </p:blipFill>
-        <p:spPr>
-          <a:xfrm>
-            <a:off x="7866380" y="2220363"/>
-            <a:ext cx="3289300" cy="3302000"/>
-          </a:xfrm>
-          <a:prstGeom prst="rect">
-            <a:avLst/>
-          </a:prstGeom>
-        </p:spPr>
-      </p:pic>
+              <a:t>) = is the length of </a:t>
+            </a:r>
+            <a:r>
+              <a:rPr lang="en-US" dirty="0" err="1" smtClean="0"/>
+              <a:t>newPath</a:t>
+            </a:r>
+            <a:endParaRPr lang="en-US" dirty="0" smtClean="0"/>
+          </a:p>
+          <a:p>
+            <a:r>
+              <a:rPr lang="en-US" dirty="0" smtClean="0"/>
+              <a:t>h(</a:t>
+            </a:r>
+            <a:r>
+              <a:rPr lang="en-US" dirty="0" err="1" smtClean="0"/>
+              <a:t>neighborNode</a:t>
+            </a:r>
+            <a:r>
+              <a:rPr lang="en-US" dirty="0" smtClean="0"/>
+              <a:t>) = is the heuristic score of the </a:t>
+            </a:r>
+            <a:r>
+              <a:rPr lang="en-US" dirty="0" err="1" smtClean="0"/>
+              <a:t>neighborNode</a:t>
+            </a:r>
+            <a:endParaRPr lang="en-US" dirty="0" smtClean="0"/>
+          </a:p>
+          <a:p>
+            <a:endParaRPr lang="en-US" dirty="0" smtClean="0"/>
+          </a:p>
+        </p:txBody>
+      </p:sp>
     </p:spTree>
     <p:extLst>
       <p:ext uri="{BB962C8B-B14F-4D97-AF65-F5344CB8AC3E}">
-        <p14:creationId xmlns:p14="http://schemas.microsoft.com/office/powerpoint/2010/main" val="1136416530"/>
+        <p14:creationId xmlns:p14="http://schemas.microsoft.com/office/powerpoint/2010/main" val="825574813"/>
       </p:ext>
     </p:extLst>
   </p:cSld>
@@ -11468,8 +11604,8 @@
         </p:nvSpPr>
         <p:spPr>
           <a:xfrm>
-            <a:off x="4665134" y="1991065"/>
-            <a:ext cx="2906478" cy="4023360"/>
+            <a:off x="5015060" y="1991065"/>
+            <a:ext cx="2556551" cy="4023360"/>
           </a:xfrm>
         </p:spPr>
         <p:txBody>
@@ -11480,16 +11616,12 @@
               <a:buNone/>
             </a:pPr>
             <a:r>
-              <a:rPr lang="en-US" dirty="0" err="1"/>
+              <a:rPr lang="en-US" dirty="0" err="1" smtClean="0"/>
               <a:t>searchQueue</a:t>
             </a:r>
             <a:r>
-              <a:rPr lang="en-US" dirty="0"/>
-              <a:t> = </a:t>
-            </a:r>
-            <a:r>
               <a:rPr lang="en-US" dirty="0" smtClean="0"/>
-              <a:t>[</a:t>
+              <a:t> = [</a:t>
             </a:r>
           </a:p>
           <a:p>
@@ -11497,31 +11629,9 @@
               <a:buNone/>
             </a:pPr>
             <a:r>
-              <a:rPr lang="en-US" dirty="0"/>
-              <a:t>{ path: [(0,0),(1,1)], score: 4 </a:t>
-            </a:r>
-            <a:r>
               <a:rPr lang="en-US" dirty="0" smtClean="0"/>
-              <a:t>},</a:t>
-            </a:r>
-          </a:p>
-          <a:p>
-            <a:pPr marL="384048" lvl="2" indent="0">
-              <a:buNone/>
-            </a:pPr>
-            <a:r>
-              <a:rPr lang="en-US" dirty="0" smtClean="0"/>
-              <a:t>{ </a:t>
-            </a:r>
-            <a:r>
-              <a:rPr lang="en-US" dirty="0"/>
-              <a:t>path: [(0,0</a:t>
-            </a:r>
-            <a:r>
-              <a:rPr lang="en-US" dirty="0" smtClean="0"/>
-              <a:t>),(1,0)], score: 5 },</a:t>
-            </a:r>
-            <a:endParaRPr lang="en-US" dirty="0"/>
+              <a:t>{ path: [(0,0)], score: 4 }</a:t>
+            </a:r>
           </a:p>
           <a:p>
             <a:pPr marL="384048" lvl="2" indent="0">
@@ -11548,12 +11658,9 @@
             </a:r>
             <a:r>
               <a:rPr lang="en-US" dirty="0"/>
-              <a:t> = </a:t>
-            </a:r>
-            <a:r>
-              <a:rPr lang="en-US" dirty="0" smtClean="0"/>
-              <a:t>[</a:t>
-            </a:r>
+              <a:t> = [ </a:t>
+            </a:r>
+            <a:endParaRPr lang="en-US" dirty="0" smtClean="0"/>
           </a:p>
           <a:p>
             <a:pPr marL="384048" lvl="2" indent="0">
@@ -11561,34 +11668,7 @@
             </a:pPr>
             <a:r>
               <a:rPr lang="en-US" dirty="0" smtClean="0"/>
-              <a:t>(0,0),</a:t>
-            </a:r>
-          </a:p>
-          <a:p>
-            <a:pPr marL="384048" lvl="2" indent="0">
-              <a:buNone/>
-            </a:pPr>
-            <a:r>
-              <a:rPr lang="en-US" dirty="0" smtClean="0"/>
-              <a:t>(0,1),</a:t>
-            </a:r>
-          </a:p>
-          <a:p>
-            <a:pPr marL="384048" lvl="2" indent="0">
-              <a:buNone/>
-            </a:pPr>
-            <a:r>
-              <a:rPr lang="en-US" dirty="0" smtClean="0"/>
-              <a:t>(1,0),</a:t>
-            </a:r>
-          </a:p>
-          <a:p>
-            <a:pPr marL="384048" lvl="2" indent="0">
-              <a:buNone/>
-            </a:pPr>
-            <a:r>
-              <a:rPr lang="en-US" dirty="0" smtClean="0"/>
-              <a:t>(1,1)</a:t>
+              <a:t>(0,0)</a:t>
             </a:r>
           </a:p>
           <a:p>
@@ -11615,7 +11695,7 @@
         <p:spPr>
           <a:xfrm>
             <a:off x="938912" y="1991065"/>
-            <a:ext cx="3726222" cy="4023360"/>
+            <a:ext cx="3972454" cy="4023360"/>
           </a:xfrm>
         </p:spPr>
         <p:txBody>
@@ -11624,45 +11704,30 @@
           <a:p>
             <a:r>
               <a:rPr lang="en-US" dirty="0" smtClean="0"/>
-              <a:t>In the first iteration we select the search root and then check all the neighbors.</a:t>
+              <a:t>Here’s an example of the initial state of the A* search.</a:t>
             </a:r>
           </a:p>
           <a:p>
             <a:r>
               <a:rPr lang="en-US" dirty="0" smtClean="0"/>
-              <a:t>Once again the </a:t>
-            </a:r>
-            <a:r>
-              <a:rPr lang="en-US" dirty="0" err="1" smtClean="0"/>
-              <a:t>bludger</a:t>
-            </a:r>
-            <a:r>
-              <a:rPr lang="en-US" dirty="0" smtClean="0"/>
-              <a:t> isn’t included in any new paths.</a:t>
-            </a:r>
-          </a:p>
-          <a:p>
-            <a:r>
-              <a:rPr lang="en-US" dirty="0" smtClean="0"/>
-              <a:t>The end result state is again two new paths in the </a:t>
+              <a:t>The search root (0,0) is again in both the </a:t>
             </a:r>
             <a:r>
               <a:rPr lang="en-US" dirty="0" err="1" smtClean="0"/>
               <a:t>searchQueue</a:t>
             </a:r>
             <a:r>
-              <a:rPr lang="en-US" dirty="0"/>
-              <a:t> </a:t>
-            </a:r>
-            <a:r>
               <a:rPr lang="en-US" dirty="0" smtClean="0"/>
-              <a:t>and three new visited nodes.</a:t>
-            </a:r>
-          </a:p>
-          <a:p>
-            <a:endParaRPr lang="en-US" dirty="0" smtClean="0"/>
-          </a:p>
-          <a:p>
+              <a:t> and the </a:t>
+            </a:r>
+            <a:r>
+              <a:rPr lang="en-US" dirty="0" err="1" smtClean="0"/>
+              <a:t>visitedSet</a:t>
+            </a:r>
+            <a:r>
+              <a:rPr lang="en-US" dirty="0" smtClean="0"/>
+              <a:t>, though this time it has an attached score used by the priority queue.</a:t>
+            </a:r>
             <a:endParaRPr lang="en-US" dirty="0"/>
           </a:p>
         </p:txBody>
@@ -11697,324 +11762,10 @@
           </a:prstGeom>
         </p:spPr>
       </p:pic>
-      <p:sp>
-        <p:nvSpPr>
-          <p:cNvPr id="6" name="Left Bracket 5"/>
-          <p:cNvSpPr/>
-          <p:nvPr/>
-        </p:nvSpPr>
-        <p:spPr>
-          <a:xfrm>
-            <a:off x="7956224" y="2318994"/>
-            <a:ext cx="75414" cy="509047"/>
-          </a:xfrm>
-          <a:prstGeom prst="leftBracket">
-            <a:avLst/>
-          </a:prstGeom>
-        </p:spPr>
-        <p:style>
-          <a:lnRef idx="1">
-            <a:schemeClr val="accent1"/>
-          </a:lnRef>
-          <a:fillRef idx="0">
-            <a:schemeClr val="accent1"/>
-          </a:fillRef>
-          <a:effectRef idx="0">
-            <a:schemeClr val="accent1"/>
-          </a:effectRef>
-          <a:fontRef idx="minor">
-            <a:schemeClr val="tx1"/>
-          </a:fontRef>
-        </p:style>
-        <p:txBody>
-          <a:bodyPr rtlCol="0" anchor="ctr"/>
-          <a:lstStyle/>
-          <a:p>
-            <a:pPr algn="ctr"/>
-            <a:endParaRPr lang="en-US"/>
-          </a:p>
-        </p:txBody>
-      </p:sp>
-      <p:sp>
-        <p:nvSpPr>
-          <p:cNvPr id="7" name="Right Bracket 6"/>
-          <p:cNvSpPr/>
-          <p:nvPr/>
-        </p:nvSpPr>
-        <p:spPr>
-          <a:xfrm>
-            <a:off x="8418135" y="2318994"/>
-            <a:ext cx="84841" cy="527901"/>
-          </a:xfrm>
-          <a:prstGeom prst="rightBracket">
-            <a:avLst/>
-          </a:prstGeom>
-        </p:spPr>
-        <p:style>
-          <a:lnRef idx="1">
-            <a:schemeClr val="accent1"/>
-          </a:lnRef>
-          <a:fillRef idx="0">
-            <a:schemeClr val="accent1"/>
-          </a:fillRef>
-          <a:effectRef idx="0">
-            <a:schemeClr val="accent1"/>
-          </a:effectRef>
-          <a:fontRef idx="minor">
-            <a:schemeClr val="tx1"/>
-          </a:fontRef>
-        </p:style>
-        <p:txBody>
-          <a:bodyPr rtlCol="0" anchor="ctr"/>
-          <a:lstStyle/>
-          <a:p>
-            <a:pPr algn="ctr"/>
-            <a:endParaRPr lang="en-US"/>
-          </a:p>
-        </p:txBody>
-      </p:sp>
-      <p:sp>
-        <p:nvSpPr>
-          <p:cNvPr id="9" name="Frame 8"/>
-          <p:cNvSpPr/>
-          <p:nvPr/>
-        </p:nvSpPr>
-        <p:spPr>
-          <a:xfrm>
-            <a:off x="7963767" y="2960016"/>
-            <a:ext cx="539209" cy="546755"/>
-          </a:xfrm>
-          <a:prstGeom prst="frame">
-            <a:avLst/>
-          </a:prstGeom>
-          <a:solidFill>
-            <a:schemeClr val="accent1">
-              <a:lumMod val="60000"/>
-              <a:lumOff val="40000"/>
-            </a:schemeClr>
-          </a:solidFill>
-        </p:spPr>
-        <p:style>
-          <a:lnRef idx="2">
-            <a:schemeClr val="accent1">
-              <a:shade val="50000"/>
-            </a:schemeClr>
-          </a:lnRef>
-          <a:fillRef idx="1">
-            <a:schemeClr val="accent1"/>
-          </a:fillRef>
-          <a:effectRef idx="0">
-            <a:schemeClr val="accent1"/>
-          </a:effectRef>
-          <a:fontRef idx="minor">
-            <a:schemeClr val="lt1"/>
-          </a:fontRef>
-        </p:style>
-        <p:txBody>
-          <a:bodyPr rtlCol="0" anchor="ctr"/>
-          <a:lstStyle/>
-          <a:p>
-            <a:pPr algn="ctr"/>
-            <a:endParaRPr lang="en-US">
-              <a:solidFill>
-                <a:srgbClr val="92D050"/>
-              </a:solidFill>
-            </a:endParaRPr>
-          </a:p>
-        </p:txBody>
-      </p:sp>
-      <p:sp>
-        <p:nvSpPr>
-          <p:cNvPr id="10" name="Frame 9"/>
-          <p:cNvSpPr/>
-          <p:nvPr/>
-        </p:nvSpPr>
-        <p:spPr>
-          <a:xfrm>
-            <a:off x="8600363" y="2960016"/>
-            <a:ext cx="539209" cy="546755"/>
-          </a:xfrm>
-          <a:prstGeom prst="frame">
-            <a:avLst/>
-          </a:prstGeom>
-        </p:spPr>
-        <p:style>
-          <a:lnRef idx="2">
-            <a:schemeClr val="accent1">
-              <a:shade val="50000"/>
-            </a:schemeClr>
-          </a:lnRef>
-          <a:fillRef idx="1">
-            <a:schemeClr val="accent1"/>
-          </a:fillRef>
-          <a:effectRef idx="0">
-            <a:schemeClr val="accent1"/>
-          </a:effectRef>
-          <a:fontRef idx="minor">
-            <a:schemeClr val="lt1"/>
-          </a:fontRef>
-        </p:style>
-        <p:txBody>
-          <a:bodyPr rtlCol="0" anchor="ctr"/>
-          <a:lstStyle/>
-          <a:p>
-            <a:pPr algn="ctr"/>
-            <a:endParaRPr lang="en-US">
-              <a:solidFill>
-                <a:schemeClr val="tx1"/>
-              </a:solidFill>
-            </a:endParaRPr>
-          </a:p>
-        </p:txBody>
-      </p:sp>
-      <p:sp>
-        <p:nvSpPr>
-          <p:cNvPr id="8" name="&quot;No&quot; Symbol 7"/>
-          <p:cNvSpPr/>
-          <p:nvPr/>
-        </p:nvSpPr>
-        <p:spPr>
-          <a:xfrm>
-            <a:off x="8600363" y="2326239"/>
-            <a:ext cx="539209" cy="527901"/>
-          </a:xfrm>
-          <a:prstGeom prst="noSmoking">
-            <a:avLst/>
-          </a:prstGeom>
-          <a:solidFill>
-            <a:srgbClr val="FF0000"/>
-          </a:solidFill>
-        </p:spPr>
-        <p:style>
-          <a:lnRef idx="2">
-            <a:schemeClr val="accent1">
-              <a:shade val="50000"/>
-            </a:schemeClr>
-          </a:lnRef>
-          <a:fillRef idx="1">
-            <a:schemeClr val="accent1"/>
-          </a:fillRef>
-          <a:effectRef idx="0">
-            <a:schemeClr val="accent1"/>
-          </a:effectRef>
-          <a:fontRef idx="minor">
-            <a:schemeClr val="lt1"/>
-          </a:fontRef>
-        </p:style>
-        <p:txBody>
-          <a:bodyPr rtlCol="0" anchor="ctr"/>
-          <a:lstStyle/>
-          <a:p>
-            <a:pPr algn="ctr"/>
-            <a:endParaRPr lang="en-US">
-              <a:solidFill>
-                <a:schemeClr val="tx1"/>
-              </a:solidFill>
-            </a:endParaRPr>
-          </a:p>
-        </p:txBody>
-      </p:sp>
-      <p:sp>
-        <p:nvSpPr>
-          <p:cNvPr id="12" name="Frame 11"/>
-          <p:cNvSpPr/>
-          <p:nvPr/>
-        </p:nvSpPr>
-        <p:spPr>
-          <a:xfrm>
-            <a:off x="8601991" y="2309566"/>
-            <a:ext cx="539209" cy="546755"/>
-          </a:xfrm>
-          <a:prstGeom prst="frame">
-            <a:avLst/>
-          </a:prstGeom>
-          <a:solidFill>
-            <a:schemeClr val="accent1">
-              <a:lumMod val="60000"/>
-              <a:lumOff val="40000"/>
-            </a:schemeClr>
-          </a:solidFill>
-        </p:spPr>
-        <p:style>
-          <a:lnRef idx="2">
-            <a:schemeClr val="accent1">
-              <a:shade val="50000"/>
-            </a:schemeClr>
-          </a:lnRef>
-          <a:fillRef idx="1">
-            <a:schemeClr val="accent1"/>
-          </a:fillRef>
-          <a:effectRef idx="0">
-            <a:schemeClr val="accent1"/>
-          </a:effectRef>
-          <a:fontRef idx="minor">
-            <a:schemeClr val="lt1"/>
-          </a:fontRef>
-        </p:style>
-        <p:txBody>
-          <a:bodyPr rtlCol="0" anchor="ctr"/>
-          <a:lstStyle/>
-          <a:p>
-            <a:pPr algn="ctr"/>
-            <a:endParaRPr lang="en-US">
-              <a:solidFill>
-                <a:srgbClr val="92D050"/>
-              </a:solidFill>
-            </a:endParaRPr>
-          </a:p>
-        </p:txBody>
-      </p:sp>
-      <p:sp>
-        <p:nvSpPr>
-          <p:cNvPr id="13" name="&quot;No&quot; Symbol 12"/>
-          <p:cNvSpPr/>
-          <p:nvPr/>
-        </p:nvSpPr>
-        <p:spPr>
-          <a:xfrm>
-            <a:off x="8600363" y="2326239"/>
-            <a:ext cx="539209" cy="527901"/>
-          </a:xfrm>
-          <a:prstGeom prst="noSmoking">
-            <a:avLst/>
-          </a:prstGeom>
-          <a:solidFill>
-            <a:srgbClr val="FF0000"/>
-          </a:solidFill>
-        </p:spPr>
-        <p:style>
-          <a:lnRef idx="2">
-            <a:schemeClr val="accent1">
-              <a:shade val="50000"/>
-            </a:schemeClr>
-          </a:lnRef>
-          <a:fillRef idx="1">
-            <a:schemeClr val="accent1"/>
-          </a:fillRef>
-          <a:effectRef idx="0">
-            <a:schemeClr val="accent1"/>
-          </a:effectRef>
-          <a:fontRef idx="minor">
-            <a:schemeClr val="lt1"/>
-          </a:fontRef>
-        </p:style>
-        <p:txBody>
-          <a:bodyPr rtlCol="0" anchor="ctr"/>
-          <a:lstStyle/>
-          <a:p>
-            <a:pPr algn="ctr"/>
-            <a:endParaRPr lang="en-US">
-              <a:solidFill>
-                <a:schemeClr val="tx1"/>
-              </a:solidFill>
-            </a:endParaRPr>
-          </a:p>
-        </p:txBody>
-      </p:sp>
     </p:spTree>
     <p:extLst>
       <p:ext uri="{BB962C8B-B14F-4D97-AF65-F5344CB8AC3E}">
-        <p14:creationId xmlns:p14="http://schemas.microsoft.com/office/powerpoint/2010/main" val="33063292"/>
+        <p14:creationId xmlns:p14="http://schemas.microsoft.com/office/powerpoint/2010/main" val="1136416530"/>
       </p:ext>
     </p:extLst>
   </p:cSld>
@@ -12065,7 +11816,658 @@
           <a:p>
             <a:r>
               <a:rPr lang="en-US" dirty="0" smtClean="0"/>
-              <a:t>Thanks for Playing!</a:t>
+              <a:t>Quick A* Example</a:t>
+            </a:r>
+            <a:endParaRPr lang="en-US" dirty="0"/>
+          </a:p>
+        </p:txBody>
+      </p:sp>
+      <p:sp>
+        <p:nvSpPr>
+          <p:cNvPr id="3" name="Content Placeholder 2"/>
+          <p:cNvSpPr>
+            <a:spLocks noGrp="1"/>
+          </p:cNvSpPr>
+          <p:nvPr>
+            <p:ph sz="half" idx="1"/>
+          </p:nvPr>
+        </p:nvSpPr>
+        <p:spPr>
+          <a:xfrm>
+            <a:off x="4665134" y="1991065"/>
+            <a:ext cx="2906478" cy="4023360"/>
+          </a:xfrm>
+        </p:spPr>
+        <p:txBody>
+          <a:bodyPr>
+            <a:normAutofit lnSpcReduction="10000"/>
+          </a:bodyPr>
+          <a:lstStyle/>
+          <a:p>
+            <a:pPr marL="384048" lvl="2" indent="0">
+              <a:buNone/>
+            </a:pPr>
+            <a:r>
+              <a:rPr lang="en-US" dirty="0" err="1"/>
+              <a:t>searchQueue</a:t>
+            </a:r>
+            <a:r>
+              <a:rPr lang="en-US" dirty="0"/>
+              <a:t> = </a:t>
+            </a:r>
+            <a:r>
+              <a:rPr lang="en-US" dirty="0" smtClean="0"/>
+              <a:t>[</a:t>
+            </a:r>
+          </a:p>
+          <a:p>
+            <a:pPr marL="384048" lvl="2" indent="0">
+              <a:buNone/>
+            </a:pPr>
+            <a:r>
+              <a:rPr lang="en-US" dirty="0"/>
+              <a:t>{ path: [(0,0),(1,1)], score: 4 </a:t>
+            </a:r>
+            <a:r>
+              <a:rPr lang="en-US" dirty="0" smtClean="0"/>
+              <a:t>},</a:t>
+            </a:r>
+          </a:p>
+          <a:p>
+            <a:pPr marL="384048" lvl="2" indent="0">
+              <a:buNone/>
+            </a:pPr>
+            <a:r>
+              <a:rPr lang="en-US" dirty="0" smtClean="0"/>
+              <a:t>{ </a:t>
+            </a:r>
+            <a:r>
+              <a:rPr lang="en-US" dirty="0"/>
+              <a:t>path: [(0,0</a:t>
+            </a:r>
+            <a:r>
+              <a:rPr lang="en-US" dirty="0" smtClean="0"/>
+              <a:t>),(1,0)], score: 5 },</a:t>
+            </a:r>
+            <a:endParaRPr lang="en-US" dirty="0"/>
+          </a:p>
+          <a:p>
+            <a:pPr marL="384048" lvl="2" indent="0">
+              <a:buNone/>
+            </a:pPr>
+            <a:r>
+              <a:rPr lang="en-US" dirty="0" smtClean="0"/>
+              <a:t>]</a:t>
+            </a:r>
+          </a:p>
+          <a:p>
+            <a:pPr marL="384048" lvl="2" indent="0">
+              <a:buNone/>
+            </a:pPr>
+            <a:endParaRPr lang="en-US" dirty="0"/>
+          </a:p>
+          <a:p>
+            <a:pPr marL="384048" lvl="2" indent="0">
+              <a:buNone/>
+            </a:pPr>
+            <a:r>
+              <a:rPr lang="en-US" dirty="0" err="1"/>
+              <a:t>visitedSet</a:t>
+            </a:r>
+            <a:r>
+              <a:rPr lang="en-US" dirty="0"/>
+              <a:t> = </a:t>
+            </a:r>
+            <a:r>
+              <a:rPr lang="en-US" dirty="0" smtClean="0"/>
+              <a:t>[</a:t>
+            </a:r>
+          </a:p>
+          <a:p>
+            <a:pPr marL="384048" lvl="2" indent="0">
+              <a:buNone/>
+            </a:pPr>
+            <a:r>
+              <a:rPr lang="en-US" dirty="0" smtClean="0"/>
+              <a:t>(0,0),</a:t>
+            </a:r>
+          </a:p>
+          <a:p>
+            <a:pPr marL="384048" lvl="2" indent="0">
+              <a:buNone/>
+            </a:pPr>
+            <a:r>
+              <a:rPr lang="en-US" dirty="0" smtClean="0"/>
+              <a:t>(0,1),</a:t>
+            </a:r>
+          </a:p>
+          <a:p>
+            <a:pPr marL="384048" lvl="2" indent="0">
+              <a:buNone/>
+            </a:pPr>
+            <a:r>
+              <a:rPr lang="en-US" dirty="0" smtClean="0"/>
+              <a:t>(1,0),</a:t>
+            </a:r>
+          </a:p>
+          <a:p>
+            <a:pPr marL="384048" lvl="2" indent="0">
+              <a:buNone/>
+            </a:pPr>
+            <a:r>
+              <a:rPr lang="en-US" dirty="0" smtClean="0"/>
+              <a:t>(1,1)</a:t>
+            </a:r>
+          </a:p>
+          <a:p>
+            <a:pPr marL="384048" lvl="2" indent="0">
+              <a:buNone/>
+            </a:pPr>
+            <a:r>
+              <a:rPr lang="en-US" dirty="0" smtClean="0"/>
+              <a:t>]</a:t>
+            </a:r>
+          </a:p>
+        </p:txBody>
+      </p:sp>
+      <p:sp>
+        <p:nvSpPr>
+          <p:cNvPr id="4" name="Content Placeholder 3"/>
+          <p:cNvSpPr>
+            <a:spLocks noGrp="1"/>
+          </p:cNvSpPr>
+          <p:nvPr>
+            <p:ph sz="half" idx="2"/>
+          </p:nvPr>
+        </p:nvSpPr>
+        <p:spPr>
+          <a:xfrm>
+            <a:off x="938912" y="1991065"/>
+            <a:ext cx="3726222" cy="4119280"/>
+          </a:xfrm>
+        </p:spPr>
+        <p:txBody>
+          <a:bodyPr>
+            <a:normAutofit lnSpcReduction="10000"/>
+          </a:bodyPr>
+          <a:lstStyle/>
+          <a:p>
+            <a:r>
+              <a:rPr lang="en-US" dirty="0" smtClean="0"/>
+              <a:t>In the first iteration we select the search root and then check all the neighbors</a:t>
+            </a:r>
+            <a:r>
+              <a:rPr lang="en-US" dirty="0" smtClean="0"/>
+              <a:t>.</a:t>
+            </a:r>
+            <a:endParaRPr lang="en-US" dirty="0" smtClean="0"/>
+          </a:p>
+          <a:p>
+            <a:r>
+              <a:rPr lang="en-US" dirty="0" smtClean="0"/>
+              <a:t>The end result state is again two new paths in the </a:t>
+            </a:r>
+            <a:r>
+              <a:rPr lang="en-US" dirty="0" err="1" smtClean="0"/>
+              <a:t>searchQueue</a:t>
+            </a:r>
+            <a:r>
+              <a:rPr lang="en-US" dirty="0"/>
+              <a:t> </a:t>
+            </a:r>
+            <a:r>
+              <a:rPr lang="en-US" dirty="0" smtClean="0"/>
+              <a:t>and three new visited nodes.</a:t>
+            </a:r>
+          </a:p>
+          <a:p>
+            <a:r>
+              <a:rPr lang="en-US" dirty="0"/>
+              <a:t>None of the searched nodes contain the snitch our algorithm will continue with the next queued </a:t>
+            </a:r>
+            <a:r>
+              <a:rPr lang="en-US" dirty="0" smtClean="0"/>
+              <a:t>path by priority.</a:t>
+            </a:r>
+            <a:endParaRPr lang="en-US" dirty="0"/>
+          </a:p>
+          <a:p>
+            <a:r>
+              <a:rPr lang="en-US" dirty="0" smtClean="0"/>
+              <a:t>Note that lower scores are better.  Essentially: </a:t>
+            </a:r>
+          </a:p>
+          <a:p>
+            <a:r>
+              <a:rPr lang="en-US" dirty="0" smtClean="0"/>
+              <a:t>A*(n) </a:t>
+            </a:r>
+            <a:r>
+              <a:rPr lang="en-US" smtClean="0"/>
+              <a:t>= min(</a:t>
+            </a:r>
+            <a:r>
+              <a:rPr lang="en-US" smtClean="0"/>
+              <a:t>A</a:t>
+            </a:r>
+            <a:r>
+              <a:rPr lang="en-US" dirty="0" smtClean="0"/>
+              <a:t>*(</a:t>
+            </a:r>
+            <a:r>
+              <a:rPr lang="en-US" smtClean="0"/>
+              <a:t>n-1)</a:t>
+            </a:r>
+            <a:r>
+              <a:rPr lang="en-US" smtClean="0"/>
+              <a:t>)</a:t>
+            </a:r>
+            <a:endParaRPr lang="en-US" dirty="0" smtClean="0"/>
+          </a:p>
+          <a:p>
+            <a:endParaRPr lang="en-US" dirty="0"/>
+          </a:p>
+        </p:txBody>
+      </p:sp>
+      <p:pic>
+        <p:nvPicPr>
+          <p:cNvPr id="5" name="Picture 4"/>
+          <p:cNvPicPr>
+            <a:picLocks noChangeAspect="1"/>
+          </p:cNvPicPr>
+          <p:nvPr/>
+        </p:nvPicPr>
+        <p:blipFill>
+          <a:blip r:embed="rId2">
+            <a:extLst>
+              <a:ext uri="{28A0092B-C50C-407E-A947-70E740481C1C}">
+                <a14:useLocalDpi xmlns:a14="http://schemas.microsoft.com/office/drawing/2010/main" val="0"/>
+              </a:ext>
+            </a:extLst>
+          </a:blip>
+          <a:stretch>
+            <a:fillRect/>
+          </a:stretch>
+        </p:blipFill>
+        <p:spPr>
+          <a:xfrm>
+            <a:off x="7866380" y="2220363"/>
+            <a:ext cx="3289300" cy="3302000"/>
+          </a:xfrm>
+          <a:prstGeom prst="rect">
+            <a:avLst/>
+          </a:prstGeom>
+        </p:spPr>
+      </p:pic>
+      <p:sp>
+        <p:nvSpPr>
+          <p:cNvPr id="6" name="Left Bracket 5"/>
+          <p:cNvSpPr/>
+          <p:nvPr/>
+        </p:nvSpPr>
+        <p:spPr>
+          <a:xfrm>
+            <a:off x="7956224" y="2318994"/>
+            <a:ext cx="75414" cy="509047"/>
+          </a:xfrm>
+          <a:prstGeom prst="leftBracket">
+            <a:avLst/>
+          </a:prstGeom>
+        </p:spPr>
+        <p:style>
+          <a:lnRef idx="1">
+            <a:schemeClr val="accent1"/>
+          </a:lnRef>
+          <a:fillRef idx="0">
+            <a:schemeClr val="accent1"/>
+          </a:fillRef>
+          <a:effectRef idx="0">
+            <a:schemeClr val="accent1"/>
+          </a:effectRef>
+          <a:fontRef idx="minor">
+            <a:schemeClr val="tx1"/>
+          </a:fontRef>
+        </p:style>
+        <p:txBody>
+          <a:bodyPr rtlCol="0" anchor="ctr"/>
+          <a:lstStyle/>
+          <a:p>
+            <a:pPr algn="ctr"/>
+            <a:endParaRPr lang="en-US"/>
+          </a:p>
+        </p:txBody>
+      </p:sp>
+      <p:sp>
+        <p:nvSpPr>
+          <p:cNvPr id="7" name="Right Bracket 6"/>
+          <p:cNvSpPr/>
+          <p:nvPr/>
+        </p:nvSpPr>
+        <p:spPr>
+          <a:xfrm>
+            <a:off x="8418135" y="2318994"/>
+            <a:ext cx="84841" cy="527901"/>
+          </a:xfrm>
+          <a:prstGeom prst="rightBracket">
+            <a:avLst/>
+          </a:prstGeom>
+        </p:spPr>
+        <p:style>
+          <a:lnRef idx="1">
+            <a:schemeClr val="accent1"/>
+          </a:lnRef>
+          <a:fillRef idx="0">
+            <a:schemeClr val="accent1"/>
+          </a:fillRef>
+          <a:effectRef idx="0">
+            <a:schemeClr val="accent1"/>
+          </a:effectRef>
+          <a:fontRef idx="minor">
+            <a:schemeClr val="tx1"/>
+          </a:fontRef>
+        </p:style>
+        <p:txBody>
+          <a:bodyPr rtlCol="0" anchor="ctr"/>
+          <a:lstStyle/>
+          <a:p>
+            <a:pPr algn="ctr"/>
+            <a:endParaRPr lang="en-US"/>
+          </a:p>
+        </p:txBody>
+      </p:sp>
+      <p:sp>
+        <p:nvSpPr>
+          <p:cNvPr id="9" name="Frame 8"/>
+          <p:cNvSpPr/>
+          <p:nvPr/>
+        </p:nvSpPr>
+        <p:spPr>
+          <a:xfrm>
+            <a:off x="7963767" y="2960016"/>
+            <a:ext cx="539209" cy="546755"/>
+          </a:xfrm>
+          <a:prstGeom prst="frame">
+            <a:avLst/>
+          </a:prstGeom>
+          <a:solidFill>
+            <a:schemeClr val="accent1">
+              <a:lumMod val="60000"/>
+              <a:lumOff val="40000"/>
+            </a:schemeClr>
+          </a:solidFill>
+        </p:spPr>
+        <p:style>
+          <a:lnRef idx="2">
+            <a:schemeClr val="accent1">
+              <a:shade val="50000"/>
+            </a:schemeClr>
+          </a:lnRef>
+          <a:fillRef idx="1">
+            <a:schemeClr val="accent1"/>
+          </a:fillRef>
+          <a:effectRef idx="0">
+            <a:schemeClr val="accent1"/>
+          </a:effectRef>
+          <a:fontRef idx="minor">
+            <a:schemeClr val="lt1"/>
+          </a:fontRef>
+        </p:style>
+        <p:txBody>
+          <a:bodyPr rtlCol="0" anchor="ctr"/>
+          <a:lstStyle/>
+          <a:p>
+            <a:pPr algn="ctr"/>
+            <a:endParaRPr lang="en-US">
+              <a:solidFill>
+                <a:srgbClr val="92D050"/>
+              </a:solidFill>
+            </a:endParaRPr>
+          </a:p>
+        </p:txBody>
+      </p:sp>
+      <p:sp>
+        <p:nvSpPr>
+          <p:cNvPr id="10" name="Frame 9"/>
+          <p:cNvSpPr/>
+          <p:nvPr/>
+        </p:nvSpPr>
+        <p:spPr>
+          <a:xfrm>
+            <a:off x="8600363" y="2960016"/>
+            <a:ext cx="539209" cy="546755"/>
+          </a:xfrm>
+          <a:prstGeom prst="frame">
+            <a:avLst/>
+          </a:prstGeom>
+        </p:spPr>
+        <p:style>
+          <a:lnRef idx="2">
+            <a:schemeClr val="accent1">
+              <a:shade val="50000"/>
+            </a:schemeClr>
+          </a:lnRef>
+          <a:fillRef idx="1">
+            <a:schemeClr val="accent1"/>
+          </a:fillRef>
+          <a:effectRef idx="0">
+            <a:schemeClr val="accent1"/>
+          </a:effectRef>
+          <a:fontRef idx="minor">
+            <a:schemeClr val="lt1"/>
+          </a:fontRef>
+        </p:style>
+        <p:txBody>
+          <a:bodyPr rtlCol="0" anchor="ctr"/>
+          <a:lstStyle/>
+          <a:p>
+            <a:pPr algn="ctr"/>
+            <a:endParaRPr lang="en-US">
+              <a:solidFill>
+                <a:schemeClr val="tx1"/>
+              </a:solidFill>
+            </a:endParaRPr>
+          </a:p>
+        </p:txBody>
+      </p:sp>
+      <p:sp>
+        <p:nvSpPr>
+          <p:cNvPr id="8" name="&quot;No&quot; Symbol 7"/>
+          <p:cNvSpPr/>
+          <p:nvPr/>
+        </p:nvSpPr>
+        <p:spPr>
+          <a:xfrm>
+            <a:off x="8600363" y="2326239"/>
+            <a:ext cx="539209" cy="527901"/>
+          </a:xfrm>
+          <a:prstGeom prst="noSmoking">
+            <a:avLst/>
+          </a:prstGeom>
+          <a:solidFill>
+            <a:srgbClr val="FF0000"/>
+          </a:solidFill>
+        </p:spPr>
+        <p:style>
+          <a:lnRef idx="2">
+            <a:schemeClr val="accent1">
+              <a:shade val="50000"/>
+            </a:schemeClr>
+          </a:lnRef>
+          <a:fillRef idx="1">
+            <a:schemeClr val="accent1"/>
+          </a:fillRef>
+          <a:effectRef idx="0">
+            <a:schemeClr val="accent1"/>
+          </a:effectRef>
+          <a:fontRef idx="minor">
+            <a:schemeClr val="lt1"/>
+          </a:fontRef>
+        </p:style>
+        <p:txBody>
+          <a:bodyPr rtlCol="0" anchor="ctr"/>
+          <a:lstStyle/>
+          <a:p>
+            <a:pPr algn="ctr"/>
+            <a:endParaRPr lang="en-US">
+              <a:solidFill>
+                <a:schemeClr val="tx1"/>
+              </a:solidFill>
+            </a:endParaRPr>
+          </a:p>
+        </p:txBody>
+      </p:sp>
+      <p:sp>
+        <p:nvSpPr>
+          <p:cNvPr id="12" name="Frame 11"/>
+          <p:cNvSpPr/>
+          <p:nvPr/>
+        </p:nvSpPr>
+        <p:spPr>
+          <a:xfrm>
+            <a:off x="8601991" y="2309566"/>
+            <a:ext cx="539209" cy="546755"/>
+          </a:xfrm>
+          <a:prstGeom prst="frame">
+            <a:avLst/>
+          </a:prstGeom>
+          <a:solidFill>
+            <a:schemeClr val="accent1">
+              <a:lumMod val="60000"/>
+              <a:lumOff val="40000"/>
+            </a:schemeClr>
+          </a:solidFill>
+        </p:spPr>
+        <p:style>
+          <a:lnRef idx="2">
+            <a:schemeClr val="accent1">
+              <a:shade val="50000"/>
+            </a:schemeClr>
+          </a:lnRef>
+          <a:fillRef idx="1">
+            <a:schemeClr val="accent1"/>
+          </a:fillRef>
+          <a:effectRef idx="0">
+            <a:schemeClr val="accent1"/>
+          </a:effectRef>
+          <a:fontRef idx="minor">
+            <a:schemeClr val="lt1"/>
+          </a:fontRef>
+        </p:style>
+        <p:txBody>
+          <a:bodyPr rtlCol="0" anchor="ctr"/>
+          <a:lstStyle/>
+          <a:p>
+            <a:pPr algn="ctr"/>
+            <a:endParaRPr lang="en-US">
+              <a:solidFill>
+                <a:srgbClr val="92D050"/>
+              </a:solidFill>
+            </a:endParaRPr>
+          </a:p>
+        </p:txBody>
+      </p:sp>
+      <p:sp>
+        <p:nvSpPr>
+          <p:cNvPr id="13" name="&quot;No&quot; Symbol 12"/>
+          <p:cNvSpPr/>
+          <p:nvPr/>
+        </p:nvSpPr>
+        <p:spPr>
+          <a:xfrm>
+            <a:off x="8600363" y="2326239"/>
+            <a:ext cx="539209" cy="527901"/>
+          </a:xfrm>
+          <a:prstGeom prst="noSmoking">
+            <a:avLst/>
+          </a:prstGeom>
+          <a:solidFill>
+            <a:srgbClr val="FF0000"/>
+          </a:solidFill>
+        </p:spPr>
+        <p:style>
+          <a:lnRef idx="2">
+            <a:schemeClr val="accent1">
+              <a:shade val="50000"/>
+            </a:schemeClr>
+          </a:lnRef>
+          <a:fillRef idx="1">
+            <a:schemeClr val="accent1"/>
+          </a:fillRef>
+          <a:effectRef idx="0">
+            <a:schemeClr val="accent1"/>
+          </a:effectRef>
+          <a:fontRef idx="minor">
+            <a:schemeClr val="lt1"/>
+          </a:fontRef>
+        </p:style>
+        <p:txBody>
+          <a:bodyPr rtlCol="0" anchor="ctr"/>
+          <a:lstStyle/>
+          <a:p>
+            <a:pPr algn="ctr"/>
+            <a:endParaRPr lang="en-US">
+              <a:solidFill>
+                <a:schemeClr val="tx1"/>
+              </a:solidFill>
+            </a:endParaRPr>
+          </a:p>
+        </p:txBody>
+      </p:sp>
+    </p:spTree>
+    <p:extLst>
+      <p:ext uri="{BB962C8B-B14F-4D97-AF65-F5344CB8AC3E}">
+        <p14:creationId xmlns:p14="http://schemas.microsoft.com/office/powerpoint/2010/main" val="33063292"/>
+      </p:ext>
+    </p:extLst>
+  </p:cSld>
+  <p:clrMapOvr>
+    <a:masterClrMapping/>
+  </p:clrMapOvr>
+  <p:timing>
+    <p:tnLst>
+      <p:par>
+        <p:cTn id="1" dur="indefinite" restart="never" nodeType="tmRoot"/>
+      </p:par>
+    </p:tnLst>
+  </p:timing>
+</p:sld>
+</file>
+
+<file path=ppt/slides/slide26.xml><?xml version="1.0" encoding="utf-8"?>
+<p:sld xmlns:a="http://schemas.openxmlformats.org/drawingml/2006/main" xmlns:r="http://schemas.openxmlformats.org/officeDocument/2006/relationships" xmlns:p="http://schemas.openxmlformats.org/presentationml/2006/main">
+  <p:cSld>
+    <p:spTree>
+      <p:nvGrpSpPr>
+        <p:cNvPr id="1" name=""/>
+        <p:cNvGrpSpPr/>
+        <p:nvPr/>
+      </p:nvGrpSpPr>
+      <p:grpSpPr>
+        <a:xfrm>
+          <a:off x="0" y="0"/>
+          <a:ext cx="0" cy="0"/>
+          <a:chOff x="0" y="0"/>
+          <a:chExt cx="0" cy="0"/>
+        </a:xfrm>
+      </p:grpSpPr>
+      <p:sp>
+        <p:nvSpPr>
+          <p:cNvPr id="2" name="Title 1"/>
+          <p:cNvSpPr>
+            <a:spLocks noGrp="1"/>
+          </p:cNvSpPr>
+          <p:nvPr>
+            <p:ph type="title"/>
+          </p:nvPr>
+        </p:nvSpPr>
+        <p:spPr/>
+        <p:txBody>
+          <a:bodyPr/>
+          <a:lstStyle/>
+          <a:p>
+            <a:r>
+              <a:rPr lang="en-US" dirty="0" smtClean="0"/>
+              <a:t>Good Luck!</a:t>
             </a:r>
             <a:endParaRPr lang="en-US" dirty="0"/>
           </a:p>
@@ -12858,11 +13260,7 @@
             <a:pPr lvl="0"/>
             <a:r>
               <a:rPr lang="en-US" dirty="0" smtClean="0"/>
-              <a:t>Harry can </a:t>
-            </a:r>
-            <a:r>
-              <a:rPr lang="en-US" dirty="0" smtClean="0"/>
-              <a:t>easily spend forever wandering around in this maze before finding the goal!</a:t>
+              <a:t>Harry can easily spend forever wandering around in this maze before finding the goal!</a:t>
             </a:r>
           </a:p>
         </p:txBody>
@@ -13521,11 +13919,7 @@
           <a:p>
             <a:r>
               <a:rPr lang="en-US" dirty="0" smtClean="0"/>
-              <a:t>Harry needs </a:t>
-            </a:r>
-            <a:r>
-              <a:rPr lang="en-US" dirty="0" smtClean="0"/>
-              <a:t>to search the space for the best path first before running off.  The most systematic and consistent way to do this is with a Breadth First Search.</a:t>
+              <a:t>Harry needs to search the space for the best path first before running off.  The most systematic and consistent way to do this is with a Breadth First Search.</a:t>
             </a:r>
             <a:br>
               <a:rPr lang="en-US" dirty="0" smtClean="0"/>
@@ -16484,15 +16878,7 @@
           <a:p>
             <a:r>
               <a:rPr lang="en-US" dirty="0" smtClean="0"/>
-              <a:t>The systematic and layered nature of the search ensures that </a:t>
-            </a:r>
-            <a:r>
-              <a:rPr lang="en-US" dirty="0" smtClean="0"/>
-              <a:t>Harry can </a:t>
-            </a:r>
-            <a:r>
-              <a:rPr lang="en-US" dirty="0" smtClean="0"/>
-              <a:t>find the shortest path to the goal.</a:t>
+              <a:t>The systematic and layered nature of the search ensures that Harry can find the shortest path to the goal.</a:t>
             </a:r>
           </a:p>
           <a:p>
@@ -18833,15 +19219,7 @@
             </a:pPr>
             <a:r>
               <a:rPr lang="en-US" dirty="0" smtClean="0"/>
-              <a:t>BFS might guarantee us it will find the fastest path, but if the map is big and open then </a:t>
-            </a:r>
-            <a:r>
-              <a:rPr lang="en-US" dirty="0" smtClean="0"/>
-              <a:t>Harry will </a:t>
-            </a:r>
-            <a:r>
-              <a:rPr lang="en-US" dirty="0" smtClean="0"/>
-              <a:t>spend a huge amount of time searching over space which doesn’t contain a useful path.</a:t>
+              <a:t>BFS might guarantee us it will find the fastest path, but if the map is big and open then Harry will spend a huge amount of time searching over space which doesn’t contain a useful path.</a:t>
             </a:r>
             <a:endParaRPr lang="en-US" dirty="0"/>
           </a:p>
@@ -22970,15 +23348,7 @@
             </a:pPr>
             <a:r>
               <a:rPr lang="en-US" dirty="0" smtClean="0"/>
-              <a:t>What we’d ideally like instead is for </a:t>
-            </a:r>
-            <a:r>
-              <a:rPr lang="en-US" dirty="0" smtClean="0"/>
-              <a:t>Harry </a:t>
-            </a:r>
-            <a:r>
-              <a:rPr lang="en-US" dirty="0" smtClean="0"/>
-              <a:t>to do a directed search, one which sticks close to the likely path based on some kind of guiding information.</a:t>
+              <a:t>What we’d ideally like instead is for Harry to do a directed search, one which sticks close to the likely path based on some kind of guiding information.</a:t>
             </a:r>
             <a:endParaRPr lang="en-US" dirty="0"/>
           </a:p>
